--- a/materials/presentations/Modele Spojnosci.pptx
+++ b/materials/presentations/Modele Spojnosci.pptx
@@ -5,7 +5,7 @@
     <p:sldMasterId id="2147483648" r:id="rId1"/>
   </p:sldMasterIdLst>
   <p:notesMasterIdLst>
-    <p:notesMasterId r:id="rId12"/>
+    <p:notesMasterId r:id="rId18"/>
   </p:notesMasterIdLst>
   <p:sldIdLst>
     <p:sldId id="256" r:id="rId2"/>
@@ -17,7 +17,13 @@
     <p:sldId id="262" r:id="rId8"/>
     <p:sldId id="266" r:id="rId9"/>
     <p:sldId id="263" r:id="rId10"/>
-    <p:sldId id="264" r:id="rId11"/>
+    <p:sldId id="272" r:id="rId11"/>
+    <p:sldId id="274" r:id="rId12"/>
+    <p:sldId id="273" r:id="rId13"/>
+    <p:sldId id="275" r:id="rId14"/>
+    <p:sldId id="271" r:id="rId15"/>
+    <p:sldId id="270" r:id="rId16"/>
+    <p:sldId id="264" r:id="rId17"/>
   </p:sldIdLst>
   <p:sldSz cx="12192000" cy="6858000"/>
   <p:notesSz cx="6858000" cy="9144000"/>
@@ -124,6 +130,270 @@
 </p:presentation>
 </file>
 
+<file path=ppt/revisionInfo.xml><?xml version="1.0" encoding="utf-8"?>
+<p1510:revInfo xmlns:a="http://schemas.openxmlformats.org/drawingml/2006/main" xmlns:r="http://schemas.openxmlformats.org/officeDocument/2006/relationships" xmlns:p1510="http://schemas.microsoft.com/office/powerpoint/2015/10/main">
+  <p1510:revLst>
+    <p1510:client id="{44067CD1-934A-2AF7-B616-3AC00F60107A}" v="151" dt="2023-01-19T17:02:08.474"/>
+    <p1510:client id="{B1C28C30-5EF8-57C4-627A-9A1F9CA2F52E}" v="2" dt="2022-12-16T07:20:44.068"/>
+  </p1510:revLst>
+</p1510:revInfo>
+</file>
+
+<file path=ppt/changesInfos/changesInfo1.xml><?xml version="1.0" encoding="utf-8"?>
+<pc:chgInfo xmlns:a="http://schemas.openxmlformats.org/drawingml/2006/main" xmlns:r="http://schemas.openxmlformats.org/officeDocument/2006/relationships" xmlns:ac="http://schemas.microsoft.com/office/drawing/2013/main/command" xmlns:pc="http://schemas.microsoft.com/office/powerpoint/2013/main/command">
+  <pc:docChgLst>
+    <pc:chgData name="Aleksander Buczek" userId="S::aleksander.buczek@wsb.wroclaw.pl::214dcb20-0035-4e74-a70c-49226de76d7c" providerId="AD" clId="Web-{44067CD1-934A-2AF7-B616-3AC00F60107A}"/>
+    <pc:docChg chg="addSld modSld sldOrd">
+      <pc:chgData name="Aleksander Buczek" userId="S::aleksander.buczek@wsb.wroclaw.pl::214dcb20-0035-4e74-a70c-49226de76d7c" providerId="AD" clId="Web-{44067CD1-934A-2AF7-B616-3AC00F60107A}" dt="2023-01-19T17:02:08.474" v="172"/>
+      <pc:docMkLst>
+        <pc:docMk/>
+      </pc:docMkLst>
+      <pc:sldChg chg="modSp">
+        <pc:chgData name="Aleksander Buczek" userId="S::aleksander.buczek@wsb.wroclaw.pl::214dcb20-0035-4e74-a70c-49226de76d7c" providerId="AD" clId="Web-{44067CD1-934A-2AF7-B616-3AC00F60107A}" dt="2023-01-19T16:55:42.320" v="15" actId="20577"/>
+        <pc:sldMkLst>
+          <pc:docMk/>
+          <pc:sldMk cId="1753011130" sldId="263"/>
+        </pc:sldMkLst>
+        <pc:spChg chg="mod">
+          <ac:chgData name="Aleksander Buczek" userId="S::aleksander.buczek@wsb.wroclaw.pl::214dcb20-0035-4e74-a70c-49226de76d7c" providerId="AD" clId="Web-{44067CD1-934A-2AF7-B616-3AC00F60107A}" dt="2023-01-19T16:55:06.272" v="5" actId="20577"/>
+          <ac:spMkLst>
+            <pc:docMk/>
+            <pc:sldMk cId="1753011130" sldId="263"/>
+            <ac:spMk id="2" creationId="{A24AB604-36CE-47D1-B463-00FA64198717}"/>
+          </ac:spMkLst>
+        </pc:spChg>
+        <pc:spChg chg="mod">
+          <ac:chgData name="Aleksander Buczek" userId="S::aleksander.buczek@wsb.wroclaw.pl::214dcb20-0035-4e74-a70c-49226de76d7c" providerId="AD" clId="Web-{44067CD1-934A-2AF7-B616-3AC00F60107A}" dt="2023-01-19T16:55:42.320" v="15" actId="20577"/>
+          <ac:spMkLst>
+            <pc:docMk/>
+            <pc:sldMk cId="1753011130" sldId="263"/>
+            <ac:spMk id="3" creationId="{1AAE82D2-3113-497D-AD08-6E22C7251537}"/>
+          </ac:spMkLst>
+        </pc:spChg>
+      </pc:sldChg>
+      <pc:sldChg chg="ord">
+        <pc:chgData name="Aleksander Buczek" userId="S::aleksander.buczek@wsb.wroclaw.pl::214dcb20-0035-4e74-a70c-49226de76d7c" providerId="AD" clId="Web-{44067CD1-934A-2AF7-B616-3AC00F60107A}" dt="2023-01-19T17:02:08.474" v="172"/>
+        <pc:sldMkLst>
+          <pc:docMk/>
+          <pc:sldMk cId="2448902465" sldId="264"/>
+        </pc:sldMkLst>
+      </pc:sldChg>
+      <pc:sldChg chg="addSp delSp modSp add ord replId">
+        <pc:chgData name="Aleksander Buczek" userId="S::aleksander.buczek@wsb.wroclaw.pl::214dcb20-0035-4e74-a70c-49226de76d7c" providerId="AD" clId="Web-{44067CD1-934A-2AF7-B616-3AC00F60107A}" dt="2023-01-19T16:58:58.889" v="95" actId="14100"/>
+        <pc:sldMkLst>
+          <pc:docMk/>
+          <pc:sldMk cId="3740227621" sldId="272"/>
+        </pc:sldMkLst>
+        <pc:spChg chg="mod">
+          <ac:chgData name="Aleksander Buczek" userId="S::aleksander.buczek@wsb.wroclaw.pl::214dcb20-0035-4e74-a70c-49226de76d7c" providerId="AD" clId="Web-{44067CD1-934A-2AF7-B616-3AC00F60107A}" dt="2023-01-19T16:58:46.576" v="90" actId="20577"/>
+          <ac:spMkLst>
+            <pc:docMk/>
+            <pc:sldMk cId="3740227621" sldId="272"/>
+            <ac:spMk id="2" creationId="{4B49C389-72C6-4CA2-A110-7525192FABAE}"/>
+          </ac:spMkLst>
+        </pc:spChg>
+        <pc:spChg chg="add del mod">
+          <ac:chgData name="Aleksander Buczek" userId="S::aleksander.buczek@wsb.wroclaw.pl::214dcb20-0035-4e74-a70c-49226de76d7c" providerId="AD" clId="Web-{44067CD1-934A-2AF7-B616-3AC00F60107A}" dt="2023-01-19T16:58:53.686" v="92"/>
+          <ac:spMkLst>
+            <pc:docMk/>
+            <pc:sldMk cId="3740227621" sldId="272"/>
+            <ac:spMk id="325" creationId="{34AEFDDE-FFFC-F9FA-6A34-FBF80BCEDEA0}"/>
+          </ac:spMkLst>
+        </pc:spChg>
+        <pc:graphicFrameChg chg="del modGraphic">
+          <ac:chgData name="Aleksander Buczek" userId="S::aleksander.buczek@wsb.wroclaw.pl::214dcb20-0035-4e74-a70c-49226de76d7c" providerId="AD" clId="Web-{44067CD1-934A-2AF7-B616-3AC00F60107A}" dt="2023-01-19T16:58:48.764" v="91"/>
+          <ac:graphicFrameMkLst>
+            <pc:docMk/>
+            <pc:sldMk cId="3740227621" sldId="272"/>
+            <ac:graphicFrameMk id="7" creationId="{0455C796-275E-4CA1-A47D-80E4CF19448C}"/>
+          </ac:graphicFrameMkLst>
+        </pc:graphicFrameChg>
+        <pc:picChg chg="add mod ord">
+          <ac:chgData name="Aleksander Buczek" userId="S::aleksander.buczek@wsb.wroclaw.pl::214dcb20-0035-4e74-a70c-49226de76d7c" providerId="AD" clId="Web-{44067CD1-934A-2AF7-B616-3AC00F60107A}" dt="2023-01-19T16:58:58.889" v="95" actId="14100"/>
+          <ac:picMkLst>
+            <pc:docMk/>
+            <pc:sldMk cId="3740227621" sldId="272"/>
+            <ac:picMk id="326" creationId="{59D6ECED-72D9-FCCF-0897-AB8B29A84783}"/>
+          </ac:picMkLst>
+        </pc:picChg>
+      </pc:sldChg>
+      <pc:sldChg chg="addSp delSp modSp add replId">
+        <pc:chgData name="Aleksander Buczek" userId="S::aleksander.buczek@wsb.wroclaw.pl::214dcb20-0035-4e74-a70c-49226de76d7c" providerId="AD" clId="Web-{44067CD1-934A-2AF7-B616-3AC00F60107A}" dt="2023-01-19T17:00:36.190" v="130" actId="1076"/>
+        <pc:sldMkLst>
+          <pc:docMk/>
+          <pc:sldMk cId="3405077647" sldId="273"/>
+        </pc:sldMkLst>
+        <pc:spChg chg="mod">
+          <ac:chgData name="Aleksander Buczek" userId="S::aleksander.buczek@wsb.wroclaw.pl::214dcb20-0035-4e74-a70c-49226de76d7c" providerId="AD" clId="Web-{44067CD1-934A-2AF7-B616-3AC00F60107A}" dt="2023-01-19T16:59:27.047" v="106" actId="20577"/>
+          <ac:spMkLst>
+            <pc:docMk/>
+            <pc:sldMk cId="3405077647" sldId="273"/>
+            <ac:spMk id="2" creationId="{4B49C389-72C6-4CA2-A110-7525192FABAE}"/>
+          </ac:spMkLst>
+        </pc:spChg>
+        <pc:spChg chg="add del mod">
+          <ac:chgData name="Aleksander Buczek" userId="S::aleksander.buczek@wsb.wroclaw.pl::214dcb20-0035-4e74-a70c-49226de76d7c" providerId="AD" clId="Web-{44067CD1-934A-2AF7-B616-3AC00F60107A}" dt="2023-01-19T16:58:21.591" v="84"/>
+          <ac:spMkLst>
+            <pc:docMk/>
+            <pc:sldMk cId="3405077647" sldId="273"/>
+            <ac:spMk id="13" creationId="{B7D9A388-C662-1FBE-6FA4-AE7EB87CB6FE}"/>
+          </ac:spMkLst>
+        </pc:spChg>
+        <pc:spChg chg="add mod">
+          <ac:chgData name="Aleksander Buczek" userId="S::aleksander.buczek@wsb.wroclaw.pl::214dcb20-0035-4e74-a70c-49226de76d7c" providerId="AD" clId="Web-{44067CD1-934A-2AF7-B616-3AC00F60107A}" dt="2023-01-19T16:59:50.110" v="115" actId="20577"/>
+          <ac:spMkLst>
+            <pc:docMk/>
+            <pc:sldMk cId="3405077647" sldId="273"/>
+            <ac:spMk id="22" creationId="{89521693-7058-10C9-247F-E453275FE7D7}"/>
+          </ac:spMkLst>
+        </pc:spChg>
+        <pc:spChg chg="add del mod">
+          <ac:chgData name="Aleksander Buczek" userId="S::aleksander.buczek@wsb.wroclaw.pl::214dcb20-0035-4e74-a70c-49226de76d7c" providerId="AD" clId="Web-{44067CD1-934A-2AF7-B616-3AC00F60107A}" dt="2023-01-19T17:00:03.204" v="119"/>
+          <ac:spMkLst>
+            <pc:docMk/>
+            <pc:sldMk cId="3405077647" sldId="273"/>
+            <ac:spMk id="24" creationId="{2D434C18-3350-5378-F3FF-E0D4412180F2}"/>
+          </ac:spMkLst>
+        </pc:spChg>
+        <pc:spChg chg="add mod">
+          <ac:chgData name="Aleksander Buczek" userId="S::aleksander.buczek@wsb.wroclaw.pl::214dcb20-0035-4e74-a70c-49226de76d7c" providerId="AD" clId="Web-{44067CD1-934A-2AF7-B616-3AC00F60107A}" dt="2023-01-19T17:00:16.126" v="123" actId="20577"/>
+          <ac:spMkLst>
+            <pc:docMk/>
+            <pc:sldMk cId="3405077647" sldId="273"/>
+            <ac:spMk id="25" creationId="{45EF94CF-FCE7-5BE1-DBF2-FBB244119980}"/>
+          </ac:spMkLst>
+        </pc:spChg>
+        <pc:graphicFrameChg chg="del">
+          <ac:chgData name="Aleksander Buczek" userId="S::aleksander.buczek@wsb.wroclaw.pl::214dcb20-0035-4e74-a70c-49226de76d7c" providerId="AD" clId="Web-{44067CD1-934A-2AF7-B616-3AC00F60107A}" dt="2023-01-19T16:58:14.560" v="83"/>
+          <ac:graphicFrameMkLst>
+            <pc:docMk/>
+            <pc:sldMk cId="3405077647" sldId="273"/>
+            <ac:graphicFrameMk id="7" creationId="{0455C796-275E-4CA1-A47D-80E4CF19448C}"/>
+          </ac:graphicFrameMkLst>
+        </pc:graphicFrameChg>
+        <pc:picChg chg="add del mod ord">
+          <ac:chgData name="Aleksander Buczek" userId="S::aleksander.buczek@wsb.wroclaw.pl::214dcb20-0035-4e74-a70c-49226de76d7c" providerId="AD" clId="Web-{44067CD1-934A-2AF7-B616-3AC00F60107A}" dt="2023-01-19T16:59:56.344" v="117"/>
+          <ac:picMkLst>
+            <pc:docMk/>
+            <pc:sldMk cId="3405077647" sldId="273"/>
+            <ac:picMk id="20" creationId="{0E1B3824-D1CD-091A-C874-45804A137F14}"/>
+          </ac:picMkLst>
+        </pc:picChg>
+        <pc:picChg chg="add mod">
+          <ac:chgData name="Aleksander Buczek" userId="S::aleksander.buczek@wsb.wroclaw.pl::214dcb20-0035-4e74-a70c-49226de76d7c" providerId="AD" clId="Web-{44067CD1-934A-2AF7-B616-3AC00F60107A}" dt="2023-01-19T16:59:58.516" v="118" actId="14100"/>
+          <ac:picMkLst>
+            <pc:docMk/>
+            <pc:sldMk cId="3405077647" sldId="273"/>
+            <ac:picMk id="21" creationId="{1AFC4C3C-103C-9EB6-1A6D-0A5B0CA16CF6}"/>
+          </ac:picMkLst>
+        </pc:picChg>
+        <pc:picChg chg="add mod">
+          <ac:chgData name="Aleksander Buczek" userId="S::aleksander.buczek@wsb.wroclaw.pl::214dcb20-0035-4e74-a70c-49226de76d7c" providerId="AD" clId="Web-{44067CD1-934A-2AF7-B616-3AC00F60107A}" dt="2023-01-19T17:00:36.190" v="130" actId="1076"/>
+          <ac:picMkLst>
+            <pc:docMk/>
+            <pc:sldMk cId="3405077647" sldId="273"/>
+            <ac:picMk id="26" creationId="{851F196D-0C09-7247-1396-629752EDDC8A}"/>
+          </ac:picMkLst>
+        </pc:picChg>
+      </pc:sldChg>
+      <pc:sldChg chg="add replId">
+        <pc:chgData name="Aleksander Buczek" userId="S::aleksander.buczek@wsb.wroclaw.pl::214dcb20-0035-4e74-a70c-49226de76d7c" providerId="AD" clId="Web-{44067CD1-934A-2AF7-B616-3AC00F60107A}" dt="2023-01-19T16:58:39.451" v="86"/>
+        <pc:sldMkLst>
+          <pc:docMk/>
+          <pc:sldMk cId="1036712346" sldId="274"/>
+        </pc:sldMkLst>
+      </pc:sldChg>
+      <pc:sldChg chg="addSp delSp modSp add replId">
+        <pc:chgData name="Aleksander Buczek" userId="S::aleksander.buczek@wsb.wroclaw.pl::214dcb20-0035-4e74-a70c-49226de76d7c" providerId="AD" clId="Web-{44067CD1-934A-2AF7-B616-3AC00F60107A}" dt="2023-01-19T17:01:55.770" v="171" actId="1076"/>
+        <pc:sldMkLst>
+          <pc:docMk/>
+          <pc:sldMk cId="4095551309" sldId="275"/>
+        </pc:sldMkLst>
+        <pc:spChg chg="mod">
+          <ac:chgData name="Aleksander Buczek" userId="S::aleksander.buczek@wsb.wroclaw.pl::214dcb20-0035-4e74-a70c-49226de76d7c" providerId="AD" clId="Web-{44067CD1-934A-2AF7-B616-3AC00F60107A}" dt="2023-01-19T17:01:01.753" v="149" actId="20577"/>
+          <ac:spMkLst>
+            <pc:docMk/>
+            <pc:sldMk cId="4095551309" sldId="275"/>
+            <ac:spMk id="2" creationId="{4B49C389-72C6-4CA2-A110-7525192FABAE}"/>
+          </ac:spMkLst>
+        </pc:spChg>
+        <pc:spChg chg="mod">
+          <ac:chgData name="Aleksander Buczek" userId="S::aleksander.buczek@wsb.wroclaw.pl::214dcb20-0035-4e74-a70c-49226de76d7c" providerId="AD" clId="Web-{44067CD1-934A-2AF7-B616-3AC00F60107A}" dt="2023-01-19T17:01:12.831" v="157" actId="20577"/>
+          <ac:spMkLst>
+            <pc:docMk/>
+            <pc:sldMk cId="4095551309" sldId="275"/>
+            <ac:spMk id="22" creationId="{89521693-7058-10C9-247F-E453275FE7D7}"/>
+          </ac:spMkLst>
+        </pc:spChg>
+        <pc:spChg chg="mod">
+          <ac:chgData name="Aleksander Buczek" userId="S::aleksander.buczek@wsb.wroclaw.pl::214dcb20-0035-4e74-a70c-49226de76d7c" providerId="AD" clId="Web-{44067CD1-934A-2AF7-B616-3AC00F60107A}" dt="2023-01-19T17:01:21.910" v="162" actId="20577"/>
+          <ac:spMkLst>
+            <pc:docMk/>
+            <pc:sldMk cId="4095551309" sldId="275"/>
+            <ac:spMk id="25" creationId="{45EF94CF-FCE7-5BE1-DBF2-FBB244119980}"/>
+          </ac:spMkLst>
+        </pc:spChg>
+        <pc:picChg chg="add mod">
+          <ac:chgData name="Aleksander Buczek" userId="S::aleksander.buczek@wsb.wroclaw.pl::214dcb20-0035-4e74-a70c-49226de76d7c" providerId="AD" clId="Web-{44067CD1-934A-2AF7-B616-3AC00F60107A}" dt="2023-01-19T17:01:44.411" v="167" actId="1076"/>
+          <ac:picMkLst>
+            <pc:docMk/>
+            <pc:sldMk cId="4095551309" sldId="275"/>
+            <ac:picMk id="3" creationId="{C046F284-D6E3-39A3-9540-7BCDD4E3F827}"/>
+          </ac:picMkLst>
+        </pc:picChg>
+        <pc:picChg chg="add mod">
+          <ac:chgData name="Aleksander Buczek" userId="S::aleksander.buczek@wsb.wroclaw.pl::214dcb20-0035-4e74-a70c-49226de76d7c" providerId="AD" clId="Web-{44067CD1-934A-2AF7-B616-3AC00F60107A}" dt="2023-01-19T17:01:55.770" v="171" actId="1076"/>
+          <ac:picMkLst>
+            <pc:docMk/>
+            <pc:sldMk cId="4095551309" sldId="275"/>
+            <ac:picMk id="4" creationId="{246FD682-954C-BE1C-4E82-F7207AE121FD}"/>
+          </ac:picMkLst>
+        </pc:picChg>
+        <pc:picChg chg="del">
+          <ac:chgData name="Aleksander Buczek" userId="S::aleksander.buczek@wsb.wroclaw.pl::214dcb20-0035-4e74-a70c-49226de76d7c" providerId="AD" clId="Web-{44067CD1-934A-2AF7-B616-3AC00F60107A}" dt="2023-01-19T17:01:29.644" v="163"/>
+          <ac:picMkLst>
+            <pc:docMk/>
+            <pc:sldMk cId="4095551309" sldId="275"/>
+            <ac:picMk id="21" creationId="{1AFC4C3C-103C-9EB6-1A6D-0A5B0CA16CF6}"/>
+          </ac:picMkLst>
+        </pc:picChg>
+        <pc:picChg chg="del">
+          <ac:chgData name="Aleksander Buczek" userId="S::aleksander.buczek@wsb.wroclaw.pl::214dcb20-0035-4e74-a70c-49226de76d7c" providerId="AD" clId="Web-{44067CD1-934A-2AF7-B616-3AC00F60107A}" dt="2023-01-19T17:01:47.504" v="168"/>
+          <ac:picMkLst>
+            <pc:docMk/>
+            <pc:sldMk cId="4095551309" sldId="275"/>
+            <ac:picMk id="26" creationId="{851F196D-0C09-7247-1396-629752EDDC8A}"/>
+          </ac:picMkLst>
+        </pc:picChg>
+      </pc:sldChg>
+    </pc:docChg>
+  </pc:docChgLst>
+  <pc:docChgLst>
+    <pc:chgData name="Aleksander Buczek" userId="S::aleksander.buczek@wsb.wroclaw.pl::214dcb20-0035-4e74-a70c-49226de76d7c" providerId="AD" clId="Web-{B1C28C30-5EF8-57C4-627A-9A1F9CA2F52E}"/>
+    <pc:docChg chg="addSld">
+      <pc:chgData name="Aleksander Buczek" userId="S::aleksander.buczek@wsb.wroclaw.pl::214dcb20-0035-4e74-a70c-49226de76d7c" providerId="AD" clId="Web-{B1C28C30-5EF8-57C4-627A-9A1F9CA2F52E}" dt="2022-12-16T07:20:44.068" v="1"/>
+      <pc:docMkLst>
+        <pc:docMk/>
+      </pc:docMkLst>
+      <pc:sldChg chg="add">
+        <pc:chgData name="Aleksander Buczek" userId="S::aleksander.buczek@wsb.wroclaw.pl::214dcb20-0035-4e74-a70c-49226de76d7c" providerId="AD" clId="Web-{B1C28C30-5EF8-57C4-627A-9A1F9CA2F52E}" dt="2022-12-16T07:20:44.005" v="0"/>
+        <pc:sldMkLst>
+          <pc:docMk/>
+          <pc:sldMk cId="545939420" sldId="270"/>
+        </pc:sldMkLst>
+      </pc:sldChg>
+      <pc:sldChg chg="add">
+        <pc:chgData name="Aleksander Buczek" userId="S::aleksander.buczek@wsb.wroclaw.pl::214dcb20-0035-4e74-a70c-49226de76d7c" providerId="AD" clId="Web-{B1C28C30-5EF8-57C4-627A-9A1F9CA2F52E}" dt="2022-12-16T07:20:44.068" v="1"/>
+        <pc:sldMkLst>
+          <pc:docMk/>
+          <pc:sldMk cId="1413914736" sldId="271"/>
+        </pc:sldMkLst>
+      </pc:sldChg>
+    </pc:docChg>
+  </pc:docChgLst>
+</pc:chgInfo>
+</file>
+
 <file path=ppt/diagrams/colors1.xml><?xml version="1.0" encoding="utf-8"?>
 <dgm:colorsDef xmlns:dgm="http://schemas.openxmlformats.org/drawingml/2006/diagram" xmlns:a="http://schemas.openxmlformats.org/drawingml/2006/main" uniqueId="urn:microsoft.com/office/officeart/2005/8/colors/colorful1">
   <dgm:title val=""/>
@@ -2680,6 +2950,925 @@
     <dgm:fillClrLst meth="repeat">
       <a:schemeClr val="accent1">
         <a:tint val="60000"/>
+      </a:schemeClr>
+    </dgm:fillClrLst>
+    <dgm:linClrLst meth="repeat">
+      <a:schemeClr val="lt1"/>
+    </dgm:linClrLst>
+    <dgm:effectClrLst/>
+    <dgm:txLinClrLst/>
+    <dgm:txFillClrLst meth="repeat">
+      <a:schemeClr val="dk1"/>
+    </dgm:txFillClrLst>
+    <dgm:txEffectClrLst/>
+  </dgm:styleLbl>
+  <dgm:styleLbl name="revTx">
+    <dgm:fillClrLst meth="repeat">
+      <a:schemeClr val="lt1">
+        <a:alpha val="0"/>
+      </a:schemeClr>
+    </dgm:fillClrLst>
+    <dgm:linClrLst meth="repeat">
+      <a:schemeClr val="dk1">
+        <a:alpha val="0"/>
+      </a:schemeClr>
+    </dgm:linClrLst>
+    <dgm:effectClrLst/>
+    <dgm:txLinClrLst/>
+    <dgm:txFillClrLst meth="repeat">
+      <a:schemeClr val="tx1"/>
+    </dgm:txFillClrLst>
+    <dgm:txEffectClrLst/>
+  </dgm:styleLbl>
+</dgm:colorsDef>
+</file>
+
+<file path=ppt/diagrams/colors4.xml><?xml version="1.0" encoding="utf-8"?>
+<dgm:colorsDef xmlns:dgm="http://schemas.openxmlformats.org/drawingml/2006/diagram" xmlns:a="http://schemas.openxmlformats.org/drawingml/2006/main" uniqueId="urn:microsoft.com/office/officeart/2005/8/colors/colorful1">
+  <dgm:title val=""/>
+  <dgm:desc val=""/>
+  <dgm:catLst>
+    <dgm:cat type="colorful" pri="10100"/>
+  </dgm:catLst>
+  <dgm:styleLbl name="node0">
+    <dgm:fillClrLst meth="repeat">
+      <a:schemeClr val="accent1"/>
+    </dgm:fillClrLst>
+    <dgm:linClrLst meth="repeat">
+      <a:schemeClr val="lt1"/>
+    </dgm:linClrLst>
+    <dgm:effectClrLst/>
+    <dgm:txLinClrLst/>
+    <dgm:txFillClrLst/>
+    <dgm:txEffectClrLst/>
+  </dgm:styleLbl>
+  <dgm:styleLbl name="node1">
+    <dgm:fillClrLst meth="repeat">
+      <a:schemeClr val="accent2"/>
+      <a:schemeClr val="accent3"/>
+      <a:schemeClr val="accent4"/>
+      <a:schemeClr val="accent5"/>
+      <a:schemeClr val="accent6"/>
+    </dgm:fillClrLst>
+    <dgm:linClrLst meth="repeat">
+      <a:schemeClr val="lt1"/>
+    </dgm:linClrLst>
+    <dgm:effectClrLst/>
+    <dgm:txLinClrLst/>
+    <dgm:txFillClrLst/>
+    <dgm:txEffectClrLst/>
+  </dgm:styleLbl>
+  <dgm:styleLbl name="alignNode1">
+    <dgm:fillClrLst meth="repeat">
+      <a:schemeClr val="accent2"/>
+      <a:schemeClr val="accent3"/>
+      <a:schemeClr val="accent4"/>
+      <a:schemeClr val="accent5"/>
+      <a:schemeClr val="accent6"/>
+    </dgm:fillClrLst>
+    <dgm:linClrLst meth="repeat">
+      <a:schemeClr val="accent2"/>
+      <a:schemeClr val="accent3"/>
+      <a:schemeClr val="accent4"/>
+      <a:schemeClr val="accent5"/>
+      <a:schemeClr val="accent6"/>
+    </dgm:linClrLst>
+    <dgm:effectClrLst/>
+    <dgm:txLinClrLst/>
+    <dgm:txFillClrLst/>
+    <dgm:txEffectClrLst/>
+  </dgm:styleLbl>
+  <dgm:styleLbl name="lnNode1">
+    <dgm:fillClrLst meth="repeat">
+      <a:schemeClr val="accent2"/>
+      <a:schemeClr val="accent3"/>
+      <a:schemeClr val="accent4"/>
+      <a:schemeClr val="accent5"/>
+      <a:schemeClr val="accent6"/>
+    </dgm:fillClrLst>
+    <dgm:linClrLst meth="repeat">
+      <a:schemeClr val="lt1"/>
+    </dgm:linClrLst>
+    <dgm:effectClrLst/>
+    <dgm:txLinClrLst/>
+    <dgm:txFillClrLst/>
+    <dgm:txEffectClrLst/>
+  </dgm:styleLbl>
+  <dgm:styleLbl name="vennNode1">
+    <dgm:fillClrLst meth="repeat">
+      <a:schemeClr val="accent2">
+        <a:alpha val="50000"/>
+      </a:schemeClr>
+      <a:schemeClr val="accent3">
+        <a:alpha val="50000"/>
+      </a:schemeClr>
+      <a:schemeClr val="accent4">
+        <a:alpha val="50000"/>
+      </a:schemeClr>
+      <a:schemeClr val="accent5">
+        <a:alpha val="50000"/>
+      </a:schemeClr>
+      <a:schemeClr val="accent6">
+        <a:alpha val="50000"/>
+      </a:schemeClr>
+    </dgm:fillClrLst>
+    <dgm:linClrLst meth="repeat">
+      <a:schemeClr val="lt1"/>
+    </dgm:linClrLst>
+    <dgm:effectClrLst/>
+    <dgm:txLinClrLst/>
+    <dgm:txFillClrLst/>
+    <dgm:txEffectClrLst/>
+  </dgm:styleLbl>
+  <dgm:styleLbl name="node2">
+    <dgm:fillClrLst>
+      <a:schemeClr val="accent2"/>
+    </dgm:fillClrLst>
+    <dgm:linClrLst meth="repeat">
+      <a:schemeClr val="lt1"/>
+    </dgm:linClrLst>
+    <dgm:effectClrLst/>
+    <dgm:txLinClrLst/>
+    <dgm:txFillClrLst/>
+    <dgm:txEffectClrLst/>
+  </dgm:styleLbl>
+  <dgm:styleLbl name="node3">
+    <dgm:fillClrLst>
+      <a:schemeClr val="accent3"/>
+    </dgm:fillClrLst>
+    <dgm:linClrLst meth="repeat">
+      <a:schemeClr val="lt1"/>
+    </dgm:linClrLst>
+    <dgm:effectClrLst/>
+    <dgm:txLinClrLst/>
+    <dgm:txFillClrLst/>
+    <dgm:txEffectClrLst/>
+  </dgm:styleLbl>
+  <dgm:styleLbl name="node4">
+    <dgm:fillClrLst>
+      <a:schemeClr val="accent4"/>
+    </dgm:fillClrLst>
+    <dgm:linClrLst meth="repeat">
+      <a:schemeClr val="lt1"/>
+    </dgm:linClrLst>
+    <dgm:effectClrLst/>
+    <dgm:txLinClrLst/>
+    <dgm:txFillClrLst/>
+    <dgm:txEffectClrLst/>
+  </dgm:styleLbl>
+  <dgm:styleLbl name="fgImgPlace1">
+    <dgm:fillClrLst meth="repeat">
+      <a:schemeClr val="accent2">
+        <a:tint val="50000"/>
+      </a:schemeClr>
+      <a:schemeClr val="accent3">
+        <a:tint val="50000"/>
+      </a:schemeClr>
+      <a:schemeClr val="accent4">
+        <a:tint val="50000"/>
+      </a:schemeClr>
+      <a:schemeClr val="accent5">
+        <a:tint val="50000"/>
+      </a:schemeClr>
+      <a:schemeClr val="accent6">
+        <a:tint val="50000"/>
+      </a:schemeClr>
+    </dgm:fillClrLst>
+    <dgm:linClrLst meth="repeat">
+      <a:schemeClr val="lt1"/>
+    </dgm:linClrLst>
+    <dgm:effectClrLst/>
+    <dgm:txLinClrLst/>
+    <dgm:txFillClrLst meth="repeat">
+      <a:schemeClr val="lt1"/>
+    </dgm:txFillClrLst>
+    <dgm:txEffectClrLst/>
+  </dgm:styleLbl>
+  <dgm:styleLbl name="alignImgPlace1">
+    <dgm:fillClrLst>
+      <a:schemeClr val="accent1">
+        <a:tint val="50000"/>
+      </a:schemeClr>
+      <a:schemeClr val="accent2">
+        <a:tint val="20000"/>
+      </a:schemeClr>
+    </dgm:fillClrLst>
+    <dgm:linClrLst meth="repeat">
+      <a:schemeClr val="lt1"/>
+    </dgm:linClrLst>
+    <dgm:effectClrLst/>
+    <dgm:txLinClrLst/>
+    <dgm:txFillClrLst meth="repeat">
+      <a:schemeClr val="lt1"/>
+    </dgm:txFillClrLst>
+    <dgm:txEffectClrLst/>
+  </dgm:styleLbl>
+  <dgm:styleLbl name="bgImgPlace1">
+    <dgm:fillClrLst>
+      <a:schemeClr val="accent1">
+        <a:tint val="50000"/>
+      </a:schemeClr>
+      <a:schemeClr val="accent2">
+        <a:tint val="20000"/>
+      </a:schemeClr>
+    </dgm:fillClrLst>
+    <dgm:linClrLst meth="repeat">
+      <a:schemeClr val="lt1"/>
+    </dgm:linClrLst>
+    <dgm:effectClrLst/>
+    <dgm:txLinClrLst/>
+    <dgm:txFillClrLst meth="repeat">
+      <a:schemeClr val="lt1"/>
+    </dgm:txFillClrLst>
+    <dgm:txEffectClrLst/>
+  </dgm:styleLbl>
+  <dgm:styleLbl name="sibTrans2D1">
+    <dgm:fillClrLst meth="repeat">
+      <a:schemeClr val="accent2"/>
+      <a:schemeClr val="accent3"/>
+      <a:schemeClr val="accent4"/>
+      <a:schemeClr val="accent5"/>
+      <a:schemeClr val="accent6"/>
+    </dgm:fillClrLst>
+    <dgm:linClrLst meth="cycle">
+      <a:schemeClr val="lt1"/>
+    </dgm:linClrLst>
+    <dgm:effectClrLst/>
+    <dgm:txLinClrLst/>
+    <dgm:txFillClrLst/>
+    <dgm:txEffectClrLst/>
+  </dgm:styleLbl>
+  <dgm:styleLbl name="fgSibTrans2D1">
+    <dgm:fillClrLst meth="repeat">
+      <a:schemeClr val="accent2"/>
+      <a:schemeClr val="accent3"/>
+      <a:schemeClr val="accent4"/>
+      <a:schemeClr val="accent5"/>
+      <a:schemeClr val="accent6"/>
+    </dgm:fillClrLst>
+    <dgm:linClrLst meth="cycle">
+      <a:schemeClr val="lt1"/>
+    </dgm:linClrLst>
+    <dgm:effectClrLst/>
+    <dgm:txLinClrLst/>
+    <dgm:txFillClrLst meth="repeat">
+      <a:schemeClr val="lt1"/>
+    </dgm:txFillClrLst>
+    <dgm:txEffectClrLst/>
+  </dgm:styleLbl>
+  <dgm:styleLbl name="bgSibTrans2D1">
+    <dgm:fillClrLst meth="repeat">
+      <a:schemeClr val="accent2"/>
+      <a:schemeClr val="accent3"/>
+      <a:schemeClr val="accent4"/>
+      <a:schemeClr val="accent5"/>
+      <a:schemeClr val="accent6"/>
+    </dgm:fillClrLst>
+    <dgm:linClrLst meth="cycle">
+      <a:schemeClr val="lt1"/>
+    </dgm:linClrLst>
+    <dgm:effectClrLst/>
+    <dgm:txLinClrLst/>
+    <dgm:txFillClrLst meth="repeat">
+      <a:schemeClr val="lt1"/>
+    </dgm:txFillClrLst>
+    <dgm:txEffectClrLst/>
+  </dgm:styleLbl>
+  <dgm:styleLbl name="sibTrans1D1">
+    <dgm:fillClrLst meth="repeat">
+      <a:schemeClr val="accent2"/>
+      <a:schemeClr val="accent3"/>
+      <a:schemeClr val="accent4"/>
+      <a:schemeClr val="accent5"/>
+      <a:schemeClr val="accent6"/>
+    </dgm:fillClrLst>
+    <dgm:linClrLst meth="repeat">
+      <a:schemeClr val="accent2"/>
+      <a:schemeClr val="accent3"/>
+      <a:schemeClr val="accent4"/>
+      <a:schemeClr val="accent5"/>
+      <a:schemeClr val="accent6"/>
+    </dgm:linClrLst>
+    <dgm:effectClrLst/>
+    <dgm:txLinClrLst/>
+    <dgm:txFillClrLst meth="repeat">
+      <a:schemeClr val="tx1"/>
+    </dgm:txFillClrLst>
+    <dgm:txEffectClrLst/>
+  </dgm:styleLbl>
+  <dgm:styleLbl name="callout">
+    <dgm:fillClrLst meth="repeat">
+      <a:schemeClr val="accent2"/>
+    </dgm:fillClrLst>
+    <dgm:linClrLst meth="repeat">
+      <a:schemeClr val="accent2">
+        <a:tint val="50000"/>
+      </a:schemeClr>
+    </dgm:linClrLst>
+    <dgm:effectClrLst/>
+    <dgm:txLinClrLst/>
+    <dgm:txFillClrLst meth="repeat">
+      <a:schemeClr val="tx1"/>
+    </dgm:txFillClrLst>
+    <dgm:txEffectClrLst/>
+  </dgm:styleLbl>
+  <dgm:styleLbl name="asst0">
+    <dgm:fillClrLst meth="repeat">
+      <a:schemeClr val="accent1"/>
+    </dgm:fillClrLst>
+    <dgm:linClrLst meth="repeat">
+      <a:schemeClr val="lt1"/>
+    </dgm:linClrLst>
+    <dgm:effectClrLst/>
+    <dgm:txLinClrLst/>
+    <dgm:txFillClrLst/>
+    <dgm:txEffectClrLst/>
+  </dgm:styleLbl>
+  <dgm:styleLbl name="asst1">
+    <dgm:fillClrLst meth="repeat">
+      <a:schemeClr val="accent2"/>
+    </dgm:fillClrLst>
+    <dgm:linClrLst meth="repeat">
+      <a:schemeClr val="lt1"/>
+    </dgm:linClrLst>
+    <dgm:effectClrLst/>
+    <dgm:txLinClrLst/>
+    <dgm:txFillClrLst/>
+    <dgm:txEffectClrLst/>
+  </dgm:styleLbl>
+  <dgm:styleLbl name="asst2">
+    <dgm:fillClrLst>
+      <a:schemeClr val="accent3"/>
+    </dgm:fillClrLst>
+    <dgm:linClrLst meth="repeat">
+      <a:schemeClr val="lt1"/>
+    </dgm:linClrLst>
+    <dgm:effectClrLst/>
+    <dgm:txLinClrLst/>
+    <dgm:txFillClrLst/>
+    <dgm:txEffectClrLst/>
+  </dgm:styleLbl>
+  <dgm:styleLbl name="asst3">
+    <dgm:fillClrLst>
+      <a:schemeClr val="accent4"/>
+    </dgm:fillClrLst>
+    <dgm:linClrLst meth="repeat">
+      <a:schemeClr val="lt1"/>
+    </dgm:linClrLst>
+    <dgm:effectClrLst/>
+    <dgm:txLinClrLst/>
+    <dgm:txFillClrLst/>
+    <dgm:txEffectClrLst/>
+  </dgm:styleLbl>
+  <dgm:styleLbl name="asst4">
+    <dgm:fillClrLst>
+      <a:schemeClr val="accent5"/>
+    </dgm:fillClrLst>
+    <dgm:linClrLst meth="repeat">
+      <a:schemeClr val="lt1"/>
+    </dgm:linClrLst>
+    <dgm:effectClrLst/>
+    <dgm:txLinClrLst/>
+    <dgm:txFillClrLst/>
+    <dgm:txEffectClrLst/>
+  </dgm:styleLbl>
+  <dgm:styleLbl name="parChTrans2D1">
+    <dgm:fillClrLst meth="repeat">
+      <a:schemeClr val="accent2"/>
+    </dgm:fillClrLst>
+    <dgm:linClrLst meth="repeat">
+      <a:schemeClr val="lt1"/>
+    </dgm:linClrLst>
+    <dgm:effectClrLst/>
+    <dgm:txLinClrLst/>
+    <dgm:txFillClrLst meth="repeat">
+      <a:schemeClr val="lt1"/>
+    </dgm:txFillClrLst>
+    <dgm:txEffectClrLst/>
+  </dgm:styleLbl>
+  <dgm:styleLbl name="parChTrans2D2">
+    <dgm:fillClrLst meth="repeat">
+      <a:schemeClr val="accent3"/>
+    </dgm:fillClrLst>
+    <dgm:linClrLst meth="repeat">
+      <a:schemeClr val="lt1"/>
+    </dgm:linClrLst>
+    <dgm:effectClrLst/>
+    <dgm:txLinClrLst/>
+    <dgm:txFillClrLst/>
+    <dgm:txEffectClrLst/>
+  </dgm:styleLbl>
+  <dgm:styleLbl name="parChTrans2D3">
+    <dgm:fillClrLst meth="repeat">
+      <a:schemeClr val="accent4"/>
+    </dgm:fillClrLst>
+    <dgm:linClrLst meth="repeat">
+      <a:schemeClr val="lt1"/>
+    </dgm:linClrLst>
+    <dgm:effectClrLst/>
+    <dgm:txLinClrLst/>
+    <dgm:txFillClrLst/>
+    <dgm:txEffectClrLst/>
+  </dgm:styleLbl>
+  <dgm:styleLbl name="parChTrans2D4">
+    <dgm:fillClrLst meth="repeat">
+      <a:schemeClr val="accent5"/>
+    </dgm:fillClrLst>
+    <dgm:linClrLst meth="repeat">
+      <a:schemeClr val="lt1"/>
+    </dgm:linClrLst>
+    <dgm:effectClrLst/>
+    <dgm:txLinClrLst/>
+    <dgm:txFillClrLst meth="repeat">
+      <a:schemeClr val="lt1"/>
+    </dgm:txFillClrLst>
+    <dgm:txEffectClrLst/>
+  </dgm:styleLbl>
+  <dgm:styleLbl name="parChTrans1D1">
+    <dgm:fillClrLst meth="repeat">
+      <a:schemeClr val="accent2"/>
+    </dgm:fillClrLst>
+    <dgm:linClrLst meth="repeat">
+      <a:schemeClr val="accent1"/>
+    </dgm:linClrLst>
+    <dgm:effectClrLst/>
+    <dgm:txLinClrLst/>
+    <dgm:txFillClrLst meth="repeat">
+      <a:schemeClr val="tx1"/>
+    </dgm:txFillClrLst>
+    <dgm:txEffectClrLst/>
+  </dgm:styleLbl>
+  <dgm:styleLbl name="parChTrans1D2">
+    <dgm:fillClrLst meth="repeat">
+      <a:schemeClr val="accent3">
+        <a:tint val="90000"/>
+      </a:schemeClr>
+    </dgm:fillClrLst>
+    <dgm:linClrLst meth="repeat">
+      <a:schemeClr val="accent2"/>
+    </dgm:linClrLst>
+    <dgm:effectClrLst/>
+    <dgm:txLinClrLst/>
+    <dgm:txFillClrLst meth="repeat">
+      <a:schemeClr val="tx1"/>
+    </dgm:txFillClrLst>
+    <dgm:txEffectClrLst/>
+  </dgm:styleLbl>
+  <dgm:styleLbl name="parChTrans1D3">
+    <dgm:fillClrLst meth="repeat">
+      <a:schemeClr val="accent4">
+        <a:tint val="70000"/>
+      </a:schemeClr>
+    </dgm:fillClrLst>
+    <dgm:linClrLst meth="repeat">
+      <a:schemeClr val="accent3"/>
+    </dgm:linClrLst>
+    <dgm:effectClrLst/>
+    <dgm:txLinClrLst/>
+    <dgm:txFillClrLst meth="repeat">
+      <a:schemeClr val="tx1"/>
+    </dgm:txFillClrLst>
+    <dgm:txEffectClrLst/>
+  </dgm:styleLbl>
+  <dgm:styleLbl name="parChTrans1D4">
+    <dgm:fillClrLst meth="repeat">
+      <a:schemeClr val="accent5">
+        <a:tint val="50000"/>
+      </a:schemeClr>
+    </dgm:fillClrLst>
+    <dgm:linClrLst meth="repeat">
+      <a:schemeClr val="accent4"/>
+    </dgm:linClrLst>
+    <dgm:effectClrLst/>
+    <dgm:txLinClrLst/>
+    <dgm:txFillClrLst meth="repeat">
+      <a:schemeClr val="tx1"/>
+    </dgm:txFillClrLst>
+    <dgm:txEffectClrLst/>
+  </dgm:styleLbl>
+  <dgm:styleLbl name="fgAcc1">
+    <dgm:fillClrLst meth="repeat">
+      <a:schemeClr val="lt1">
+        <a:alpha val="90000"/>
+      </a:schemeClr>
+    </dgm:fillClrLst>
+    <dgm:linClrLst meth="repeat">
+      <a:schemeClr val="accent2"/>
+      <a:schemeClr val="accent3"/>
+      <a:schemeClr val="accent4"/>
+      <a:schemeClr val="accent5"/>
+      <a:schemeClr val="accent6"/>
+    </dgm:linClrLst>
+    <dgm:effectClrLst/>
+    <dgm:txLinClrLst/>
+    <dgm:txFillClrLst meth="repeat">
+      <a:schemeClr val="dk1"/>
+    </dgm:txFillClrLst>
+    <dgm:txEffectClrLst/>
+  </dgm:styleLbl>
+  <dgm:styleLbl name="conFgAcc1">
+    <dgm:fillClrLst meth="repeat">
+      <a:schemeClr val="lt1">
+        <a:alpha val="90000"/>
+      </a:schemeClr>
+    </dgm:fillClrLst>
+    <dgm:linClrLst meth="repeat">
+      <a:schemeClr val="accent2"/>
+      <a:schemeClr val="accent3"/>
+      <a:schemeClr val="accent4"/>
+      <a:schemeClr val="accent5"/>
+      <a:schemeClr val="accent6"/>
+    </dgm:linClrLst>
+    <dgm:effectClrLst/>
+    <dgm:txLinClrLst/>
+    <dgm:txFillClrLst meth="repeat">
+      <a:schemeClr val="dk1"/>
+    </dgm:txFillClrLst>
+    <dgm:txEffectClrLst/>
+  </dgm:styleLbl>
+  <dgm:styleLbl name="alignAcc1">
+    <dgm:fillClrLst meth="repeat">
+      <a:schemeClr val="lt1">
+        <a:alpha val="90000"/>
+      </a:schemeClr>
+    </dgm:fillClrLst>
+    <dgm:linClrLst meth="repeat">
+      <a:schemeClr val="accent2"/>
+      <a:schemeClr val="accent3"/>
+      <a:schemeClr val="accent4"/>
+      <a:schemeClr val="accent5"/>
+      <a:schemeClr val="accent6"/>
+    </dgm:linClrLst>
+    <dgm:effectClrLst/>
+    <dgm:txLinClrLst/>
+    <dgm:txFillClrLst meth="repeat">
+      <a:schemeClr val="dk1"/>
+    </dgm:txFillClrLst>
+    <dgm:txEffectClrLst/>
+  </dgm:styleLbl>
+  <dgm:styleLbl name="trAlignAcc1">
+    <dgm:fillClrLst meth="repeat">
+      <a:schemeClr val="lt1">
+        <a:alpha val="40000"/>
+      </a:schemeClr>
+    </dgm:fillClrLst>
+    <dgm:linClrLst meth="repeat">
+      <a:schemeClr val="accent1"/>
+    </dgm:linClrLst>
+    <dgm:effectClrLst/>
+    <dgm:txLinClrLst/>
+    <dgm:txFillClrLst meth="repeat">
+      <a:schemeClr val="dk1"/>
+    </dgm:txFillClrLst>
+    <dgm:txEffectClrLst/>
+  </dgm:styleLbl>
+  <dgm:styleLbl name="bgAcc1">
+    <dgm:fillClrLst meth="repeat">
+      <a:schemeClr val="lt1">
+        <a:alpha val="90000"/>
+      </a:schemeClr>
+    </dgm:fillClrLst>
+    <dgm:linClrLst meth="repeat">
+      <a:schemeClr val="accent2"/>
+      <a:schemeClr val="accent3"/>
+      <a:schemeClr val="accent4"/>
+      <a:schemeClr val="accent5"/>
+      <a:schemeClr val="accent6"/>
+    </dgm:linClrLst>
+    <dgm:effectClrLst/>
+    <dgm:txLinClrLst/>
+    <dgm:txFillClrLst meth="repeat">
+      <a:schemeClr val="dk1"/>
+    </dgm:txFillClrLst>
+    <dgm:txEffectClrLst/>
+  </dgm:styleLbl>
+  <dgm:styleLbl name="solidFgAcc1">
+    <dgm:fillClrLst meth="repeat">
+      <a:schemeClr val="lt1"/>
+    </dgm:fillClrLst>
+    <dgm:linClrLst meth="repeat">
+      <a:schemeClr val="accent2"/>
+      <a:schemeClr val="accent3"/>
+      <a:schemeClr val="accent4"/>
+      <a:schemeClr val="accent5"/>
+      <a:schemeClr val="accent6"/>
+    </dgm:linClrLst>
+    <dgm:effectClrLst/>
+    <dgm:txLinClrLst/>
+    <dgm:txFillClrLst meth="repeat">
+      <a:schemeClr val="dk1"/>
+    </dgm:txFillClrLst>
+    <dgm:txEffectClrLst/>
+  </dgm:styleLbl>
+  <dgm:styleLbl name="solidAlignAcc1">
+    <dgm:fillClrLst meth="repeat">
+      <a:schemeClr val="lt1"/>
+    </dgm:fillClrLst>
+    <dgm:linClrLst meth="repeat">
+      <a:schemeClr val="accent2"/>
+      <a:schemeClr val="accent3"/>
+      <a:schemeClr val="accent4"/>
+      <a:schemeClr val="accent5"/>
+      <a:schemeClr val="accent6"/>
+    </dgm:linClrLst>
+    <dgm:effectClrLst/>
+    <dgm:txLinClrLst/>
+    <dgm:txFillClrLst meth="repeat">
+      <a:schemeClr val="dk1"/>
+    </dgm:txFillClrLst>
+    <dgm:txEffectClrLst/>
+  </dgm:styleLbl>
+  <dgm:styleLbl name="solidBgAcc1">
+    <dgm:fillClrLst meth="repeat">
+      <a:schemeClr val="lt1"/>
+    </dgm:fillClrLst>
+    <dgm:linClrLst meth="repeat">
+      <a:schemeClr val="accent2"/>
+      <a:schemeClr val="accent3"/>
+      <a:schemeClr val="accent4"/>
+      <a:schemeClr val="accent5"/>
+      <a:schemeClr val="accent6"/>
+    </dgm:linClrLst>
+    <dgm:effectClrLst/>
+    <dgm:txLinClrLst/>
+    <dgm:txFillClrLst meth="repeat">
+      <a:schemeClr val="dk1"/>
+    </dgm:txFillClrLst>
+    <dgm:txEffectClrLst/>
+  </dgm:styleLbl>
+  <dgm:styleLbl name="fgAccFollowNode1">
+    <dgm:fillClrLst meth="repeat">
+      <a:schemeClr val="accent2">
+        <a:tint val="40000"/>
+        <a:alpha val="90000"/>
+      </a:schemeClr>
+      <a:schemeClr val="accent3">
+        <a:tint val="40000"/>
+        <a:alpha val="90000"/>
+      </a:schemeClr>
+      <a:schemeClr val="accent4">
+        <a:tint val="40000"/>
+        <a:alpha val="90000"/>
+      </a:schemeClr>
+      <a:schemeClr val="accent5">
+        <a:tint val="40000"/>
+        <a:alpha val="90000"/>
+      </a:schemeClr>
+      <a:schemeClr val="accent6">
+        <a:tint val="40000"/>
+        <a:alpha val="90000"/>
+      </a:schemeClr>
+    </dgm:fillClrLst>
+    <dgm:linClrLst meth="repeat">
+      <a:schemeClr val="accent2">
+        <a:tint val="40000"/>
+        <a:alpha val="90000"/>
+      </a:schemeClr>
+      <a:schemeClr val="accent3">
+        <a:tint val="40000"/>
+        <a:alpha val="90000"/>
+      </a:schemeClr>
+      <a:schemeClr val="accent4">
+        <a:tint val="40000"/>
+        <a:alpha val="90000"/>
+      </a:schemeClr>
+      <a:schemeClr val="accent5">
+        <a:tint val="40000"/>
+        <a:alpha val="90000"/>
+      </a:schemeClr>
+      <a:schemeClr val="accent6">
+        <a:tint val="40000"/>
+        <a:alpha val="90000"/>
+      </a:schemeClr>
+    </dgm:linClrLst>
+    <dgm:effectClrLst/>
+    <dgm:txLinClrLst/>
+    <dgm:txFillClrLst meth="repeat">
+      <a:schemeClr val="dk1"/>
+    </dgm:txFillClrLst>
+    <dgm:txEffectClrLst/>
+  </dgm:styleLbl>
+  <dgm:styleLbl name="alignAccFollowNode1">
+    <dgm:fillClrLst meth="repeat">
+      <a:schemeClr val="accent2">
+        <a:tint val="40000"/>
+        <a:alpha val="90000"/>
+      </a:schemeClr>
+      <a:schemeClr val="accent3">
+        <a:tint val="40000"/>
+        <a:alpha val="90000"/>
+      </a:schemeClr>
+      <a:schemeClr val="accent4">
+        <a:tint val="40000"/>
+        <a:alpha val="90000"/>
+      </a:schemeClr>
+      <a:schemeClr val="accent5">
+        <a:tint val="40000"/>
+        <a:alpha val="90000"/>
+      </a:schemeClr>
+      <a:schemeClr val="accent6">
+        <a:tint val="40000"/>
+        <a:alpha val="90000"/>
+      </a:schemeClr>
+    </dgm:fillClrLst>
+    <dgm:linClrLst meth="repeat">
+      <a:schemeClr val="accent2">
+        <a:tint val="40000"/>
+        <a:alpha val="90000"/>
+      </a:schemeClr>
+      <a:schemeClr val="accent3">
+        <a:tint val="40000"/>
+        <a:alpha val="90000"/>
+      </a:schemeClr>
+      <a:schemeClr val="accent4">
+        <a:tint val="40000"/>
+        <a:alpha val="90000"/>
+      </a:schemeClr>
+      <a:schemeClr val="accent5">
+        <a:tint val="40000"/>
+        <a:alpha val="90000"/>
+      </a:schemeClr>
+      <a:schemeClr val="accent6">
+        <a:tint val="40000"/>
+        <a:alpha val="90000"/>
+      </a:schemeClr>
+    </dgm:linClrLst>
+    <dgm:effectClrLst/>
+    <dgm:txLinClrLst/>
+    <dgm:txFillClrLst meth="repeat">
+      <a:schemeClr val="dk1"/>
+    </dgm:txFillClrLst>
+    <dgm:txEffectClrLst/>
+  </dgm:styleLbl>
+  <dgm:styleLbl name="bgAccFollowNode1">
+    <dgm:fillClrLst meth="repeat">
+      <a:schemeClr val="accent2">
+        <a:tint val="40000"/>
+        <a:alpha val="90000"/>
+      </a:schemeClr>
+      <a:schemeClr val="accent3">
+        <a:tint val="40000"/>
+        <a:alpha val="90000"/>
+      </a:schemeClr>
+      <a:schemeClr val="accent4">
+        <a:tint val="40000"/>
+        <a:alpha val="90000"/>
+      </a:schemeClr>
+      <a:schemeClr val="accent5">
+        <a:tint val="40000"/>
+        <a:alpha val="90000"/>
+      </a:schemeClr>
+      <a:schemeClr val="accent6">
+        <a:tint val="40000"/>
+        <a:alpha val="90000"/>
+      </a:schemeClr>
+    </dgm:fillClrLst>
+    <dgm:linClrLst meth="repeat">
+      <a:schemeClr val="accent2">
+        <a:tint val="40000"/>
+        <a:alpha val="90000"/>
+      </a:schemeClr>
+      <a:schemeClr val="accent3">
+        <a:tint val="40000"/>
+        <a:alpha val="90000"/>
+      </a:schemeClr>
+      <a:schemeClr val="accent4">
+        <a:tint val="40000"/>
+        <a:alpha val="90000"/>
+      </a:schemeClr>
+      <a:schemeClr val="accent5">
+        <a:tint val="40000"/>
+        <a:alpha val="90000"/>
+      </a:schemeClr>
+      <a:schemeClr val="accent6">
+        <a:tint val="40000"/>
+        <a:alpha val="90000"/>
+      </a:schemeClr>
+    </dgm:linClrLst>
+    <dgm:effectClrLst/>
+    <dgm:txLinClrLst/>
+    <dgm:txFillClrLst meth="repeat">
+      <a:schemeClr val="dk1"/>
+    </dgm:txFillClrLst>
+    <dgm:txEffectClrLst/>
+  </dgm:styleLbl>
+  <dgm:styleLbl name="fgAcc0">
+    <dgm:fillClrLst meth="repeat">
+      <a:schemeClr val="lt1">
+        <a:alpha val="90000"/>
+      </a:schemeClr>
+    </dgm:fillClrLst>
+    <dgm:linClrLst>
+      <a:schemeClr val="accent1"/>
+    </dgm:linClrLst>
+    <dgm:effectClrLst/>
+    <dgm:txLinClrLst/>
+    <dgm:txFillClrLst meth="repeat">
+      <a:schemeClr val="dk1"/>
+    </dgm:txFillClrLst>
+    <dgm:txEffectClrLst/>
+  </dgm:styleLbl>
+  <dgm:styleLbl name="fgAcc2">
+    <dgm:fillClrLst meth="repeat">
+      <a:schemeClr val="lt1">
+        <a:alpha val="90000"/>
+      </a:schemeClr>
+    </dgm:fillClrLst>
+    <dgm:linClrLst>
+      <a:schemeClr val="accent2"/>
+    </dgm:linClrLst>
+    <dgm:effectClrLst/>
+    <dgm:txLinClrLst/>
+    <dgm:txFillClrLst meth="repeat">
+      <a:schemeClr val="dk1"/>
+    </dgm:txFillClrLst>
+    <dgm:txEffectClrLst/>
+  </dgm:styleLbl>
+  <dgm:styleLbl name="fgAcc3">
+    <dgm:fillClrLst meth="repeat">
+      <a:schemeClr val="lt1">
+        <a:alpha val="90000"/>
+      </a:schemeClr>
+    </dgm:fillClrLst>
+    <dgm:linClrLst>
+      <a:schemeClr val="accent3"/>
+    </dgm:linClrLst>
+    <dgm:effectClrLst/>
+    <dgm:txLinClrLst/>
+    <dgm:txFillClrLst meth="repeat">
+      <a:schemeClr val="dk1"/>
+    </dgm:txFillClrLst>
+    <dgm:txEffectClrLst/>
+  </dgm:styleLbl>
+  <dgm:styleLbl name="fgAcc4">
+    <dgm:fillClrLst meth="repeat">
+      <a:schemeClr val="lt1">
+        <a:alpha val="90000"/>
+      </a:schemeClr>
+    </dgm:fillClrLst>
+    <dgm:linClrLst>
+      <a:schemeClr val="accent4"/>
+    </dgm:linClrLst>
+    <dgm:effectClrLst/>
+    <dgm:txLinClrLst/>
+    <dgm:txFillClrLst meth="repeat">
+      <a:schemeClr val="dk1"/>
+    </dgm:txFillClrLst>
+    <dgm:txEffectClrLst/>
+  </dgm:styleLbl>
+  <dgm:styleLbl name="bgShp">
+    <dgm:fillClrLst meth="repeat">
+      <a:schemeClr val="accent2">
+        <a:tint val="40000"/>
+      </a:schemeClr>
+    </dgm:fillClrLst>
+    <dgm:linClrLst meth="repeat">
+      <a:schemeClr val="dk1"/>
+    </dgm:linClrLst>
+    <dgm:effectClrLst/>
+    <dgm:txLinClrLst/>
+    <dgm:txFillClrLst meth="repeat">
+      <a:schemeClr val="dk1"/>
+    </dgm:txFillClrLst>
+    <dgm:txEffectClrLst/>
+  </dgm:styleLbl>
+  <dgm:styleLbl name="dkBgShp">
+    <dgm:fillClrLst meth="repeat">
+      <a:schemeClr val="accent2">
+        <a:shade val="90000"/>
+      </a:schemeClr>
+    </dgm:fillClrLst>
+    <dgm:linClrLst meth="repeat">
+      <a:schemeClr val="dk1"/>
+    </dgm:linClrLst>
+    <dgm:effectClrLst/>
+    <dgm:txLinClrLst/>
+    <dgm:txFillClrLst meth="repeat">
+      <a:schemeClr val="lt1"/>
+    </dgm:txFillClrLst>
+    <dgm:txEffectClrLst/>
+  </dgm:styleLbl>
+  <dgm:styleLbl name="trBgShp">
+    <dgm:fillClrLst meth="repeat">
+      <a:schemeClr val="accent1">
+        <a:tint val="50000"/>
+        <a:alpha val="40000"/>
+      </a:schemeClr>
+    </dgm:fillClrLst>
+    <dgm:linClrLst meth="repeat">
+      <a:schemeClr val="accent2"/>
+    </dgm:linClrLst>
+    <dgm:effectClrLst/>
+    <dgm:txLinClrLst/>
+    <dgm:txFillClrLst meth="repeat">
+      <a:schemeClr val="lt1"/>
+    </dgm:txFillClrLst>
+    <dgm:txEffectClrLst/>
+  </dgm:styleLbl>
+  <dgm:styleLbl name="fgShp">
+    <dgm:fillClrLst meth="repeat">
+      <a:schemeClr val="accent2">
+        <a:tint val="40000"/>
       </a:schemeClr>
     </dgm:fillClrLst>
     <dgm:linClrLst meth="repeat">
@@ -3739,6 +4928,261 @@
     <dgm:cxn modelId="{C8ABFA96-7FC2-4E38-8802-DFF28C3AC3BB}" type="presParOf" srcId="{18D858B2-8357-4A07-90E8-BD13A157ABD4}" destId="{474A97B2-6D3C-4F50-9B2C-FC907D4908D4}" srcOrd="1" destOrd="0" presId="urn:microsoft.com/office/officeart/2018/5/layout/IconCircleLabelList"/>
     <dgm:cxn modelId="{5259CDF6-6CF7-4A6C-B386-BC3797285811}" type="presParOf" srcId="{18D858B2-8357-4A07-90E8-BD13A157ABD4}" destId="{020F276A-F630-4F10-AE16-B6E0D119A16F}" srcOrd="2" destOrd="0" presId="urn:microsoft.com/office/officeart/2018/5/layout/IconCircleLabelList"/>
     <dgm:cxn modelId="{17B54755-37B2-4C58-ABFD-39F8B4611FB1}" type="presParOf" srcId="{18D858B2-8357-4A07-90E8-BD13A157ABD4}" destId="{B2AAAE15-5091-4D35-9CE8-9AD45335AC77}" srcOrd="3" destOrd="0" presId="urn:microsoft.com/office/officeart/2018/5/layout/IconCircleLabelList"/>
+  </dgm:cxnLst>
+  <dgm:bg/>
+  <dgm:whole/>
+  <dgm:extLst>
+    <a:ext uri="http://schemas.microsoft.com/office/drawing/2008/diagram">
+      <dsp:dataModelExt xmlns:dsp="http://schemas.microsoft.com/office/drawing/2008/diagram" relId="rId7" minVer="http://schemas.openxmlformats.org/drawingml/2006/diagram"/>
+    </a:ext>
+  </dgm:extLst>
+</dgm:dataModel>
+</file>
+
+<file path=ppt/diagrams/data4.xml><?xml version="1.0" encoding="utf-8"?>
+<dgm:dataModel xmlns:dgm="http://schemas.openxmlformats.org/drawingml/2006/diagram" xmlns:a="http://schemas.openxmlformats.org/drawingml/2006/main">
+  <dgm:ptLst>
+    <dgm:pt modelId="{EC772436-D38D-4C83-AF19-AFA798B04AFB}" type="doc">
+      <dgm:prSet loTypeId="urn:microsoft.com/office/officeart/2005/8/layout/matrix3" loCatId="matrix" qsTypeId="urn:microsoft.com/office/officeart/2005/8/quickstyle/simple4" qsCatId="simple" csTypeId="urn:microsoft.com/office/officeart/2005/8/colors/colorful1" csCatId="colorful"/>
+      <dgm:spPr/>
+      <dgm:t>
+        <a:bodyPr/>
+        <a:lstStyle/>
+        <a:p>
+          <a:endParaRPr lang="en-US"/>
+        </a:p>
+      </dgm:t>
+    </dgm:pt>
+    <dgm:pt modelId="{13E91FA3-CB0E-476E-9FE0-70704A9AEFB6}">
+      <dgm:prSet/>
+      <dgm:spPr/>
+      <dgm:t>
+        <a:bodyPr/>
+        <a:lstStyle/>
+        <a:p>
+          <a:pPr rtl="0"/>
+          <a:r>
+            <a:rPr lang="pl-PL">
+              <a:latin typeface="Century Gothic" panose="020B0502020202020204"/>
+            </a:rPr>
+            <a:t>Odczyty monotoniczne (monotonic reads)</a:t>
+          </a:r>
+          <a:endParaRPr lang="en-US"/>
+        </a:p>
+      </dgm:t>
+    </dgm:pt>
+    <dgm:pt modelId="{1941A0EE-971F-4332-B77D-0EF1015C5A5F}" type="parTrans" cxnId="{ECC16A4E-D81D-431A-81DC-51FA2AA06DFE}">
+      <dgm:prSet/>
+      <dgm:spPr/>
+      <dgm:t>
+        <a:bodyPr/>
+        <a:lstStyle/>
+        <a:p>
+          <a:endParaRPr lang="en-US"/>
+        </a:p>
+      </dgm:t>
+    </dgm:pt>
+    <dgm:pt modelId="{1A9990F9-5DEE-408B-866D-86E73BA6D864}" type="sibTrans" cxnId="{ECC16A4E-D81D-431A-81DC-51FA2AA06DFE}">
+      <dgm:prSet/>
+      <dgm:spPr/>
+      <dgm:t>
+        <a:bodyPr/>
+        <a:lstStyle/>
+        <a:p>
+          <a:endParaRPr lang="en-US"/>
+        </a:p>
+      </dgm:t>
+    </dgm:pt>
+    <dgm:pt modelId="{D70200FA-9866-4891-8A6D-0D9FA264F724}">
+      <dgm:prSet phldr="0"/>
+      <dgm:spPr/>
+      <dgm:t>
+        <a:bodyPr/>
+        <a:lstStyle/>
+        <a:p>
+          <a:pPr rtl="0"/>
+          <a:r>
+            <a:rPr lang="pl-PL" dirty="0">
+              <a:latin typeface="Century Gothic" panose="020B0502020202020204"/>
+            </a:rPr>
+            <a:t>Zapisy monotoniczne (monotonic writes)</a:t>
+          </a:r>
+          <a:endParaRPr lang="pl-PL" dirty="0"/>
+        </a:p>
+      </dgm:t>
+    </dgm:pt>
+    <dgm:pt modelId="{3998F2E1-9DE4-4B38-B329-9A3B110721E6}" type="parTrans" cxnId="{12B7B9C7-B4AC-4418-B7F3-53F54A923C1B}">
+      <dgm:prSet/>
+      <dgm:spPr/>
+      <dgm:t>
+        <a:bodyPr/>
+        <a:lstStyle/>
+        <a:p>
+          <a:endParaRPr lang="en-US"/>
+        </a:p>
+      </dgm:t>
+    </dgm:pt>
+    <dgm:pt modelId="{8B6CF5BD-A338-44B8-86F1-A129899E46DF}" type="sibTrans" cxnId="{12B7B9C7-B4AC-4418-B7F3-53F54A923C1B}">
+      <dgm:prSet/>
+      <dgm:spPr/>
+      <dgm:t>
+        <a:bodyPr/>
+        <a:lstStyle/>
+        <a:p>
+          <a:endParaRPr lang="en-US"/>
+        </a:p>
+      </dgm:t>
+    </dgm:pt>
+    <dgm:pt modelId="{790EFA16-77BC-4516-9DC9-3339B314A921}">
+      <dgm:prSet/>
+      <dgm:spPr/>
+      <dgm:t>
+        <a:bodyPr/>
+        <a:lstStyle/>
+        <a:p>
+          <a:pPr rtl="0"/>
+          <a:r>
+            <a:rPr lang="pl-PL">
+              <a:latin typeface="Century Gothic" panose="020B0502020202020204"/>
+            </a:rPr>
+            <a:t>Read Your Writes</a:t>
+          </a:r>
+          <a:endParaRPr lang="en-US"/>
+        </a:p>
+      </dgm:t>
+    </dgm:pt>
+    <dgm:pt modelId="{269D03CF-5D9E-4799-A7BF-3DC506794B16}" type="parTrans" cxnId="{324BBD64-B7FE-441C-A75B-6F5C1CCCA106}">
+      <dgm:prSet/>
+      <dgm:spPr/>
+      <dgm:t>
+        <a:bodyPr/>
+        <a:lstStyle/>
+        <a:p>
+          <a:endParaRPr lang="en-US"/>
+        </a:p>
+      </dgm:t>
+    </dgm:pt>
+    <dgm:pt modelId="{478DDDBB-9218-4FD7-A19E-004BEFB4E3F7}" type="sibTrans" cxnId="{324BBD64-B7FE-441C-A75B-6F5C1CCCA106}">
+      <dgm:prSet/>
+      <dgm:spPr/>
+      <dgm:t>
+        <a:bodyPr/>
+        <a:lstStyle/>
+        <a:p>
+          <a:endParaRPr lang="en-US"/>
+        </a:p>
+      </dgm:t>
+    </dgm:pt>
+    <dgm:pt modelId="{AE018249-354B-480B-8D0B-F4B83355CFBC}">
+      <dgm:prSet/>
+      <dgm:spPr/>
+      <dgm:t>
+        <a:bodyPr/>
+        <a:lstStyle/>
+        <a:p>
+          <a:pPr rtl="0"/>
+          <a:r>
+            <a:rPr lang="pl-PL">
+              <a:latin typeface="Century Gothic" panose="020B0502020202020204"/>
+            </a:rPr>
+            <a:t>Writes Follow Reads</a:t>
+          </a:r>
+          <a:endParaRPr lang="pl-PL"/>
+        </a:p>
+      </dgm:t>
+    </dgm:pt>
+    <dgm:pt modelId="{B9367958-2E88-4009-9343-3ACCBBB157A0}" type="parTrans" cxnId="{D89F588D-34CE-40DC-9E18-D2CA7F95B0F7}">
+      <dgm:prSet/>
+      <dgm:spPr/>
+      <dgm:t>
+        <a:bodyPr/>
+        <a:lstStyle/>
+        <a:p>
+          <a:endParaRPr lang="en-US"/>
+        </a:p>
+      </dgm:t>
+    </dgm:pt>
+    <dgm:pt modelId="{E638B405-3293-4BC3-9327-AE8E43459CEE}" type="sibTrans" cxnId="{D89F588D-34CE-40DC-9E18-D2CA7F95B0F7}">
+      <dgm:prSet/>
+      <dgm:spPr/>
+      <dgm:t>
+        <a:bodyPr/>
+        <a:lstStyle/>
+        <a:p>
+          <a:endParaRPr lang="en-US"/>
+        </a:p>
+      </dgm:t>
+    </dgm:pt>
+    <dgm:pt modelId="{8E71FC56-4A89-4C31-B097-60070385FDB6}" type="pres">
+      <dgm:prSet presAssocID="{EC772436-D38D-4C83-AF19-AFA798B04AFB}" presName="matrix" presStyleCnt="0">
+        <dgm:presLayoutVars>
+          <dgm:chMax val="1"/>
+          <dgm:dir/>
+          <dgm:resizeHandles val="exact"/>
+        </dgm:presLayoutVars>
+      </dgm:prSet>
+      <dgm:spPr/>
+    </dgm:pt>
+    <dgm:pt modelId="{8D362252-19B5-4BF3-84D8-8ABBF73DC973}" type="pres">
+      <dgm:prSet presAssocID="{EC772436-D38D-4C83-AF19-AFA798B04AFB}" presName="diamond" presStyleLbl="bgShp" presStyleIdx="0" presStyleCnt="1"/>
+      <dgm:spPr/>
+    </dgm:pt>
+    <dgm:pt modelId="{52B7186F-5154-47E0-B3D9-D8B8E63000F1}" type="pres">
+      <dgm:prSet presAssocID="{EC772436-D38D-4C83-AF19-AFA798B04AFB}" presName="quad1" presStyleLbl="node1" presStyleIdx="0" presStyleCnt="4">
+        <dgm:presLayoutVars>
+          <dgm:chMax val="0"/>
+          <dgm:chPref val="0"/>
+          <dgm:bulletEnabled val="1"/>
+        </dgm:presLayoutVars>
+      </dgm:prSet>
+      <dgm:spPr/>
+    </dgm:pt>
+    <dgm:pt modelId="{2EA7C8D7-1525-48B2-9735-F55555D5E904}" type="pres">
+      <dgm:prSet presAssocID="{EC772436-D38D-4C83-AF19-AFA798B04AFB}" presName="quad2" presStyleLbl="node1" presStyleIdx="1" presStyleCnt="4">
+        <dgm:presLayoutVars>
+          <dgm:chMax val="0"/>
+          <dgm:chPref val="0"/>
+          <dgm:bulletEnabled val="1"/>
+        </dgm:presLayoutVars>
+      </dgm:prSet>
+      <dgm:spPr/>
+    </dgm:pt>
+    <dgm:pt modelId="{B09379A1-3990-4731-AB8D-126D950EEB1C}" type="pres">
+      <dgm:prSet presAssocID="{EC772436-D38D-4C83-AF19-AFA798B04AFB}" presName="quad3" presStyleLbl="node1" presStyleIdx="2" presStyleCnt="4">
+        <dgm:presLayoutVars>
+          <dgm:chMax val="0"/>
+          <dgm:chPref val="0"/>
+          <dgm:bulletEnabled val="1"/>
+        </dgm:presLayoutVars>
+      </dgm:prSet>
+      <dgm:spPr/>
+    </dgm:pt>
+    <dgm:pt modelId="{5DA7284E-E5BF-4952-B6C0-762264AB6D27}" type="pres">
+      <dgm:prSet presAssocID="{EC772436-D38D-4C83-AF19-AFA798B04AFB}" presName="quad4" presStyleLbl="node1" presStyleIdx="3" presStyleCnt="4">
+        <dgm:presLayoutVars>
+          <dgm:chMax val="0"/>
+          <dgm:chPref val="0"/>
+          <dgm:bulletEnabled val="1"/>
+        </dgm:presLayoutVars>
+      </dgm:prSet>
+      <dgm:spPr/>
+    </dgm:pt>
+  </dgm:ptLst>
+  <dgm:cxnLst>
+    <dgm:cxn modelId="{324BBD64-B7FE-441C-A75B-6F5C1CCCA106}" srcId="{EC772436-D38D-4C83-AF19-AFA798B04AFB}" destId="{790EFA16-77BC-4516-9DC9-3339B314A921}" srcOrd="2" destOrd="0" parTransId="{269D03CF-5D9E-4799-A7BF-3DC506794B16}" sibTransId="{478DDDBB-9218-4FD7-A19E-004BEFB4E3F7}"/>
+    <dgm:cxn modelId="{61F1ED46-04C7-4703-B625-8A322A4DC5D8}" type="presOf" srcId="{13E91FA3-CB0E-476E-9FE0-70704A9AEFB6}" destId="{52B7186F-5154-47E0-B3D9-D8B8E63000F1}" srcOrd="0" destOrd="0" presId="urn:microsoft.com/office/officeart/2005/8/layout/matrix3"/>
+    <dgm:cxn modelId="{ECC16A4E-D81D-431A-81DC-51FA2AA06DFE}" srcId="{EC772436-D38D-4C83-AF19-AFA798B04AFB}" destId="{13E91FA3-CB0E-476E-9FE0-70704A9AEFB6}" srcOrd="0" destOrd="0" parTransId="{1941A0EE-971F-4332-B77D-0EF1015C5A5F}" sibTransId="{1A9990F9-5DEE-408B-866D-86E73BA6D864}"/>
+    <dgm:cxn modelId="{2D162252-6742-4546-AE5D-DF881EC29879}" type="presOf" srcId="{EC772436-D38D-4C83-AF19-AFA798B04AFB}" destId="{8E71FC56-4A89-4C31-B097-60070385FDB6}" srcOrd="0" destOrd="0" presId="urn:microsoft.com/office/officeart/2005/8/layout/matrix3"/>
+    <dgm:cxn modelId="{FBCD8B7B-E984-4AB5-B461-9A6116717A40}" type="presOf" srcId="{D70200FA-9866-4891-8A6D-0D9FA264F724}" destId="{2EA7C8D7-1525-48B2-9735-F55555D5E904}" srcOrd="0" destOrd="0" presId="urn:microsoft.com/office/officeart/2005/8/layout/matrix3"/>
+    <dgm:cxn modelId="{95B6B47E-A56D-4E11-B8A3-66927083DE2E}" type="presOf" srcId="{AE018249-354B-480B-8D0B-F4B83355CFBC}" destId="{5DA7284E-E5BF-4952-B6C0-762264AB6D27}" srcOrd="0" destOrd="0" presId="urn:microsoft.com/office/officeart/2005/8/layout/matrix3"/>
+    <dgm:cxn modelId="{D89F588D-34CE-40DC-9E18-D2CA7F95B0F7}" srcId="{EC772436-D38D-4C83-AF19-AFA798B04AFB}" destId="{AE018249-354B-480B-8D0B-F4B83355CFBC}" srcOrd="3" destOrd="0" parTransId="{B9367958-2E88-4009-9343-3ACCBBB157A0}" sibTransId="{E638B405-3293-4BC3-9327-AE8E43459CEE}"/>
+    <dgm:cxn modelId="{12B7B9C7-B4AC-4418-B7F3-53F54A923C1B}" srcId="{EC772436-D38D-4C83-AF19-AFA798B04AFB}" destId="{D70200FA-9866-4891-8A6D-0D9FA264F724}" srcOrd="1" destOrd="0" parTransId="{3998F2E1-9DE4-4B38-B329-9A3B110721E6}" sibTransId="{8B6CF5BD-A338-44B8-86F1-A129899E46DF}"/>
+    <dgm:cxn modelId="{0E991FE4-BE10-47D6-A811-A8061DE1FF45}" type="presOf" srcId="{790EFA16-77BC-4516-9DC9-3339B314A921}" destId="{B09379A1-3990-4731-AB8D-126D950EEB1C}" srcOrd="0" destOrd="0" presId="urn:microsoft.com/office/officeart/2005/8/layout/matrix3"/>
+    <dgm:cxn modelId="{30B7F242-72EF-4C3B-8930-9812B6FC8527}" type="presParOf" srcId="{8E71FC56-4A89-4C31-B097-60070385FDB6}" destId="{8D362252-19B5-4BF3-84D8-8ABBF73DC973}" srcOrd="0" destOrd="0" presId="urn:microsoft.com/office/officeart/2005/8/layout/matrix3"/>
+    <dgm:cxn modelId="{EB56F77A-543C-482A-8379-7E6DD30C98E6}" type="presParOf" srcId="{8E71FC56-4A89-4C31-B097-60070385FDB6}" destId="{52B7186F-5154-47E0-B3D9-D8B8E63000F1}" srcOrd="1" destOrd="0" presId="urn:microsoft.com/office/officeart/2005/8/layout/matrix3"/>
+    <dgm:cxn modelId="{FC7F9424-BA8B-4EF3-B532-FAB0559AA00C}" type="presParOf" srcId="{8E71FC56-4A89-4C31-B097-60070385FDB6}" destId="{2EA7C8D7-1525-48B2-9735-F55555D5E904}" srcOrd="2" destOrd="0" presId="urn:microsoft.com/office/officeart/2005/8/layout/matrix3"/>
+    <dgm:cxn modelId="{6568A28A-2CB1-4C67-BDFD-3C544AC36A04}" type="presParOf" srcId="{8E71FC56-4A89-4C31-B097-60070385FDB6}" destId="{B09379A1-3990-4731-AB8D-126D950EEB1C}" srcOrd="3" destOrd="0" presId="urn:microsoft.com/office/officeart/2005/8/layout/matrix3"/>
+    <dgm:cxn modelId="{4CDBC673-3A98-4FA8-BC2A-C320556E4D28}" type="presParOf" srcId="{8E71FC56-4A89-4C31-B097-60070385FDB6}" destId="{5DA7284E-E5BF-4952-B6C0-762264AB6D27}" srcOrd="4" destOrd="0" presId="urn:microsoft.com/office/officeart/2005/8/layout/matrix3"/>
   </dgm:cxnLst>
   <dgm:bg/>
   <dgm:whole/>
@@ -5304,6 +6748,452 @@
 </dsp:drawing>
 </file>
 
+<file path=ppt/diagrams/drawing4.xml><?xml version="1.0" encoding="utf-8"?>
+<dsp:drawing xmlns:dgm="http://schemas.openxmlformats.org/drawingml/2006/diagram" xmlns:dsp="http://schemas.microsoft.com/office/drawing/2008/diagram" xmlns:a="http://schemas.openxmlformats.org/drawingml/2006/main">
+  <dsp:spTree>
+    <dsp:nvGrpSpPr>
+      <dsp:cNvPr id="0" name=""/>
+      <dsp:cNvGrpSpPr/>
+    </dsp:nvGrpSpPr>
+    <dsp:grpSpPr/>
+    <dsp:sp modelId="{8D362252-19B5-4BF3-84D8-8ABBF73DC973}">
+      <dsp:nvSpPr>
+        <dsp:cNvPr id="0" name=""/>
+        <dsp:cNvSpPr/>
+      </dsp:nvSpPr>
+      <dsp:spPr>
+        <a:xfrm>
+          <a:off x="2680217" y="0"/>
+          <a:ext cx="3630680" cy="3630680"/>
+        </a:xfrm>
+        <a:prstGeom prst="diamond">
+          <a:avLst/>
+        </a:prstGeom>
+        <a:solidFill>
+          <a:schemeClr val="accent2">
+            <a:tint val="40000"/>
+            <a:hueOff val="0"/>
+            <a:satOff val="0"/>
+            <a:lumOff val="0"/>
+            <a:alphaOff val="0"/>
+          </a:schemeClr>
+        </a:solidFill>
+        <a:ln>
+          <a:noFill/>
+        </a:ln>
+        <a:effectLst>
+          <a:innerShdw blurRad="25400" dist="12700" dir="13500000">
+            <a:srgbClr val="000000">
+              <a:alpha val="45000"/>
+            </a:srgbClr>
+          </a:innerShdw>
+        </a:effectLst>
+      </dsp:spPr>
+      <dsp:style>
+        <a:lnRef idx="0">
+          <a:scrgbClr r="0" g="0" b="0"/>
+        </a:lnRef>
+        <a:fillRef idx="1">
+          <a:scrgbClr r="0" g="0" b="0"/>
+        </a:fillRef>
+        <a:effectRef idx="2">
+          <a:scrgbClr r="0" g="0" b="0"/>
+        </a:effectRef>
+        <a:fontRef idx="minor"/>
+      </dsp:style>
+    </dsp:sp>
+    <dsp:sp modelId="{52B7186F-5154-47E0-B3D9-D8B8E63000F1}">
+      <dsp:nvSpPr>
+        <dsp:cNvPr id="0" name=""/>
+        <dsp:cNvSpPr/>
+      </dsp:nvSpPr>
+      <dsp:spPr>
+        <a:xfrm>
+          <a:off x="3025131" y="344914"/>
+          <a:ext cx="1415965" cy="1415965"/>
+        </a:xfrm>
+        <a:prstGeom prst="roundRect">
+          <a:avLst/>
+        </a:prstGeom>
+        <a:gradFill rotWithShape="0">
+          <a:gsLst>
+            <a:gs pos="0">
+              <a:schemeClr val="accent2">
+                <a:hueOff val="0"/>
+                <a:satOff val="0"/>
+                <a:lumOff val="0"/>
+                <a:alphaOff val="0"/>
+                <a:tint val="98000"/>
+                <a:hueMod val="94000"/>
+                <a:satMod val="130000"/>
+                <a:lumMod val="128000"/>
+              </a:schemeClr>
+            </a:gs>
+            <a:gs pos="100000">
+              <a:schemeClr val="accent2">
+                <a:hueOff val="0"/>
+                <a:satOff val="0"/>
+                <a:lumOff val="0"/>
+                <a:alphaOff val="0"/>
+                <a:shade val="94000"/>
+                <a:lumMod val="88000"/>
+              </a:schemeClr>
+            </a:gs>
+          </a:gsLst>
+          <a:lin ang="5400000" scaled="0"/>
+        </a:gradFill>
+        <a:ln>
+          <a:noFill/>
+        </a:ln>
+        <a:effectLst>
+          <a:innerShdw blurRad="25400" dist="12700" dir="13500000">
+            <a:srgbClr val="000000">
+              <a:alpha val="45000"/>
+            </a:srgbClr>
+          </a:innerShdw>
+        </a:effectLst>
+      </dsp:spPr>
+      <dsp:style>
+        <a:lnRef idx="0">
+          <a:scrgbClr r="0" g="0" b="0"/>
+        </a:lnRef>
+        <a:fillRef idx="3">
+          <a:scrgbClr r="0" g="0" b="0"/>
+        </a:fillRef>
+        <a:effectRef idx="2">
+          <a:scrgbClr r="0" g="0" b="0"/>
+        </a:effectRef>
+        <a:fontRef idx="minor">
+          <a:schemeClr val="lt1"/>
+        </a:fontRef>
+      </dsp:style>
+      <dsp:txBody>
+        <a:bodyPr spcFirstLastPara="0" vert="horz" wrap="square" lIns="49530" tIns="49530" rIns="49530" bIns="49530" numCol="1" spcCol="1270" anchor="ctr" anchorCtr="0">
+          <a:noAutofit/>
+        </a:bodyPr>
+        <a:lstStyle/>
+        <a:p>
+          <a:pPr marL="0" lvl="0" indent="0" algn="ctr" defTabSz="577850" rtl="0">
+            <a:lnSpc>
+              <a:spcPct val="90000"/>
+            </a:lnSpc>
+            <a:spcBef>
+              <a:spcPct val="0"/>
+            </a:spcBef>
+            <a:spcAft>
+              <a:spcPct val="35000"/>
+            </a:spcAft>
+            <a:buNone/>
+          </a:pPr>
+          <a:r>
+            <a:rPr lang="pl-PL" sz="1300" kern="1200">
+              <a:latin typeface="Century Gothic" panose="020B0502020202020204"/>
+            </a:rPr>
+            <a:t>Odczyty monotoniczne (monotonic reads)</a:t>
+          </a:r>
+          <a:endParaRPr lang="en-US" sz="1300" kern="1200"/>
+        </a:p>
+      </dsp:txBody>
+      <dsp:txXfrm>
+        <a:off x="3094253" y="414036"/>
+        <a:ext cx="1277721" cy="1277721"/>
+      </dsp:txXfrm>
+    </dsp:sp>
+    <dsp:sp modelId="{2EA7C8D7-1525-48B2-9735-F55555D5E904}">
+      <dsp:nvSpPr>
+        <dsp:cNvPr id="0" name=""/>
+        <dsp:cNvSpPr/>
+      </dsp:nvSpPr>
+      <dsp:spPr>
+        <a:xfrm>
+          <a:off x="4550017" y="344914"/>
+          <a:ext cx="1415965" cy="1415965"/>
+        </a:xfrm>
+        <a:prstGeom prst="roundRect">
+          <a:avLst/>
+        </a:prstGeom>
+        <a:gradFill rotWithShape="0">
+          <a:gsLst>
+            <a:gs pos="0">
+              <a:schemeClr val="accent3">
+                <a:hueOff val="0"/>
+                <a:satOff val="0"/>
+                <a:lumOff val="0"/>
+                <a:alphaOff val="0"/>
+                <a:tint val="98000"/>
+                <a:hueMod val="94000"/>
+                <a:satMod val="130000"/>
+                <a:lumMod val="128000"/>
+              </a:schemeClr>
+            </a:gs>
+            <a:gs pos="100000">
+              <a:schemeClr val="accent3">
+                <a:hueOff val="0"/>
+                <a:satOff val="0"/>
+                <a:lumOff val="0"/>
+                <a:alphaOff val="0"/>
+                <a:shade val="94000"/>
+                <a:lumMod val="88000"/>
+              </a:schemeClr>
+            </a:gs>
+          </a:gsLst>
+          <a:lin ang="5400000" scaled="0"/>
+        </a:gradFill>
+        <a:ln>
+          <a:noFill/>
+        </a:ln>
+        <a:effectLst>
+          <a:innerShdw blurRad="25400" dist="12700" dir="13500000">
+            <a:srgbClr val="000000">
+              <a:alpha val="45000"/>
+            </a:srgbClr>
+          </a:innerShdw>
+        </a:effectLst>
+      </dsp:spPr>
+      <dsp:style>
+        <a:lnRef idx="0">
+          <a:scrgbClr r="0" g="0" b="0"/>
+        </a:lnRef>
+        <a:fillRef idx="3">
+          <a:scrgbClr r="0" g="0" b="0"/>
+        </a:fillRef>
+        <a:effectRef idx="2">
+          <a:scrgbClr r="0" g="0" b="0"/>
+        </a:effectRef>
+        <a:fontRef idx="minor">
+          <a:schemeClr val="lt1"/>
+        </a:fontRef>
+      </dsp:style>
+      <dsp:txBody>
+        <a:bodyPr spcFirstLastPara="0" vert="horz" wrap="square" lIns="49530" tIns="49530" rIns="49530" bIns="49530" numCol="1" spcCol="1270" anchor="ctr" anchorCtr="0">
+          <a:noAutofit/>
+        </a:bodyPr>
+        <a:lstStyle/>
+        <a:p>
+          <a:pPr marL="0" lvl="0" indent="0" algn="ctr" defTabSz="577850" rtl="0">
+            <a:lnSpc>
+              <a:spcPct val="90000"/>
+            </a:lnSpc>
+            <a:spcBef>
+              <a:spcPct val="0"/>
+            </a:spcBef>
+            <a:spcAft>
+              <a:spcPct val="35000"/>
+            </a:spcAft>
+            <a:buNone/>
+          </a:pPr>
+          <a:r>
+            <a:rPr lang="pl-PL" sz="1300" kern="1200" dirty="0">
+              <a:latin typeface="Century Gothic" panose="020B0502020202020204"/>
+            </a:rPr>
+            <a:t>Zapisy monotoniczne (monotonic writes)</a:t>
+          </a:r>
+          <a:endParaRPr lang="pl-PL" sz="1300" kern="1200" dirty="0"/>
+        </a:p>
+      </dsp:txBody>
+      <dsp:txXfrm>
+        <a:off x="4619139" y="414036"/>
+        <a:ext cx="1277721" cy="1277721"/>
+      </dsp:txXfrm>
+    </dsp:sp>
+    <dsp:sp modelId="{B09379A1-3990-4731-AB8D-126D950EEB1C}">
+      <dsp:nvSpPr>
+        <dsp:cNvPr id="0" name=""/>
+        <dsp:cNvSpPr/>
+      </dsp:nvSpPr>
+      <dsp:spPr>
+        <a:xfrm>
+          <a:off x="3025131" y="1869800"/>
+          <a:ext cx="1415965" cy="1415965"/>
+        </a:xfrm>
+        <a:prstGeom prst="roundRect">
+          <a:avLst/>
+        </a:prstGeom>
+        <a:gradFill rotWithShape="0">
+          <a:gsLst>
+            <a:gs pos="0">
+              <a:schemeClr val="accent4">
+                <a:hueOff val="0"/>
+                <a:satOff val="0"/>
+                <a:lumOff val="0"/>
+                <a:alphaOff val="0"/>
+                <a:tint val="98000"/>
+                <a:hueMod val="94000"/>
+                <a:satMod val="130000"/>
+                <a:lumMod val="128000"/>
+              </a:schemeClr>
+            </a:gs>
+            <a:gs pos="100000">
+              <a:schemeClr val="accent4">
+                <a:hueOff val="0"/>
+                <a:satOff val="0"/>
+                <a:lumOff val="0"/>
+                <a:alphaOff val="0"/>
+                <a:shade val="94000"/>
+                <a:lumMod val="88000"/>
+              </a:schemeClr>
+            </a:gs>
+          </a:gsLst>
+          <a:lin ang="5400000" scaled="0"/>
+        </a:gradFill>
+        <a:ln>
+          <a:noFill/>
+        </a:ln>
+        <a:effectLst>
+          <a:innerShdw blurRad="25400" dist="12700" dir="13500000">
+            <a:srgbClr val="000000">
+              <a:alpha val="45000"/>
+            </a:srgbClr>
+          </a:innerShdw>
+        </a:effectLst>
+      </dsp:spPr>
+      <dsp:style>
+        <a:lnRef idx="0">
+          <a:scrgbClr r="0" g="0" b="0"/>
+        </a:lnRef>
+        <a:fillRef idx="3">
+          <a:scrgbClr r="0" g="0" b="0"/>
+        </a:fillRef>
+        <a:effectRef idx="2">
+          <a:scrgbClr r="0" g="0" b="0"/>
+        </a:effectRef>
+        <a:fontRef idx="minor">
+          <a:schemeClr val="lt1"/>
+        </a:fontRef>
+      </dsp:style>
+      <dsp:txBody>
+        <a:bodyPr spcFirstLastPara="0" vert="horz" wrap="square" lIns="49530" tIns="49530" rIns="49530" bIns="49530" numCol="1" spcCol="1270" anchor="ctr" anchorCtr="0">
+          <a:noAutofit/>
+        </a:bodyPr>
+        <a:lstStyle/>
+        <a:p>
+          <a:pPr marL="0" lvl="0" indent="0" algn="ctr" defTabSz="577850" rtl="0">
+            <a:lnSpc>
+              <a:spcPct val="90000"/>
+            </a:lnSpc>
+            <a:spcBef>
+              <a:spcPct val="0"/>
+            </a:spcBef>
+            <a:spcAft>
+              <a:spcPct val="35000"/>
+            </a:spcAft>
+            <a:buNone/>
+          </a:pPr>
+          <a:r>
+            <a:rPr lang="pl-PL" sz="1300" kern="1200">
+              <a:latin typeface="Century Gothic" panose="020B0502020202020204"/>
+            </a:rPr>
+            <a:t>Read Your Writes</a:t>
+          </a:r>
+          <a:endParaRPr lang="en-US" sz="1300" kern="1200"/>
+        </a:p>
+      </dsp:txBody>
+      <dsp:txXfrm>
+        <a:off x="3094253" y="1938922"/>
+        <a:ext cx="1277721" cy="1277721"/>
+      </dsp:txXfrm>
+    </dsp:sp>
+    <dsp:sp modelId="{5DA7284E-E5BF-4952-B6C0-762264AB6D27}">
+      <dsp:nvSpPr>
+        <dsp:cNvPr id="0" name=""/>
+        <dsp:cNvSpPr/>
+      </dsp:nvSpPr>
+      <dsp:spPr>
+        <a:xfrm>
+          <a:off x="4550017" y="1869800"/>
+          <a:ext cx="1415965" cy="1415965"/>
+        </a:xfrm>
+        <a:prstGeom prst="roundRect">
+          <a:avLst/>
+        </a:prstGeom>
+        <a:gradFill rotWithShape="0">
+          <a:gsLst>
+            <a:gs pos="0">
+              <a:schemeClr val="accent5">
+                <a:hueOff val="0"/>
+                <a:satOff val="0"/>
+                <a:lumOff val="0"/>
+                <a:alphaOff val="0"/>
+                <a:tint val="98000"/>
+                <a:hueMod val="94000"/>
+                <a:satMod val="130000"/>
+                <a:lumMod val="128000"/>
+              </a:schemeClr>
+            </a:gs>
+            <a:gs pos="100000">
+              <a:schemeClr val="accent5">
+                <a:hueOff val="0"/>
+                <a:satOff val="0"/>
+                <a:lumOff val="0"/>
+                <a:alphaOff val="0"/>
+                <a:shade val="94000"/>
+                <a:lumMod val="88000"/>
+              </a:schemeClr>
+            </a:gs>
+          </a:gsLst>
+          <a:lin ang="5400000" scaled="0"/>
+        </a:gradFill>
+        <a:ln>
+          <a:noFill/>
+        </a:ln>
+        <a:effectLst>
+          <a:innerShdw blurRad="25400" dist="12700" dir="13500000">
+            <a:srgbClr val="000000">
+              <a:alpha val="45000"/>
+            </a:srgbClr>
+          </a:innerShdw>
+        </a:effectLst>
+      </dsp:spPr>
+      <dsp:style>
+        <a:lnRef idx="0">
+          <a:scrgbClr r="0" g="0" b="0"/>
+        </a:lnRef>
+        <a:fillRef idx="3">
+          <a:scrgbClr r="0" g="0" b="0"/>
+        </a:fillRef>
+        <a:effectRef idx="2">
+          <a:scrgbClr r="0" g="0" b="0"/>
+        </a:effectRef>
+        <a:fontRef idx="minor">
+          <a:schemeClr val="lt1"/>
+        </a:fontRef>
+      </dsp:style>
+      <dsp:txBody>
+        <a:bodyPr spcFirstLastPara="0" vert="horz" wrap="square" lIns="49530" tIns="49530" rIns="49530" bIns="49530" numCol="1" spcCol="1270" anchor="ctr" anchorCtr="0">
+          <a:noAutofit/>
+        </a:bodyPr>
+        <a:lstStyle/>
+        <a:p>
+          <a:pPr marL="0" lvl="0" indent="0" algn="ctr" defTabSz="577850" rtl="0">
+            <a:lnSpc>
+              <a:spcPct val="90000"/>
+            </a:lnSpc>
+            <a:spcBef>
+              <a:spcPct val="0"/>
+            </a:spcBef>
+            <a:spcAft>
+              <a:spcPct val="35000"/>
+            </a:spcAft>
+            <a:buNone/>
+          </a:pPr>
+          <a:r>
+            <a:rPr lang="pl-PL" sz="1300" kern="1200">
+              <a:latin typeface="Century Gothic" panose="020B0502020202020204"/>
+            </a:rPr>
+            <a:t>Writes Follow Reads</a:t>
+          </a:r>
+          <a:endParaRPr lang="pl-PL" sz="1300" kern="1200"/>
+        </a:p>
+      </dsp:txBody>
+      <dsp:txXfrm>
+        <a:off x="4619139" y="1938922"/>
+        <a:ext cx="1277721" cy="1277721"/>
+      </dsp:txXfrm>
+    </dsp:sp>
+  </dsp:spTree>
+</dsp:drawing>
+</file>
+
 <file path=ppt/diagrams/layout1.xml><?xml version="1.0" encoding="utf-8"?>
 <dgm:layoutDef xmlns:dgm="http://schemas.openxmlformats.org/drawingml/2006/diagram" xmlns:a="http://schemas.openxmlformats.org/drawingml/2006/main" uniqueId="urn:microsoft.com/office/officeart/2005/8/layout/matrix3">
   <dgm:title val=""/>
@@ -6032,6 +7922,225 @@
 </dgm:layoutDef>
 </file>
 
+<file path=ppt/diagrams/layout4.xml><?xml version="1.0" encoding="utf-8"?>
+<dgm:layoutDef xmlns:dgm="http://schemas.openxmlformats.org/drawingml/2006/diagram" xmlns:a="http://schemas.openxmlformats.org/drawingml/2006/main" uniqueId="urn:microsoft.com/office/officeart/2005/8/layout/matrix3">
+  <dgm:title val=""/>
+  <dgm:desc val=""/>
+  <dgm:catLst>
+    <dgm:cat type="matrix" pri="1000"/>
+    <dgm:cat type="convert" pri="18000"/>
+  </dgm:catLst>
+  <dgm:sampData>
+    <dgm:dataModel>
+      <dgm:ptLst>
+        <dgm:pt modelId="0" type="doc"/>
+        <dgm:pt modelId="1">
+          <dgm:prSet phldr="1"/>
+        </dgm:pt>
+        <dgm:pt modelId="2">
+          <dgm:prSet phldr="1"/>
+        </dgm:pt>
+        <dgm:pt modelId="3">
+          <dgm:prSet phldr="1"/>
+        </dgm:pt>
+        <dgm:pt modelId="4">
+          <dgm:prSet phldr="1"/>
+        </dgm:pt>
+      </dgm:ptLst>
+      <dgm:cxnLst>
+        <dgm:cxn modelId="5" srcId="0" destId="1" srcOrd="0" destOrd="0"/>
+        <dgm:cxn modelId="6" srcId="0" destId="2" srcOrd="1" destOrd="0"/>
+        <dgm:cxn modelId="7" srcId="0" destId="3" srcOrd="0" destOrd="0"/>
+        <dgm:cxn modelId="8" srcId="0" destId="4" srcOrd="1" destOrd="0"/>
+      </dgm:cxnLst>
+      <dgm:bg/>
+      <dgm:whole/>
+    </dgm:dataModel>
+  </dgm:sampData>
+  <dgm:styleData useDef="1">
+    <dgm:dataModel>
+      <dgm:ptLst/>
+      <dgm:bg/>
+      <dgm:whole/>
+    </dgm:dataModel>
+  </dgm:styleData>
+  <dgm:clrData useDef="1">
+    <dgm:dataModel>
+      <dgm:ptLst/>
+      <dgm:bg/>
+      <dgm:whole/>
+    </dgm:dataModel>
+  </dgm:clrData>
+  <dgm:layoutNode name="matrix">
+    <dgm:varLst>
+      <dgm:chMax val="1"/>
+      <dgm:dir/>
+      <dgm:resizeHandles val="exact"/>
+    </dgm:varLst>
+    <dgm:alg type="composite">
+      <dgm:param type="ar" val="1"/>
+    </dgm:alg>
+    <dgm:shape xmlns:r="http://schemas.openxmlformats.org/officeDocument/2006/relationships" r:blip="">
+      <dgm:adjLst/>
+    </dgm:shape>
+    <dgm:presOf/>
+    <dgm:choose name="Name0">
+      <dgm:if name="Name1" func="var" arg="dir" op="equ" val="norm">
+        <dgm:constrLst>
+          <dgm:constr type="w" for="ch" forName="diamond" refType="w"/>
+          <dgm:constr type="h" for="ch" forName="diamond" refType="h"/>
+          <dgm:constr type="w" for="ch" forName="quad1" refType="w" fact="0.39"/>
+          <dgm:constr type="h" for="ch" forName="quad1" refType="h" fact="0.39"/>
+          <dgm:constr type="ctrX" for="ch" forName="quad1" refType="w" fact="0.29"/>
+          <dgm:constr type="ctrY" for="ch" forName="quad1" refType="h" fact="0.29"/>
+          <dgm:constr type="w" for="ch" forName="quad2" refType="w" fact="0.39"/>
+          <dgm:constr type="h" for="ch" forName="quad2" refType="h" fact="0.39"/>
+          <dgm:constr type="ctrX" for="ch" forName="quad2" refType="w" fact="0.71"/>
+          <dgm:constr type="ctrY" for="ch" forName="quad2" refType="h" fact="0.29"/>
+          <dgm:constr type="w" for="ch" forName="quad3" refType="w" fact="0.39"/>
+          <dgm:constr type="h" for="ch" forName="quad3" refType="h" fact="0.39"/>
+          <dgm:constr type="ctrX" for="ch" forName="quad3" refType="w" fact="0.29"/>
+          <dgm:constr type="ctrY" for="ch" forName="quad3" refType="h" fact="0.71"/>
+          <dgm:constr type="w" for="ch" forName="quad4" refType="w" fact="0.39"/>
+          <dgm:constr type="h" for="ch" forName="quad4" refType="h" fact="0.39"/>
+          <dgm:constr type="ctrX" for="ch" forName="quad4" refType="w" fact="0.71"/>
+          <dgm:constr type="ctrY" for="ch" forName="quad4" refType="h" fact="0.71"/>
+          <dgm:constr type="primFontSz" for="des" ptType="node" op="equ" val="65"/>
+        </dgm:constrLst>
+      </dgm:if>
+      <dgm:else name="Name2">
+        <dgm:constrLst>
+          <dgm:constr type="w" for="ch" forName="diamond" refType="w"/>
+          <dgm:constr type="h" for="ch" forName="diamond" refType="h"/>
+          <dgm:constr type="w" for="ch" forName="quad1" refType="w" fact="0.39"/>
+          <dgm:constr type="h" for="ch" forName="quad1" refType="h" fact="0.39"/>
+          <dgm:constr type="ctrX" for="ch" forName="quad1" refType="w" fact="0.71"/>
+          <dgm:constr type="ctrY" for="ch" forName="quad1" refType="h" fact="0.29"/>
+          <dgm:constr type="w" for="ch" forName="quad2" refType="w" fact="0.39"/>
+          <dgm:constr type="h" for="ch" forName="quad2" refType="h" fact="0.39"/>
+          <dgm:constr type="ctrX" for="ch" forName="quad2" refType="w" fact="0.29"/>
+          <dgm:constr type="ctrY" for="ch" forName="quad2" refType="h" fact="0.29"/>
+          <dgm:constr type="w" for="ch" forName="quad3" refType="w" fact="0.39"/>
+          <dgm:constr type="h" for="ch" forName="quad3" refType="h" fact="0.39"/>
+          <dgm:constr type="ctrX" for="ch" forName="quad3" refType="w" fact="0.71"/>
+          <dgm:constr type="ctrY" for="ch" forName="quad3" refType="h" fact="0.71"/>
+          <dgm:constr type="w" for="ch" forName="quad4" refType="w" fact="0.39"/>
+          <dgm:constr type="h" for="ch" forName="quad4" refType="h" fact="0.39"/>
+          <dgm:constr type="ctrX" for="ch" forName="quad4" refType="w" fact="0.29"/>
+          <dgm:constr type="ctrY" for="ch" forName="quad4" refType="h" fact="0.71"/>
+          <dgm:constr type="primFontSz" for="des" ptType="node" op="equ" val="65"/>
+        </dgm:constrLst>
+      </dgm:else>
+    </dgm:choose>
+    <dgm:ruleLst/>
+    <dgm:choose name="Name3">
+      <dgm:if name="Name4" axis="ch" ptType="node" func="cnt" op="gte" val="1">
+        <dgm:layoutNode name="diamond" styleLbl="bgShp">
+          <dgm:alg type="sp"/>
+          <dgm:shape xmlns:r="http://schemas.openxmlformats.org/officeDocument/2006/relationships" type="diamond" r:blip="">
+            <dgm:adjLst/>
+          </dgm:shape>
+          <dgm:presOf/>
+          <dgm:constrLst>
+            <dgm:constr type="w" refType="h" op="equ"/>
+          </dgm:constrLst>
+          <dgm:ruleLst/>
+        </dgm:layoutNode>
+        <dgm:layoutNode name="quad1">
+          <dgm:varLst>
+            <dgm:chMax val="0"/>
+            <dgm:chPref val="0"/>
+            <dgm:bulletEnabled val="1"/>
+          </dgm:varLst>
+          <dgm:alg type="tx"/>
+          <dgm:shape xmlns:r="http://schemas.openxmlformats.org/officeDocument/2006/relationships" type="roundRect" r:blip="">
+            <dgm:adjLst/>
+          </dgm:shape>
+          <dgm:presOf axis="ch desOrSelf" ptType="node node" st="1 1" cnt="1 0"/>
+          <dgm:constrLst>
+            <dgm:constr type="w" refType="h" op="equ"/>
+            <dgm:constr type="tMarg" refType="primFontSz" fact="0.3"/>
+            <dgm:constr type="bMarg" refType="primFontSz" fact="0.3"/>
+            <dgm:constr type="lMarg" refType="primFontSz" fact="0.3"/>
+            <dgm:constr type="rMarg" refType="primFontSz" fact="0.3"/>
+          </dgm:constrLst>
+          <dgm:ruleLst>
+            <dgm:rule type="primFontSz" val="5" fact="NaN" max="NaN"/>
+          </dgm:ruleLst>
+        </dgm:layoutNode>
+        <dgm:layoutNode name="quad2">
+          <dgm:varLst>
+            <dgm:chMax val="0"/>
+            <dgm:chPref val="0"/>
+            <dgm:bulletEnabled val="1"/>
+          </dgm:varLst>
+          <dgm:alg type="tx"/>
+          <dgm:shape xmlns:r="http://schemas.openxmlformats.org/officeDocument/2006/relationships" type="roundRect" r:blip="">
+            <dgm:adjLst/>
+          </dgm:shape>
+          <dgm:presOf axis="ch desOrSelf" ptType="node node" st="2 1" cnt="1 0"/>
+          <dgm:constrLst>
+            <dgm:constr type="w" refType="h" op="equ"/>
+            <dgm:constr type="tMarg" refType="primFontSz" fact="0.3"/>
+            <dgm:constr type="bMarg" refType="primFontSz" fact="0.3"/>
+            <dgm:constr type="lMarg" refType="primFontSz" fact="0.3"/>
+            <dgm:constr type="rMarg" refType="primFontSz" fact="0.3"/>
+          </dgm:constrLst>
+          <dgm:ruleLst>
+            <dgm:rule type="primFontSz" val="5" fact="NaN" max="NaN"/>
+          </dgm:ruleLst>
+        </dgm:layoutNode>
+        <dgm:layoutNode name="quad3">
+          <dgm:varLst>
+            <dgm:chMax val="0"/>
+            <dgm:chPref val="0"/>
+            <dgm:bulletEnabled val="1"/>
+          </dgm:varLst>
+          <dgm:alg type="tx"/>
+          <dgm:shape xmlns:r="http://schemas.openxmlformats.org/officeDocument/2006/relationships" type="roundRect" r:blip="">
+            <dgm:adjLst/>
+          </dgm:shape>
+          <dgm:presOf axis="ch desOrSelf" ptType="node node" st="3 1" cnt="1 0"/>
+          <dgm:constrLst>
+            <dgm:constr type="w" refType="h" op="equ"/>
+            <dgm:constr type="tMarg" refType="primFontSz" fact="0.3"/>
+            <dgm:constr type="bMarg" refType="primFontSz" fact="0.3"/>
+            <dgm:constr type="lMarg" refType="primFontSz" fact="0.3"/>
+            <dgm:constr type="rMarg" refType="primFontSz" fact="0.3"/>
+          </dgm:constrLst>
+          <dgm:ruleLst>
+            <dgm:rule type="primFontSz" val="5" fact="NaN" max="NaN"/>
+          </dgm:ruleLst>
+        </dgm:layoutNode>
+        <dgm:layoutNode name="quad4">
+          <dgm:varLst>
+            <dgm:chMax val="0"/>
+            <dgm:chPref val="0"/>
+            <dgm:bulletEnabled val="1"/>
+          </dgm:varLst>
+          <dgm:alg type="tx"/>
+          <dgm:shape xmlns:r="http://schemas.openxmlformats.org/officeDocument/2006/relationships" type="roundRect" r:blip="">
+            <dgm:adjLst/>
+          </dgm:shape>
+          <dgm:presOf axis="ch desOrSelf" ptType="node node" st="4 1" cnt="1 0"/>
+          <dgm:constrLst>
+            <dgm:constr type="w" refType="h" op="equ"/>
+            <dgm:constr type="tMarg" refType="primFontSz" fact="0.3"/>
+            <dgm:constr type="bMarg" refType="primFontSz" fact="0.3"/>
+            <dgm:constr type="lMarg" refType="primFontSz" fact="0.3"/>
+            <dgm:constr type="rMarg" refType="primFontSz" fact="0.3"/>
+          </dgm:constrLst>
+          <dgm:ruleLst>
+            <dgm:rule type="primFontSz" val="5" fact="NaN" max="NaN"/>
+          </dgm:ruleLst>
+        </dgm:layoutNode>
+      </dgm:if>
+      <dgm:else name="Name5"/>
+    </dgm:choose>
+  </dgm:layoutNode>
+</dgm:layoutDef>
+</file>
+
 <file path=ppt/diagrams/quickStyle1.xml><?xml version="1.0" encoding="utf-8"?>
 <dgm:styleDef xmlns:dgm="http://schemas.openxmlformats.org/drawingml/2006/diagram" xmlns:a="http://schemas.openxmlformats.org/drawingml/2006/main" uniqueId="urn:microsoft.com/office/officeart/2005/8/quickstyle/simple4">
   <dgm:title val=""/>
@@ -9106,6 +11215,1040 @@
         <a:scrgbClr r="0" g="0" b="0"/>
       </a:fillRef>
       <a:effectRef idx="0">
+        <a:scrgbClr r="0" g="0" b="0"/>
+      </a:effectRef>
+      <a:fontRef idx="minor"/>
+    </dgm:style>
+  </dgm:styleLbl>
+  <dgm:styleLbl name="revTx">
+    <dgm:scene3d>
+      <a:camera prst="orthographicFront"/>
+      <a:lightRig rig="threePt" dir="t"/>
+    </dgm:scene3d>
+    <dgm:sp3d/>
+    <dgm:txPr/>
+    <dgm:style>
+      <a:lnRef idx="0">
+        <a:scrgbClr r="0" g="0" b="0"/>
+      </a:lnRef>
+      <a:fillRef idx="0">
+        <a:scrgbClr r="0" g="0" b="0"/>
+      </a:fillRef>
+      <a:effectRef idx="0">
+        <a:scrgbClr r="0" g="0" b="0"/>
+      </a:effectRef>
+      <a:fontRef idx="minor"/>
+    </dgm:style>
+  </dgm:styleLbl>
+</dgm:styleDef>
+</file>
+
+<file path=ppt/diagrams/quickStyle4.xml><?xml version="1.0" encoding="utf-8"?>
+<dgm:styleDef xmlns:dgm="http://schemas.openxmlformats.org/drawingml/2006/diagram" xmlns:a="http://schemas.openxmlformats.org/drawingml/2006/main" uniqueId="urn:microsoft.com/office/officeart/2005/8/quickstyle/simple4">
+  <dgm:title val=""/>
+  <dgm:desc val=""/>
+  <dgm:catLst>
+    <dgm:cat type="simple" pri="10400"/>
+  </dgm:catLst>
+  <dgm:scene3d>
+    <a:camera prst="orthographicFront"/>
+    <a:lightRig rig="threePt" dir="t"/>
+  </dgm:scene3d>
+  <dgm:styleLbl name="node0">
+    <dgm:scene3d>
+      <a:camera prst="orthographicFront"/>
+      <a:lightRig rig="threePt" dir="t"/>
+    </dgm:scene3d>
+    <dgm:sp3d/>
+    <dgm:txPr/>
+    <dgm:style>
+      <a:lnRef idx="0">
+        <a:scrgbClr r="0" g="0" b="0"/>
+      </a:lnRef>
+      <a:fillRef idx="3">
+        <a:scrgbClr r="0" g="0" b="0"/>
+      </a:fillRef>
+      <a:effectRef idx="2">
+        <a:scrgbClr r="0" g="0" b="0"/>
+      </a:effectRef>
+      <a:fontRef idx="minor">
+        <a:schemeClr val="lt1"/>
+      </a:fontRef>
+    </dgm:style>
+  </dgm:styleLbl>
+  <dgm:styleLbl name="lnNode1">
+    <dgm:scene3d>
+      <a:camera prst="orthographicFront"/>
+      <a:lightRig rig="threePt" dir="t"/>
+    </dgm:scene3d>
+    <dgm:sp3d/>
+    <dgm:txPr/>
+    <dgm:style>
+      <a:lnRef idx="1">
+        <a:scrgbClr r="0" g="0" b="0"/>
+      </a:lnRef>
+      <a:fillRef idx="3">
+        <a:scrgbClr r="0" g="0" b="0"/>
+      </a:fillRef>
+      <a:effectRef idx="2">
+        <a:scrgbClr r="0" g="0" b="0"/>
+      </a:effectRef>
+      <a:fontRef idx="minor">
+        <a:schemeClr val="lt1"/>
+      </a:fontRef>
+    </dgm:style>
+  </dgm:styleLbl>
+  <dgm:styleLbl name="vennNode1">
+    <dgm:scene3d>
+      <a:camera prst="orthographicFront"/>
+      <a:lightRig rig="threePt" dir="t"/>
+    </dgm:scene3d>
+    <dgm:sp3d/>
+    <dgm:txPr/>
+    <dgm:style>
+      <a:lnRef idx="0">
+        <a:scrgbClr r="0" g="0" b="0"/>
+      </a:lnRef>
+      <a:fillRef idx="3">
+        <a:scrgbClr r="0" g="0" b="0"/>
+      </a:fillRef>
+      <a:effectRef idx="0">
+        <a:scrgbClr r="0" g="0" b="0"/>
+      </a:effectRef>
+      <a:fontRef idx="minor">
+        <a:schemeClr val="tx1"/>
+      </a:fontRef>
+    </dgm:style>
+  </dgm:styleLbl>
+  <dgm:styleLbl name="alignNode1">
+    <dgm:scene3d>
+      <a:camera prst="orthographicFront"/>
+      <a:lightRig rig="threePt" dir="t"/>
+    </dgm:scene3d>
+    <dgm:sp3d/>
+    <dgm:txPr/>
+    <dgm:style>
+      <a:lnRef idx="1">
+        <a:scrgbClr r="0" g="0" b="0"/>
+      </a:lnRef>
+      <a:fillRef idx="3">
+        <a:scrgbClr r="0" g="0" b="0"/>
+      </a:fillRef>
+      <a:effectRef idx="2">
+        <a:scrgbClr r="0" g="0" b="0"/>
+      </a:effectRef>
+      <a:fontRef idx="minor">
+        <a:schemeClr val="lt1"/>
+      </a:fontRef>
+    </dgm:style>
+  </dgm:styleLbl>
+  <dgm:styleLbl name="node1">
+    <dgm:scene3d>
+      <a:camera prst="orthographicFront"/>
+      <a:lightRig rig="threePt" dir="t"/>
+    </dgm:scene3d>
+    <dgm:sp3d/>
+    <dgm:txPr/>
+    <dgm:style>
+      <a:lnRef idx="0">
+        <a:scrgbClr r="0" g="0" b="0"/>
+      </a:lnRef>
+      <a:fillRef idx="3">
+        <a:scrgbClr r="0" g="0" b="0"/>
+      </a:fillRef>
+      <a:effectRef idx="2">
+        <a:scrgbClr r="0" g="0" b="0"/>
+      </a:effectRef>
+      <a:fontRef idx="minor">
+        <a:schemeClr val="lt1"/>
+      </a:fontRef>
+    </dgm:style>
+  </dgm:styleLbl>
+  <dgm:styleLbl name="node2">
+    <dgm:scene3d>
+      <a:camera prst="orthographicFront"/>
+      <a:lightRig rig="threePt" dir="t"/>
+    </dgm:scene3d>
+    <dgm:sp3d/>
+    <dgm:txPr/>
+    <dgm:style>
+      <a:lnRef idx="0">
+        <a:scrgbClr r="0" g="0" b="0"/>
+      </a:lnRef>
+      <a:fillRef idx="3">
+        <a:scrgbClr r="0" g="0" b="0"/>
+      </a:fillRef>
+      <a:effectRef idx="2">
+        <a:scrgbClr r="0" g="0" b="0"/>
+      </a:effectRef>
+      <a:fontRef idx="minor">
+        <a:schemeClr val="lt1"/>
+      </a:fontRef>
+    </dgm:style>
+  </dgm:styleLbl>
+  <dgm:styleLbl name="node3">
+    <dgm:scene3d>
+      <a:camera prst="orthographicFront"/>
+      <a:lightRig rig="threePt" dir="t"/>
+    </dgm:scene3d>
+    <dgm:sp3d/>
+    <dgm:txPr/>
+    <dgm:style>
+      <a:lnRef idx="0">
+        <a:scrgbClr r="0" g="0" b="0"/>
+      </a:lnRef>
+      <a:fillRef idx="3">
+        <a:scrgbClr r="0" g="0" b="0"/>
+      </a:fillRef>
+      <a:effectRef idx="2">
+        <a:scrgbClr r="0" g="0" b="0"/>
+      </a:effectRef>
+      <a:fontRef idx="minor">
+        <a:schemeClr val="lt1"/>
+      </a:fontRef>
+    </dgm:style>
+  </dgm:styleLbl>
+  <dgm:styleLbl name="node4">
+    <dgm:scene3d>
+      <a:camera prst="orthographicFront"/>
+      <a:lightRig rig="threePt" dir="t"/>
+    </dgm:scene3d>
+    <dgm:sp3d/>
+    <dgm:txPr/>
+    <dgm:style>
+      <a:lnRef idx="0">
+        <a:scrgbClr r="0" g="0" b="0"/>
+      </a:lnRef>
+      <a:fillRef idx="3">
+        <a:scrgbClr r="0" g="0" b="0"/>
+      </a:fillRef>
+      <a:effectRef idx="2">
+        <a:scrgbClr r="0" g="0" b="0"/>
+      </a:effectRef>
+      <a:fontRef idx="minor">
+        <a:schemeClr val="lt1"/>
+      </a:fontRef>
+    </dgm:style>
+  </dgm:styleLbl>
+  <dgm:styleLbl name="fgImgPlace1">
+    <dgm:scene3d>
+      <a:camera prst="orthographicFront"/>
+      <a:lightRig rig="threePt" dir="t"/>
+    </dgm:scene3d>
+    <dgm:sp3d/>
+    <dgm:txPr/>
+    <dgm:style>
+      <a:lnRef idx="0">
+        <a:scrgbClr r="0" g="0" b="0"/>
+      </a:lnRef>
+      <a:fillRef idx="1">
+        <a:scrgbClr r="0" g="0" b="0"/>
+      </a:fillRef>
+      <a:effectRef idx="2">
+        <a:scrgbClr r="0" g="0" b="0"/>
+      </a:effectRef>
+      <a:fontRef idx="minor"/>
+    </dgm:style>
+  </dgm:styleLbl>
+  <dgm:styleLbl name="alignImgPlace1">
+    <dgm:scene3d>
+      <a:camera prst="orthographicFront"/>
+      <a:lightRig rig="threePt" dir="t"/>
+    </dgm:scene3d>
+    <dgm:sp3d/>
+    <dgm:txPr/>
+    <dgm:style>
+      <a:lnRef idx="0">
+        <a:scrgbClr r="0" g="0" b="0"/>
+      </a:lnRef>
+      <a:fillRef idx="1">
+        <a:scrgbClr r="0" g="0" b="0"/>
+      </a:fillRef>
+      <a:effectRef idx="2">
+        <a:scrgbClr r="0" g="0" b="0"/>
+      </a:effectRef>
+      <a:fontRef idx="minor"/>
+    </dgm:style>
+  </dgm:styleLbl>
+  <dgm:styleLbl name="bgImgPlace1">
+    <dgm:scene3d>
+      <a:camera prst="orthographicFront"/>
+      <a:lightRig rig="threePt" dir="t"/>
+    </dgm:scene3d>
+    <dgm:sp3d/>
+    <dgm:txPr/>
+    <dgm:style>
+      <a:lnRef idx="0">
+        <a:scrgbClr r="0" g="0" b="0"/>
+      </a:lnRef>
+      <a:fillRef idx="1">
+        <a:scrgbClr r="0" g="0" b="0"/>
+      </a:fillRef>
+      <a:effectRef idx="2">
+        <a:scrgbClr r="0" g="0" b="0"/>
+      </a:effectRef>
+      <a:fontRef idx="minor"/>
+    </dgm:style>
+  </dgm:styleLbl>
+  <dgm:styleLbl name="sibTrans2D1">
+    <dgm:scene3d>
+      <a:camera prst="orthographicFront"/>
+      <a:lightRig rig="threePt" dir="t"/>
+    </dgm:scene3d>
+    <dgm:sp3d/>
+    <dgm:txPr/>
+    <dgm:style>
+      <a:lnRef idx="0">
+        <a:scrgbClr r="0" g="0" b="0"/>
+      </a:lnRef>
+      <a:fillRef idx="3">
+        <a:scrgbClr r="0" g="0" b="0"/>
+      </a:fillRef>
+      <a:effectRef idx="2">
+        <a:scrgbClr r="0" g="0" b="0"/>
+      </a:effectRef>
+      <a:fontRef idx="minor">
+        <a:schemeClr val="lt1"/>
+      </a:fontRef>
+    </dgm:style>
+  </dgm:styleLbl>
+  <dgm:styleLbl name="fgSibTrans2D1">
+    <dgm:scene3d>
+      <a:camera prst="orthographicFront"/>
+      <a:lightRig rig="threePt" dir="t"/>
+    </dgm:scene3d>
+    <dgm:sp3d/>
+    <dgm:txPr/>
+    <dgm:style>
+      <a:lnRef idx="0">
+        <a:scrgbClr r="0" g="0" b="0"/>
+      </a:lnRef>
+      <a:fillRef idx="3">
+        <a:scrgbClr r="0" g="0" b="0"/>
+      </a:fillRef>
+      <a:effectRef idx="2">
+        <a:scrgbClr r="0" g="0" b="0"/>
+      </a:effectRef>
+      <a:fontRef idx="minor">
+        <a:schemeClr val="lt1"/>
+      </a:fontRef>
+    </dgm:style>
+  </dgm:styleLbl>
+  <dgm:styleLbl name="bgSibTrans2D1">
+    <dgm:scene3d>
+      <a:camera prst="orthographicFront"/>
+      <a:lightRig rig="threePt" dir="t"/>
+    </dgm:scene3d>
+    <dgm:sp3d/>
+    <dgm:txPr/>
+    <dgm:style>
+      <a:lnRef idx="0">
+        <a:scrgbClr r="0" g="0" b="0"/>
+      </a:lnRef>
+      <a:fillRef idx="3">
+        <a:scrgbClr r="0" g="0" b="0"/>
+      </a:fillRef>
+      <a:effectRef idx="2">
+        <a:scrgbClr r="0" g="0" b="0"/>
+      </a:effectRef>
+      <a:fontRef idx="minor">
+        <a:schemeClr val="lt1"/>
+      </a:fontRef>
+    </dgm:style>
+  </dgm:styleLbl>
+  <dgm:styleLbl name="sibTrans1D1">
+    <dgm:scene3d>
+      <a:camera prst="orthographicFront"/>
+      <a:lightRig rig="threePt" dir="t"/>
+    </dgm:scene3d>
+    <dgm:sp3d/>
+    <dgm:txPr/>
+    <dgm:style>
+      <a:lnRef idx="1">
+        <a:scrgbClr r="0" g="0" b="0"/>
+      </a:lnRef>
+      <a:fillRef idx="0">
+        <a:scrgbClr r="0" g="0" b="0"/>
+      </a:fillRef>
+      <a:effectRef idx="0">
+        <a:scrgbClr r="0" g="0" b="0"/>
+      </a:effectRef>
+      <a:fontRef idx="minor"/>
+    </dgm:style>
+  </dgm:styleLbl>
+  <dgm:styleLbl name="callout">
+    <dgm:scene3d>
+      <a:camera prst="orthographicFront"/>
+      <a:lightRig rig="threePt" dir="t"/>
+    </dgm:scene3d>
+    <dgm:sp3d/>
+    <dgm:txPr/>
+    <dgm:style>
+      <a:lnRef idx="2">
+        <a:scrgbClr r="0" g="0" b="0"/>
+      </a:lnRef>
+      <a:fillRef idx="1">
+        <a:scrgbClr r="0" g="0" b="0"/>
+      </a:fillRef>
+      <a:effectRef idx="1">
+        <a:scrgbClr r="0" g="0" b="0"/>
+      </a:effectRef>
+      <a:fontRef idx="minor"/>
+    </dgm:style>
+  </dgm:styleLbl>
+  <dgm:styleLbl name="asst0">
+    <dgm:scene3d>
+      <a:camera prst="orthographicFront"/>
+      <a:lightRig rig="threePt" dir="t"/>
+    </dgm:scene3d>
+    <dgm:sp3d/>
+    <dgm:txPr/>
+    <dgm:style>
+      <a:lnRef idx="0">
+        <a:scrgbClr r="0" g="0" b="0"/>
+      </a:lnRef>
+      <a:fillRef idx="3">
+        <a:scrgbClr r="0" g="0" b="0"/>
+      </a:fillRef>
+      <a:effectRef idx="2">
+        <a:scrgbClr r="0" g="0" b="0"/>
+      </a:effectRef>
+      <a:fontRef idx="minor">
+        <a:schemeClr val="lt1"/>
+      </a:fontRef>
+    </dgm:style>
+  </dgm:styleLbl>
+  <dgm:styleLbl name="asst1">
+    <dgm:scene3d>
+      <a:camera prst="orthographicFront"/>
+      <a:lightRig rig="threePt" dir="t"/>
+    </dgm:scene3d>
+    <dgm:sp3d/>
+    <dgm:txPr/>
+    <dgm:style>
+      <a:lnRef idx="0">
+        <a:scrgbClr r="0" g="0" b="0"/>
+      </a:lnRef>
+      <a:fillRef idx="3">
+        <a:scrgbClr r="0" g="0" b="0"/>
+      </a:fillRef>
+      <a:effectRef idx="2">
+        <a:scrgbClr r="0" g="0" b="0"/>
+      </a:effectRef>
+      <a:fontRef idx="minor">
+        <a:schemeClr val="lt1"/>
+      </a:fontRef>
+    </dgm:style>
+  </dgm:styleLbl>
+  <dgm:styleLbl name="asst2">
+    <dgm:scene3d>
+      <a:camera prst="orthographicFront"/>
+      <a:lightRig rig="threePt" dir="t"/>
+    </dgm:scene3d>
+    <dgm:sp3d/>
+    <dgm:txPr/>
+    <dgm:style>
+      <a:lnRef idx="0">
+        <a:scrgbClr r="0" g="0" b="0"/>
+      </a:lnRef>
+      <a:fillRef idx="3">
+        <a:scrgbClr r="0" g="0" b="0"/>
+      </a:fillRef>
+      <a:effectRef idx="2">
+        <a:scrgbClr r="0" g="0" b="0"/>
+      </a:effectRef>
+      <a:fontRef idx="minor">
+        <a:schemeClr val="lt1"/>
+      </a:fontRef>
+    </dgm:style>
+  </dgm:styleLbl>
+  <dgm:styleLbl name="asst3">
+    <dgm:scene3d>
+      <a:camera prst="orthographicFront"/>
+      <a:lightRig rig="threePt" dir="t"/>
+    </dgm:scene3d>
+    <dgm:sp3d/>
+    <dgm:txPr/>
+    <dgm:style>
+      <a:lnRef idx="0">
+        <a:scrgbClr r="0" g="0" b="0"/>
+      </a:lnRef>
+      <a:fillRef idx="3">
+        <a:scrgbClr r="0" g="0" b="0"/>
+      </a:fillRef>
+      <a:effectRef idx="2">
+        <a:scrgbClr r="0" g="0" b="0"/>
+      </a:effectRef>
+      <a:fontRef idx="minor">
+        <a:schemeClr val="lt1"/>
+      </a:fontRef>
+    </dgm:style>
+  </dgm:styleLbl>
+  <dgm:styleLbl name="asst4">
+    <dgm:scene3d>
+      <a:camera prst="orthographicFront"/>
+      <a:lightRig rig="threePt" dir="t"/>
+    </dgm:scene3d>
+    <dgm:sp3d/>
+    <dgm:txPr/>
+    <dgm:style>
+      <a:lnRef idx="0">
+        <a:scrgbClr r="0" g="0" b="0"/>
+      </a:lnRef>
+      <a:fillRef idx="3">
+        <a:scrgbClr r="0" g="0" b="0"/>
+      </a:fillRef>
+      <a:effectRef idx="2">
+        <a:scrgbClr r="0" g="0" b="0"/>
+      </a:effectRef>
+      <a:fontRef idx="minor">
+        <a:schemeClr val="lt1"/>
+      </a:fontRef>
+    </dgm:style>
+  </dgm:styleLbl>
+  <dgm:styleLbl name="parChTrans2D1">
+    <dgm:scene3d>
+      <a:camera prst="orthographicFront"/>
+      <a:lightRig rig="threePt" dir="t"/>
+    </dgm:scene3d>
+    <dgm:sp3d/>
+    <dgm:txPr/>
+    <dgm:style>
+      <a:lnRef idx="0">
+        <a:scrgbClr r="0" g="0" b="0"/>
+      </a:lnRef>
+      <a:fillRef idx="3">
+        <a:scrgbClr r="0" g="0" b="0"/>
+      </a:fillRef>
+      <a:effectRef idx="2">
+        <a:scrgbClr r="0" g="0" b="0"/>
+      </a:effectRef>
+      <a:fontRef idx="minor">
+        <a:schemeClr val="lt1"/>
+      </a:fontRef>
+    </dgm:style>
+  </dgm:styleLbl>
+  <dgm:styleLbl name="parChTrans2D2">
+    <dgm:scene3d>
+      <a:camera prst="orthographicFront"/>
+      <a:lightRig rig="threePt" dir="t"/>
+    </dgm:scene3d>
+    <dgm:sp3d/>
+    <dgm:txPr/>
+    <dgm:style>
+      <a:lnRef idx="0">
+        <a:scrgbClr r="0" g="0" b="0"/>
+      </a:lnRef>
+      <a:fillRef idx="3">
+        <a:scrgbClr r="0" g="0" b="0"/>
+      </a:fillRef>
+      <a:effectRef idx="2">
+        <a:scrgbClr r="0" g="0" b="0"/>
+      </a:effectRef>
+      <a:fontRef idx="minor">
+        <a:schemeClr val="lt1"/>
+      </a:fontRef>
+    </dgm:style>
+  </dgm:styleLbl>
+  <dgm:styleLbl name="parChTrans2D3">
+    <dgm:scene3d>
+      <a:camera prst="orthographicFront"/>
+      <a:lightRig rig="threePt" dir="t"/>
+    </dgm:scene3d>
+    <dgm:sp3d/>
+    <dgm:txPr/>
+    <dgm:style>
+      <a:lnRef idx="1">
+        <a:scrgbClr r="0" g="0" b="0"/>
+      </a:lnRef>
+      <a:fillRef idx="3">
+        <a:scrgbClr r="0" g="0" b="0"/>
+      </a:fillRef>
+      <a:effectRef idx="2">
+        <a:scrgbClr r="0" g="0" b="0"/>
+      </a:effectRef>
+      <a:fontRef idx="minor">
+        <a:schemeClr val="lt1"/>
+      </a:fontRef>
+    </dgm:style>
+  </dgm:styleLbl>
+  <dgm:styleLbl name="parChTrans2D4">
+    <dgm:scene3d>
+      <a:camera prst="orthographicFront"/>
+      <a:lightRig rig="threePt" dir="t"/>
+    </dgm:scene3d>
+    <dgm:sp3d/>
+    <dgm:txPr/>
+    <dgm:style>
+      <a:lnRef idx="1">
+        <a:scrgbClr r="0" g="0" b="0"/>
+      </a:lnRef>
+      <a:fillRef idx="3">
+        <a:scrgbClr r="0" g="0" b="0"/>
+      </a:fillRef>
+      <a:effectRef idx="2">
+        <a:scrgbClr r="0" g="0" b="0"/>
+      </a:effectRef>
+      <a:fontRef idx="minor">
+        <a:schemeClr val="lt1"/>
+      </a:fontRef>
+    </dgm:style>
+  </dgm:styleLbl>
+  <dgm:styleLbl name="parChTrans1D1">
+    <dgm:scene3d>
+      <a:camera prst="orthographicFront"/>
+      <a:lightRig rig="threePt" dir="t"/>
+    </dgm:scene3d>
+    <dgm:sp3d/>
+    <dgm:txPr/>
+    <dgm:style>
+      <a:lnRef idx="1">
+        <a:scrgbClr r="0" g="0" b="0"/>
+      </a:lnRef>
+      <a:fillRef idx="0">
+        <a:scrgbClr r="0" g="0" b="0"/>
+      </a:fillRef>
+      <a:effectRef idx="0">
+        <a:scrgbClr r="0" g="0" b="0"/>
+      </a:effectRef>
+      <a:fontRef idx="minor"/>
+    </dgm:style>
+  </dgm:styleLbl>
+  <dgm:styleLbl name="parChTrans1D2">
+    <dgm:scene3d>
+      <a:camera prst="orthographicFront"/>
+      <a:lightRig rig="threePt" dir="t"/>
+    </dgm:scene3d>
+    <dgm:sp3d/>
+    <dgm:txPr/>
+    <dgm:style>
+      <a:lnRef idx="1">
+        <a:scrgbClr r="0" g="0" b="0"/>
+      </a:lnRef>
+      <a:fillRef idx="0">
+        <a:scrgbClr r="0" g="0" b="0"/>
+      </a:fillRef>
+      <a:effectRef idx="0">
+        <a:scrgbClr r="0" g="0" b="0"/>
+      </a:effectRef>
+      <a:fontRef idx="minor"/>
+    </dgm:style>
+  </dgm:styleLbl>
+  <dgm:styleLbl name="parChTrans1D3">
+    <dgm:scene3d>
+      <a:camera prst="orthographicFront"/>
+      <a:lightRig rig="threePt" dir="t"/>
+    </dgm:scene3d>
+    <dgm:sp3d/>
+    <dgm:txPr/>
+    <dgm:style>
+      <a:lnRef idx="1">
+        <a:scrgbClr r="0" g="0" b="0"/>
+      </a:lnRef>
+      <a:fillRef idx="0">
+        <a:scrgbClr r="0" g="0" b="0"/>
+      </a:fillRef>
+      <a:effectRef idx="0">
+        <a:scrgbClr r="0" g="0" b="0"/>
+      </a:effectRef>
+      <a:fontRef idx="minor"/>
+    </dgm:style>
+  </dgm:styleLbl>
+  <dgm:styleLbl name="parChTrans1D4">
+    <dgm:scene3d>
+      <a:camera prst="orthographicFront"/>
+      <a:lightRig rig="threePt" dir="t"/>
+    </dgm:scene3d>
+    <dgm:sp3d/>
+    <dgm:txPr/>
+    <dgm:style>
+      <a:lnRef idx="1">
+        <a:scrgbClr r="0" g="0" b="0"/>
+      </a:lnRef>
+      <a:fillRef idx="0">
+        <a:scrgbClr r="0" g="0" b="0"/>
+      </a:fillRef>
+      <a:effectRef idx="0">
+        <a:scrgbClr r="0" g="0" b="0"/>
+      </a:effectRef>
+      <a:fontRef idx="minor"/>
+    </dgm:style>
+  </dgm:styleLbl>
+  <dgm:styleLbl name="fgAcc1">
+    <dgm:scene3d>
+      <a:camera prst="orthographicFront"/>
+      <a:lightRig rig="threePt" dir="t"/>
+    </dgm:scene3d>
+    <dgm:sp3d/>
+    <dgm:txPr/>
+    <dgm:style>
+      <a:lnRef idx="1">
+        <a:scrgbClr r="0" g="0" b="0"/>
+      </a:lnRef>
+      <a:fillRef idx="1">
+        <a:scrgbClr r="0" g="0" b="0"/>
+      </a:fillRef>
+      <a:effectRef idx="0">
+        <a:scrgbClr r="0" g="0" b="0"/>
+      </a:effectRef>
+      <a:fontRef idx="minor"/>
+    </dgm:style>
+  </dgm:styleLbl>
+  <dgm:styleLbl name="conFgAcc1">
+    <dgm:scene3d>
+      <a:camera prst="orthographicFront"/>
+      <a:lightRig rig="threePt" dir="t"/>
+    </dgm:scene3d>
+    <dgm:sp3d/>
+    <dgm:txPr/>
+    <dgm:style>
+      <a:lnRef idx="1">
+        <a:scrgbClr r="0" g="0" b="0"/>
+      </a:lnRef>
+      <a:fillRef idx="1">
+        <a:scrgbClr r="0" g="0" b="0"/>
+      </a:fillRef>
+      <a:effectRef idx="0">
+        <a:scrgbClr r="0" g="0" b="0"/>
+      </a:effectRef>
+      <a:fontRef idx="minor"/>
+    </dgm:style>
+  </dgm:styleLbl>
+  <dgm:styleLbl name="alignAcc1">
+    <dgm:scene3d>
+      <a:camera prst="orthographicFront"/>
+      <a:lightRig rig="threePt" dir="t"/>
+    </dgm:scene3d>
+    <dgm:sp3d/>
+    <dgm:txPr/>
+    <dgm:style>
+      <a:lnRef idx="1">
+        <a:scrgbClr r="0" g="0" b="0"/>
+      </a:lnRef>
+      <a:fillRef idx="1">
+        <a:scrgbClr r="0" g="0" b="0"/>
+      </a:fillRef>
+      <a:effectRef idx="0">
+        <a:scrgbClr r="0" g="0" b="0"/>
+      </a:effectRef>
+      <a:fontRef idx="minor"/>
+    </dgm:style>
+  </dgm:styleLbl>
+  <dgm:styleLbl name="trAlignAcc1">
+    <dgm:scene3d>
+      <a:camera prst="orthographicFront"/>
+      <a:lightRig rig="threePt" dir="t"/>
+    </dgm:scene3d>
+    <dgm:sp3d/>
+    <dgm:txPr/>
+    <dgm:style>
+      <a:lnRef idx="1">
+        <a:scrgbClr r="0" g="0" b="0"/>
+      </a:lnRef>
+      <a:fillRef idx="1">
+        <a:scrgbClr r="0" g="0" b="0"/>
+      </a:fillRef>
+      <a:effectRef idx="0">
+        <a:scrgbClr r="0" g="0" b="0"/>
+      </a:effectRef>
+      <a:fontRef idx="minor"/>
+    </dgm:style>
+  </dgm:styleLbl>
+  <dgm:styleLbl name="bgAcc1">
+    <dgm:scene3d>
+      <a:camera prst="orthographicFront"/>
+      <a:lightRig rig="threePt" dir="t"/>
+    </dgm:scene3d>
+    <dgm:sp3d/>
+    <dgm:txPr/>
+    <dgm:style>
+      <a:lnRef idx="1">
+        <a:scrgbClr r="0" g="0" b="0"/>
+      </a:lnRef>
+      <a:fillRef idx="1">
+        <a:scrgbClr r="0" g="0" b="0"/>
+      </a:fillRef>
+      <a:effectRef idx="0">
+        <a:scrgbClr r="0" g="0" b="0"/>
+      </a:effectRef>
+      <a:fontRef idx="minor"/>
+    </dgm:style>
+  </dgm:styleLbl>
+  <dgm:styleLbl name="solidFgAcc1">
+    <dgm:scene3d>
+      <a:camera prst="orthographicFront"/>
+      <a:lightRig rig="threePt" dir="t"/>
+    </dgm:scene3d>
+    <dgm:sp3d/>
+    <dgm:txPr/>
+    <dgm:style>
+      <a:lnRef idx="1">
+        <a:scrgbClr r="0" g="0" b="0"/>
+      </a:lnRef>
+      <a:fillRef idx="1">
+        <a:scrgbClr r="0" g="0" b="0"/>
+      </a:fillRef>
+      <a:effectRef idx="0">
+        <a:scrgbClr r="0" g="0" b="0"/>
+      </a:effectRef>
+      <a:fontRef idx="minor"/>
+    </dgm:style>
+  </dgm:styleLbl>
+  <dgm:styleLbl name="solidAlignAcc1">
+    <dgm:scene3d>
+      <a:camera prst="orthographicFront"/>
+      <a:lightRig rig="threePt" dir="t"/>
+    </dgm:scene3d>
+    <dgm:sp3d/>
+    <dgm:txPr/>
+    <dgm:style>
+      <a:lnRef idx="1">
+        <a:scrgbClr r="0" g="0" b="0"/>
+      </a:lnRef>
+      <a:fillRef idx="1">
+        <a:scrgbClr r="0" g="0" b="0"/>
+      </a:fillRef>
+      <a:effectRef idx="0">
+        <a:scrgbClr r="0" g="0" b="0"/>
+      </a:effectRef>
+      <a:fontRef idx="minor"/>
+    </dgm:style>
+  </dgm:styleLbl>
+  <dgm:styleLbl name="solidBgAcc1">
+    <dgm:scene3d>
+      <a:camera prst="orthographicFront"/>
+      <a:lightRig rig="threePt" dir="t"/>
+    </dgm:scene3d>
+    <dgm:sp3d/>
+    <dgm:txPr/>
+    <dgm:style>
+      <a:lnRef idx="1">
+        <a:scrgbClr r="0" g="0" b="0"/>
+      </a:lnRef>
+      <a:fillRef idx="1">
+        <a:scrgbClr r="0" g="0" b="0"/>
+      </a:fillRef>
+      <a:effectRef idx="0">
+        <a:scrgbClr r="0" g="0" b="0"/>
+      </a:effectRef>
+      <a:fontRef idx="minor"/>
+    </dgm:style>
+  </dgm:styleLbl>
+  <dgm:styleLbl name="fgAccFollowNode1">
+    <dgm:scene3d>
+      <a:camera prst="orthographicFront"/>
+      <a:lightRig rig="threePt" dir="t"/>
+    </dgm:scene3d>
+    <dgm:sp3d/>
+    <dgm:txPr/>
+    <dgm:style>
+      <a:lnRef idx="1">
+        <a:scrgbClr r="0" g="0" b="0"/>
+      </a:lnRef>
+      <a:fillRef idx="1">
+        <a:scrgbClr r="0" g="0" b="0"/>
+      </a:fillRef>
+      <a:effectRef idx="0">
+        <a:scrgbClr r="0" g="0" b="0"/>
+      </a:effectRef>
+      <a:fontRef idx="minor"/>
+    </dgm:style>
+  </dgm:styleLbl>
+  <dgm:styleLbl name="alignAccFollowNode1">
+    <dgm:scene3d>
+      <a:camera prst="orthographicFront"/>
+      <a:lightRig rig="threePt" dir="t"/>
+    </dgm:scene3d>
+    <dgm:sp3d/>
+    <dgm:txPr/>
+    <dgm:style>
+      <a:lnRef idx="1">
+        <a:scrgbClr r="0" g="0" b="0"/>
+      </a:lnRef>
+      <a:fillRef idx="1">
+        <a:scrgbClr r="0" g="0" b="0"/>
+      </a:fillRef>
+      <a:effectRef idx="0">
+        <a:scrgbClr r="0" g="0" b="0"/>
+      </a:effectRef>
+      <a:fontRef idx="minor"/>
+    </dgm:style>
+  </dgm:styleLbl>
+  <dgm:styleLbl name="bgAccFollowNode1">
+    <dgm:scene3d>
+      <a:camera prst="orthographicFront"/>
+      <a:lightRig rig="threePt" dir="t"/>
+    </dgm:scene3d>
+    <dgm:sp3d/>
+    <dgm:txPr/>
+    <dgm:style>
+      <a:lnRef idx="1">
+        <a:scrgbClr r="0" g="0" b="0"/>
+      </a:lnRef>
+      <a:fillRef idx="1">
+        <a:scrgbClr r="0" g="0" b="0"/>
+      </a:fillRef>
+      <a:effectRef idx="0">
+        <a:scrgbClr r="0" g="0" b="0"/>
+      </a:effectRef>
+      <a:fontRef idx="minor"/>
+    </dgm:style>
+  </dgm:styleLbl>
+  <dgm:styleLbl name="fgAcc0">
+    <dgm:scene3d>
+      <a:camera prst="orthographicFront"/>
+      <a:lightRig rig="threePt" dir="t"/>
+    </dgm:scene3d>
+    <dgm:sp3d/>
+    <dgm:txPr/>
+    <dgm:style>
+      <a:lnRef idx="1">
+        <a:scrgbClr r="0" g="0" b="0"/>
+      </a:lnRef>
+      <a:fillRef idx="1">
+        <a:scrgbClr r="0" g="0" b="0"/>
+      </a:fillRef>
+      <a:effectRef idx="0">
+        <a:scrgbClr r="0" g="0" b="0"/>
+      </a:effectRef>
+      <a:fontRef idx="minor"/>
+    </dgm:style>
+  </dgm:styleLbl>
+  <dgm:styleLbl name="fgAcc2">
+    <dgm:scene3d>
+      <a:camera prst="orthographicFront"/>
+      <a:lightRig rig="threePt" dir="t"/>
+    </dgm:scene3d>
+    <dgm:sp3d/>
+    <dgm:txPr/>
+    <dgm:style>
+      <a:lnRef idx="1">
+        <a:scrgbClr r="0" g="0" b="0"/>
+      </a:lnRef>
+      <a:fillRef idx="1">
+        <a:scrgbClr r="0" g="0" b="0"/>
+      </a:fillRef>
+      <a:effectRef idx="0">
+        <a:scrgbClr r="0" g="0" b="0"/>
+      </a:effectRef>
+      <a:fontRef idx="minor"/>
+    </dgm:style>
+  </dgm:styleLbl>
+  <dgm:styleLbl name="fgAcc3">
+    <dgm:scene3d>
+      <a:camera prst="orthographicFront"/>
+      <a:lightRig rig="threePt" dir="t"/>
+    </dgm:scene3d>
+    <dgm:sp3d/>
+    <dgm:txPr/>
+    <dgm:style>
+      <a:lnRef idx="1">
+        <a:scrgbClr r="0" g="0" b="0"/>
+      </a:lnRef>
+      <a:fillRef idx="1">
+        <a:scrgbClr r="0" g="0" b="0"/>
+      </a:fillRef>
+      <a:effectRef idx="0">
+        <a:scrgbClr r="0" g="0" b="0"/>
+      </a:effectRef>
+      <a:fontRef idx="minor"/>
+    </dgm:style>
+  </dgm:styleLbl>
+  <dgm:styleLbl name="fgAcc4">
+    <dgm:scene3d>
+      <a:camera prst="orthographicFront"/>
+      <a:lightRig rig="threePt" dir="t"/>
+    </dgm:scene3d>
+    <dgm:sp3d/>
+    <dgm:txPr/>
+    <dgm:style>
+      <a:lnRef idx="1">
+        <a:scrgbClr r="0" g="0" b="0"/>
+      </a:lnRef>
+      <a:fillRef idx="1">
+        <a:scrgbClr r="0" g="0" b="0"/>
+      </a:fillRef>
+      <a:effectRef idx="0">
+        <a:scrgbClr r="0" g="0" b="0"/>
+      </a:effectRef>
+      <a:fontRef idx="minor"/>
+    </dgm:style>
+  </dgm:styleLbl>
+  <dgm:styleLbl name="bgShp">
+    <dgm:scene3d>
+      <a:camera prst="orthographicFront"/>
+      <a:lightRig rig="threePt" dir="t"/>
+    </dgm:scene3d>
+    <dgm:sp3d/>
+    <dgm:txPr/>
+    <dgm:style>
+      <a:lnRef idx="0">
+        <a:scrgbClr r="0" g="0" b="0"/>
+      </a:lnRef>
+      <a:fillRef idx="1">
+        <a:scrgbClr r="0" g="0" b="0"/>
+      </a:fillRef>
+      <a:effectRef idx="2">
+        <a:scrgbClr r="0" g="0" b="0"/>
+      </a:effectRef>
+      <a:fontRef idx="minor"/>
+    </dgm:style>
+  </dgm:styleLbl>
+  <dgm:styleLbl name="dkBgShp">
+    <dgm:scene3d>
+      <a:camera prst="orthographicFront"/>
+      <a:lightRig rig="threePt" dir="t"/>
+    </dgm:scene3d>
+    <dgm:sp3d/>
+    <dgm:txPr/>
+    <dgm:style>
+      <a:lnRef idx="0">
+        <a:scrgbClr r="0" g="0" b="0"/>
+      </a:lnRef>
+      <a:fillRef idx="1">
+        <a:scrgbClr r="0" g="0" b="0"/>
+      </a:fillRef>
+      <a:effectRef idx="2">
+        <a:scrgbClr r="0" g="0" b="0"/>
+      </a:effectRef>
+      <a:fontRef idx="minor"/>
+    </dgm:style>
+  </dgm:styleLbl>
+  <dgm:styleLbl name="trBgShp">
+    <dgm:scene3d>
+      <a:camera prst="orthographicFront"/>
+      <a:lightRig rig="threePt" dir="t"/>
+    </dgm:scene3d>
+    <dgm:sp3d/>
+    <dgm:txPr/>
+    <dgm:style>
+      <a:lnRef idx="0">
+        <a:scrgbClr r="0" g="0" b="0"/>
+      </a:lnRef>
+      <a:fillRef idx="1">
+        <a:scrgbClr r="0" g="0" b="0"/>
+      </a:fillRef>
+      <a:effectRef idx="0">
+        <a:scrgbClr r="0" g="0" b="0"/>
+      </a:effectRef>
+      <a:fontRef idx="minor"/>
+    </dgm:style>
+  </dgm:styleLbl>
+  <dgm:styleLbl name="fgShp">
+    <dgm:scene3d>
+      <a:camera prst="orthographicFront"/>
+      <a:lightRig rig="threePt" dir="t"/>
+    </dgm:scene3d>
+    <dgm:sp3d/>
+    <dgm:txPr/>
+    <dgm:style>
+      <a:lnRef idx="0">
+        <a:scrgbClr r="0" g="0" b="0"/>
+      </a:lnRef>
+      <a:fillRef idx="3">
+        <a:scrgbClr r="0" g="0" b="0"/>
+      </a:fillRef>
+      <a:effectRef idx="2">
         <a:scrgbClr r="0" g="0" b="0"/>
       </a:effectRef>
       <a:fontRef idx="minor"/>
@@ -9216,7 +12359,7 @@
           <a:p>
             <a:fld id="{36867AE4-93F8-420B-AB0B-B9821B4F7D47}" type="datetimeFigureOut">
               <a:rPr lang="pl-PL" smtClean="0"/>
-              <a:t>08.01.2022</a:t>
+              <a:t>19.01.2023</a:t>
             </a:fld>
             <a:endParaRPr lang="pl-PL"/>
           </a:p>
@@ -9558,6 +12701,524 @@
     <p:extLst>
       <p:ext uri="{BB962C8B-B14F-4D97-AF65-F5344CB8AC3E}">
         <p14:creationId xmlns:p14="http://schemas.microsoft.com/office/powerpoint/2010/main" val="1713020254"/>
+      </p:ext>
+    </p:extLst>
+  </p:cSld>
+  <p:clrMapOvr>
+    <a:masterClrMapping/>
+  </p:clrMapOvr>
+</p:notes>
+</file>
+
+<file path=ppt/notesSlides/notesSlide10.xml><?xml version="1.0" encoding="utf-8"?>
+<p:notes xmlns:a="http://schemas.openxmlformats.org/drawingml/2006/main" xmlns:r="http://schemas.openxmlformats.org/officeDocument/2006/relationships" xmlns:p="http://schemas.openxmlformats.org/presentationml/2006/main">
+  <p:cSld>
+    <p:spTree>
+      <p:nvGrpSpPr>
+        <p:cNvPr id="1" name=""/>
+        <p:cNvGrpSpPr/>
+        <p:nvPr/>
+      </p:nvGrpSpPr>
+      <p:grpSpPr>
+        <a:xfrm>
+          <a:off x="0" y="0"/>
+          <a:ext cx="0" cy="0"/>
+          <a:chOff x="0" y="0"/>
+          <a:chExt cx="0" cy="0"/>
+        </a:xfrm>
+      </p:grpSpPr>
+      <p:sp>
+        <p:nvSpPr>
+          <p:cNvPr id="2" name="Symbol zastępczy obrazu slajdu 1"/>
+          <p:cNvSpPr>
+            <a:spLocks noGrp="1" noRot="1" noChangeAspect="1"/>
+          </p:cNvSpPr>
+          <p:nvPr>
+            <p:ph type="sldImg"/>
+          </p:nvPr>
+        </p:nvSpPr>
+        <p:spPr/>
+      </p:sp>
+      <p:sp>
+        <p:nvSpPr>
+          <p:cNvPr id="3" name="Symbol zastępczy notatek 2"/>
+          <p:cNvSpPr>
+            <a:spLocks noGrp="1"/>
+          </p:cNvSpPr>
+          <p:nvPr>
+            <p:ph type="body" idx="1"/>
+          </p:nvPr>
+        </p:nvSpPr>
+        <p:spPr/>
+        <p:txBody>
+          <a:bodyPr/>
+          <a:lstStyle/>
+          <a:p>
+            <a:endParaRPr lang="pl-PL" dirty="0"/>
+          </a:p>
+        </p:txBody>
+      </p:sp>
+      <p:sp>
+        <p:nvSpPr>
+          <p:cNvPr id="4" name="Symbol zastępczy numeru slajdu 3"/>
+          <p:cNvSpPr>
+            <a:spLocks noGrp="1"/>
+          </p:cNvSpPr>
+          <p:nvPr>
+            <p:ph type="sldNum" sz="quarter" idx="5"/>
+          </p:nvPr>
+        </p:nvSpPr>
+        <p:spPr/>
+        <p:txBody>
+          <a:bodyPr/>
+          <a:lstStyle/>
+          <a:p>
+            <a:fld id="{E32E170D-C263-4731-AA1D-6282877CB664}" type="slidenum">
+              <a:rPr lang="pl-PL" smtClean="0"/>
+              <a:t>13</a:t>
+            </a:fld>
+            <a:endParaRPr lang="pl-PL"/>
+          </a:p>
+        </p:txBody>
+      </p:sp>
+    </p:spTree>
+    <p:extLst>
+      <p:ext uri="{BB962C8B-B14F-4D97-AF65-F5344CB8AC3E}">
+        <p14:creationId xmlns:p14="http://schemas.microsoft.com/office/powerpoint/2010/main" val="1143672106"/>
+      </p:ext>
+    </p:extLst>
+  </p:cSld>
+  <p:clrMapOvr>
+    <a:masterClrMapping/>
+  </p:clrMapOvr>
+</p:notes>
+</file>
+
+<file path=ppt/notesSlides/notesSlide11.xml><?xml version="1.0" encoding="utf-8"?>
+<p:notes xmlns:a="http://schemas.openxmlformats.org/drawingml/2006/main" xmlns:r="http://schemas.openxmlformats.org/officeDocument/2006/relationships" xmlns:p="http://schemas.openxmlformats.org/presentationml/2006/main">
+  <p:cSld>
+    <p:spTree>
+      <p:nvGrpSpPr>
+        <p:cNvPr id="1" name=""/>
+        <p:cNvGrpSpPr/>
+        <p:nvPr/>
+      </p:nvGrpSpPr>
+      <p:grpSpPr>
+        <a:xfrm>
+          <a:off x="0" y="0"/>
+          <a:ext cx="0" cy="0"/>
+          <a:chOff x="0" y="0"/>
+          <a:chExt cx="0" cy="0"/>
+        </a:xfrm>
+      </p:grpSpPr>
+      <p:sp>
+        <p:nvSpPr>
+          <p:cNvPr id="2" name="Symbol zastępczy obrazu slajdu 1"/>
+          <p:cNvSpPr>
+            <a:spLocks noGrp="1" noRot="1" noChangeAspect="1"/>
+          </p:cNvSpPr>
+          <p:nvPr>
+            <p:ph type="sldImg"/>
+          </p:nvPr>
+        </p:nvSpPr>
+        <p:spPr/>
+      </p:sp>
+      <p:sp>
+        <p:nvSpPr>
+          <p:cNvPr id="3" name="Symbol zastępczy notatek 2"/>
+          <p:cNvSpPr>
+            <a:spLocks noGrp="1"/>
+          </p:cNvSpPr>
+          <p:nvPr>
+            <p:ph type="body" idx="1"/>
+          </p:nvPr>
+        </p:nvSpPr>
+        <p:spPr/>
+        <p:txBody>
+          <a:bodyPr/>
+          <a:lstStyle/>
+          <a:p>
+            <a:endParaRPr lang="pl-PL" dirty="0"/>
+          </a:p>
+        </p:txBody>
+      </p:sp>
+      <p:sp>
+        <p:nvSpPr>
+          <p:cNvPr id="4" name="Symbol zastępczy numeru slajdu 3"/>
+          <p:cNvSpPr>
+            <a:spLocks noGrp="1"/>
+          </p:cNvSpPr>
+          <p:nvPr>
+            <p:ph type="sldNum" sz="quarter" idx="5"/>
+          </p:nvPr>
+        </p:nvSpPr>
+        <p:spPr/>
+        <p:txBody>
+          <a:bodyPr/>
+          <a:lstStyle/>
+          <a:p>
+            <a:fld id="{E32E170D-C263-4731-AA1D-6282877CB664}" type="slidenum">
+              <a:rPr lang="pl-PL" smtClean="0"/>
+              <a:t>11</a:t>
+            </a:fld>
+            <a:endParaRPr lang="pl-PL"/>
+          </a:p>
+        </p:txBody>
+      </p:sp>
+    </p:spTree>
+    <p:extLst>
+      <p:ext uri="{BB962C8B-B14F-4D97-AF65-F5344CB8AC3E}">
+        <p14:creationId xmlns:p14="http://schemas.microsoft.com/office/powerpoint/2010/main" val="222018534"/>
+      </p:ext>
+    </p:extLst>
+  </p:cSld>
+  <p:clrMapOvr>
+    <a:masterClrMapping/>
+  </p:clrMapOvr>
+</p:notes>
+</file>
+
+<file path=ppt/notesSlides/notesSlide12.xml><?xml version="1.0" encoding="utf-8"?>
+<p:notes xmlns:a="http://schemas.openxmlformats.org/drawingml/2006/main" xmlns:r="http://schemas.openxmlformats.org/officeDocument/2006/relationships" xmlns:p="http://schemas.openxmlformats.org/presentationml/2006/main">
+  <p:cSld>
+    <p:spTree>
+      <p:nvGrpSpPr>
+        <p:cNvPr id="1" name=""/>
+        <p:cNvGrpSpPr/>
+        <p:nvPr/>
+      </p:nvGrpSpPr>
+      <p:grpSpPr>
+        <a:xfrm>
+          <a:off x="0" y="0"/>
+          <a:ext cx="0" cy="0"/>
+          <a:chOff x="0" y="0"/>
+          <a:chExt cx="0" cy="0"/>
+        </a:xfrm>
+      </p:grpSpPr>
+      <p:sp>
+        <p:nvSpPr>
+          <p:cNvPr id="2" name="Symbol zastępczy obrazu slajdu 1"/>
+          <p:cNvSpPr>
+            <a:spLocks noGrp="1" noRot="1" noChangeAspect="1"/>
+          </p:cNvSpPr>
+          <p:nvPr>
+            <p:ph type="sldImg"/>
+          </p:nvPr>
+        </p:nvSpPr>
+        <p:spPr/>
+      </p:sp>
+      <p:sp>
+        <p:nvSpPr>
+          <p:cNvPr id="3" name="Symbol zastępczy notatek 2"/>
+          <p:cNvSpPr>
+            <a:spLocks noGrp="1"/>
+          </p:cNvSpPr>
+          <p:nvPr>
+            <p:ph type="body" idx="1"/>
+          </p:nvPr>
+        </p:nvSpPr>
+        <p:spPr/>
+        <p:txBody>
+          <a:bodyPr/>
+          <a:lstStyle/>
+          <a:p>
+            <a:endParaRPr lang="pl-PL" dirty="0"/>
+          </a:p>
+        </p:txBody>
+      </p:sp>
+      <p:sp>
+        <p:nvSpPr>
+          <p:cNvPr id="4" name="Symbol zastępczy numeru slajdu 3"/>
+          <p:cNvSpPr>
+            <a:spLocks noGrp="1"/>
+          </p:cNvSpPr>
+          <p:nvPr>
+            <p:ph type="sldNum" sz="quarter" idx="5"/>
+          </p:nvPr>
+        </p:nvSpPr>
+        <p:spPr/>
+        <p:txBody>
+          <a:bodyPr/>
+          <a:lstStyle/>
+          <a:p>
+            <a:fld id="{E32E170D-C263-4731-AA1D-6282877CB664}" type="slidenum">
+              <a:rPr lang="pl-PL" smtClean="0"/>
+              <a:t>12</a:t>
+            </a:fld>
+            <a:endParaRPr lang="pl-PL"/>
+          </a:p>
+        </p:txBody>
+      </p:sp>
+    </p:spTree>
+    <p:extLst>
+      <p:ext uri="{BB962C8B-B14F-4D97-AF65-F5344CB8AC3E}">
+        <p14:creationId xmlns:p14="http://schemas.microsoft.com/office/powerpoint/2010/main" val="3114376716"/>
+      </p:ext>
+    </p:extLst>
+  </p:cSld>
+  <p:clrMapOvr>
+    <a:masterClrMapping/>
+  </p:clrMapOvr>
+</p:notes>
+</file>
+
+<file path=ppt/notesSlides/notesSlide13.xml><?xml version="1.0" encoding="utf-8"?>
+<p:notes xmlns:a="http://schemas.openxmlformats.org/drawingml/2006/main" xmlns:r="http://schemas.openxmlformats.org/officeDocument/2006/relationships" xmlns:p="http://schemas.openxmlformats.org/presentationml/2006/main">
+  <p:cSld>
+    <p:spTree>
+      <p:nvGrpSpPr>
+        <p:cNvPr id="1" name=""/>
+        <p:cNvGrpSpPr/>
+        <p:nvPr/>
+      </p:nvGrpSpPr>
+      <p:grpSpPr>
+        <a:xfrm>
+          <a:off x="0" y="0"/>
+          <a:ext cx="0" cy="0"/>
+          <a:chOff x="0" y="0"/>
+          <a:chExt cx="0" cy="0"/>
+        </a:xfrm>
+      </p:grpSpPr>
+      <p:sp>
+        <p:nvSpPr>
+          <p:cNvPr id="2" name="Symbol zastępczy obrazu slajdu 1"/>
+          <p:cNvSpPr>
+            <a:spLocks noGrp="1" noRot="1" noChangeAspect="1"/>
+          </p:cNvSpPr>
+          <p:nvPr>
+            <p:ph type="sldImg"/>
+          </p:nvPr>
+        </p:nvSpPr>
+        <p:spPr/>
+      </p:sp>
+      <p:sp>
+        <p:nvSpPr>
+          <p:cNvPr id="3" name="Symbol zastępczy notatek 2"/>
+          <p:cNvSpPr>
+            <a:spLocks noGrp="1"/>
+          </p:cNvSpPr>
+          <p:nvPr>
+            <p:ph type="body" idx="1"/>
+          </p:nvPr>
+        </p:nvSpPr>
+        <p:spPr/>
+        <p:txBody>
+          <a:bodyPr/>
+          <a:lstStyle/>
+          <a:p>
+            <a:r>
+              <a:rPr lang="pl-PL" sz="1200" b="1" i="0" u="none" strike="noStrike" kern="1200" baseline="0" dirty="0">
+                <a:solidFill>
+                  <a:schemeClr val="tx1"/>
+                </a:solidFill>
+                <a:latin typeface="+mn-lt"/>
+                <a:ea typeface="+mn-ea"/>
+                <a:cs typeface="+mn-cs"/>
+              </a:rPr>
+              <a:t>Teoria CAP </a:t>
+            </a:r>
+            <a:r>
+              <a:rPr lang="pl-PL" sz="1200" b="0" i="0" u="none" strike="noStrike" kern="1200" baseline="0" dirty="0">
+                <a:solidFill>
+                  <a:schemeClr val="tx1"/>
+                </a:solidFill>
+                <a:latin typeface="+mn-lt"/>
+                <a:ea typeface="+mn-ea"/>
+                <a:cs typeface="+mn-cs"/>
+              </a:rPr>
+              <a:t>jest często w świecie </a:t>
+            </a:r>
+            <a:r>
+              <a:rPr lang="pl-PL" sz="1200" b="0" i="0" u="none" strike="noStrike" kern="1200" baseline="0" dirty="0" err="1">
+                <a:solidFill>
+                  <a:schemeClr val="tx1"/>
+                </a:solidFill>
+                <a:latin typeface="+mn-lt"/>
+                <a:ea typeface="+mn-ea"/>
+                <a:cs typeface="+mn-cs"/>
+              </a:rPr>
+              <a:t>NoSQL</a:t>
+            </a:r>
+            <a:r>
+              <a:rPr lang="pl-PL" sz="1200" b="0" i="0" u="none" strike="noStrike" kern="1200" baseline="0" dirty="0">
+                <a:solidFill>
+                  <a:schemeClr val="tx1"/>
+                </a:solidFill>
+                <a:latin typeface="+mn-lt"/>
+                <a:ea typeface="+mn-ea"/>
+                <a:cs typeface="+mn-cs"/>
+              </a:rPr>
+              <a:t> powodem do rozluźnienia spójności. Teoria ta została</a:t>
+            </a:r>
+          </a:p>
+          <a:p>
+            <a:r>
+              <a:rPr lang="pl-PL" sz="1200" b="0" i="0" u="none" strike="noStrike" kern="1200" baseline="0" dirty="0">
+                <a:solidFill>
+                  <a:schemeClr val="tx1"/>
+                </a:solidFill>
+                <a:latin typeface="+mn-lt"/>
+                <a:ea typeface="+mn-ea"/>
+                <a:cs typeface="+mn-cs"/>
+              </a:rPr>
+              <a:t>przedstawiona przez </a:t>
+            </a:r>
+            <a:r>
+              <a:rPr lang="pl-PL" sz="1200" b="0" i="0" u="none" strike="noStrike" kern="1200" baseline="0" dirty="0" err="1">
+                <a:solidFill>
+                  <a:schemeClr val="tx1"/>
+                </a:solidFill>
+                <a:latin typeface="+mn-lt"/>
+                <a:ea typeface="+mn-ea"/>
+                <a:cs typeface="+mn-cs"/>
+              </a:rPr>
+              <a:t>Erica</a:t>
+            </a:r>
+            <a:r>
+              <a:rPr lang="pl-PL" sz="1200" b="0" i="0" u="none" strike="noStrike" kern="1200" baseline="0" dirty="0">
+                <a:solidFill>
+                  <a:schemeClr val="tx1"/>
+                </a:solidFill>
+                <a:latin typeface="+mn-lt"/>
+                <a:ea typeface="+mn-ea"/>
+                <a:cs typeface="+mn-cs"/>
+              </a:rPr>
+              <a:t> </a:t>
+            </a:r>
+            <a:r>
+              <a:rPr lang="pl-PL" sz="1200" b="0" i="0" u="none" strike="noStrike" kern="1200" baseline="0" dirty="0" err="1">
+                <a:solidFill>
+                  <a:schemeClr val="tx1"/>
+                </a:solidFill>
+                <a:latin typeface="+mn-lt"/>
+                <a:ea typeface="+mn-ea"/>
+                <a:cs typeface="+mn-cs"/>
+              </a:rPr>
+              <a:t>Brewera</a:t>
+            </a:r>
+            <a:r>
+              <a:rPr lang="pl-PL" sz="1200" b="0" i="0" u="none" strike="noStrike" kern="1200" baseline="0" dirty="0">
+                <a:solidFill>
+                  <a:schemeClr val="tx1"/>
+                </a:solidFill>
+                <a:latin typeface="+mn-lt"/>
+                <a:ea typeface="+mn-ea"/>
+                <a:cs typeface="+mn-cs"/>
+              </a:rPr>
+              <a:t> w roku 2000 [</a:t>
+            </a:r>
+            <a:r>
+              <a:rPr lang="pl-PL" sz="1200" b="0" i="0" u="none" strike="noStrike" kern="1200" baseline="0" dirty="0" err="1">
+                <a:solidFill>
+                  <a:schemeClr val="tx1"/>
+                </a:solidFill>
+                <a:latin typeface="+mn-lt"/>
+                <a:ea typeface="+mn-ea"/>
+                <a:cs typeface="+mn-cs"/>
+              </a:rPr>
+              <a:t>Brewer</a:t>
+            </a:r>
+            <a:r>
+              <a:rPr lang="pl-PL" sz="1200" b="0" i="0" u="none" strike="noStrike" kern="1200" baseline="0" dirty="0">
+                <a:solidFill>
+                  <a:schemeClr val="tx1"/>
+                </a:solidFill>
+                <a:latin typeface="+mn-lt"/>
+                <a:ea typeface="+mn-ea"/>
+                <a:cs typeface="+mn-cs"/>
+              </a:rPr>
+              <a:t>], a kilka lat potem </a:t>
+            </a:r>
+            <a:r>
+              <a:rPr lang="pl-PL" sz="1200" b="0" i="0" u="none" strike="noStrike" kern="1200" baseline="0" dirty="0" err="1">
+                <a:solidFill>
+                  <a:schemeClr val="tx1"/>
+                </a:solidFill>
+                <a:latin typeface="+mn-lt"/>
+                <a:ea typeface="+mn-ea"/>
+                <a:cs typeface="+mn-cs"/>
+              </a:rPr>
+              <a:t>Seth</a:t>
+            </a:r>
+            <a:r>
+              <a:rPr lang="pl-PL" sz="1200" b="0" i="0" u="none" strike="noStrike" kern="1200" baseline="0" dirty="0">
+                <a:solidFill>
+                  <a:schemeClr val="tx1"/>
+                </a:solidFill>
+                <a:latin typeface="+mn-lt"/>
+                <a:ea typeface="+mn-ea"/>
+                <a:cs typeface="+mn-cs"/>
+              </a:rPr>
+              <a:t> Gilbert</a:t>
+            </a:r>
+          </a:p>
+          <a:p>
+            <a:r>
+              <a:rPr lang="pl-PL" sz="1200" b="0" i="0" u="none" strike="noStrike" kern="1200" baseline="0" dirty="0">
+                <a:solidFill>
+                  <a:schemeClr val="tx1"/>
+                </a:solidFill>
+                <a:latin typeface="+mn-lt"/>
+                <a:ea typeface="+mn-ea"/>
+                <a:cs typeface="+mn-cs"/>
+              </a:rPr>
+              <a:t>i Nancy Lynch udowodnili jej prawdziwość [Lynch i Gilbert]; teoria jest też znana jako „przypuszczenie</a:t>
+            </a:r>
+          </a:p>
+          <a:p>
+            <a:r>
+              <a:rPr lang="pl-PL" sz="1200" b="0" i="0" u="none" strike="noStrike" kern="1200" baseline="0" dirty="0" err="1">
+                <a:solidFill>
+                  <a:schemeClr val="tx1"/>
+                </a:solidFill>
+                <a:latin typeface="+mn-lt"/>
+                <a:ea typeface="+mn-ea"/>
+                <a:cs typeface="+mn-cs"/>
+              </a:rPr>
+              <a:t>Brewera</a:t>
+            </a:r>
+            <a:r>
+              <a:rPr lang="pl-PL" sz="1200" b="0" i="0" u="none" strike="noStrike" kern="1200" baseline="0" dirty="0">
+                <a:solidFill>
+                  <a:schemeClr val="tx1"/>
+                </a:solidFill>
+                <a:latin typeface="+mn-lt"/>
+                <a:ea typeface="+mn-ea"/>
+                <a:cs typeface="+mn-cs"/>
+              </a:rPr>
+              <a:t>”.</a:t>
+            </a:r>
+            <a:endParaRPr lang="pl-PL" dirty="0"/>
+          </a:p>
+        </p:txBody>
+      </p:sp>
+      <p:sp>
+        <p:nvSpPr>
+          <p:cNvPr id="4" name="Symbol zastępczy numeru slajdu 3"/>
+          <p:cNvSpPr>
+            <a:spLocks noGrp="1"/>
+          </p:cNvSpPr>
+          <p:nvPr>
+            <p:ph type="sldNum" sz="quarter" idx="5"/>
+          </p:nvPr>
+        </p:nvSpPr>
+        <p:spPr/>
+        <p:txBody>
+          <a:bodyPr/>
+          <a:lstStyle/>
+          <a:p>
+            <a:fld id="{E32E170D-C263-4731-AA1D-6282877CB664}" type="slidenum">
+              <a:rPr lang="pl-PL" smtClean="0"/>
+              <a:t>10</a:t>
+            </a:fld>
+            <a:endParaRPr lang="pl-PL"/>
+          </a:p>
+        </p:txBody>
+      </p:sp>
+    </p:spTree>
+    <p:extLst>
+      <p:ext uri="{BB962C8B-B14F-4D97-AF65-F5344CB8AC3E}">
+        <p14:creationId xmlns:p14="http://schemas.microsoft.com/office/powerpoint/2010/main" val="830893661"/>
       </p:ext>
     </p:extLst>
   </p:cSld>
@@ -10278,188 +13939,6 @@
           <a:bodyPr/>
           <a:lstStyle/>
           <a:p>
-            <a:r>
-              <a:rPr lang="pl-PL" sz="1200" b="1" i="0" u="none" strike="noStrike" kern="1200" baseline="0" dirty="0">
-                <a:solidFill>
-                  <a:schemeClr val="tx1"/>
-                </a:solidFill>
-                <a:latin typeface="+mn-lt"/>
-                <a:ea typeface="+mn-ea"/>
-                <a:cs typeface="+mn-cs"/>
-              </a:rPr>
-              <a:t>Teoria CAP </a:t>
-            </a:r>
-            <a:r>
-              <a:rPr lang="pl-PL" sz="1200" b="0" i="0" u="none" strike="noStrike" kern="1200" baseline="0" dirty="0">
-                <a:solidFill>
-                  <a:schemeClr val="tx1"/>
-                </a:solidFill>
-                <a:latin typeface="+mn-lt"/>
-                <a:ea typeface="+mn-ea"/>
-                <a:cs typeface="+mn-cs"/>
-              </a:rPr>
-              <a:t>jest często w świecie </a:t>
-            </a:r>
-            <a:r>
-              <a:rPr lang="pl-PL" sz="1200" b="0" i="0" u="none" strike="noStrike" kern="1200" baseline="0" dirty="0" err="1">
-                <a:solidFill>
-                  <a:schemeClr val="tx1"/>
-                </a:solidFill>
-                <a:latin typeface="+mn-lt"/>
-                <a:ea typeface="+mn-ea"/>
-                <a:cs typeface="+mn-cs"/>
-              </a:rPr>
-              <a:t>NoSQL</a:t>
-            </a:r>
-            <a:r>
-              <a:rPr lang="pl-PL" sz="1200" b="0" i="0" u="none" strike="noStrike" kern="1200" baseline="0" dirty="0">
-                <a:solidFill>
-                  <a:schemeClr val="tx1"/>
-                </a:solidFill>
-                <a:latin typeface="+mn-lt"/>
-                <a:ea typeface="+mn-ea"/>
-                <a:cs typeface="+mn-cs"/>
-              </a:rPr>
-              <a:t> powodem do rozluźnienia spójności. Teoria ta została</a:t>
-            </a:r>
-          </a:p>
-          <a:p>
-            <a:r>
-              <a:rPr lang="pl-PL" sz="1200" b="0" i="0" u="none" strike="noStrike" kern="1200" baseline="0" dirty="0">
-                <a:solidFill>
-                  <a:schemeClr val="tx1"/>
-                </a:solidFill>
-                <a:latin typeface="+mn-lt"/>
-                <a:ea typeface="+mn-ea"/>
-                <a:cs typeface="+mn-cs"/>
-              </a:rPr>
-              <a:t>przedstawiona przez </a:t>
-            </a:r>
-            <a:r>
-              <a:rPr lang="pl-PL" sz="1200" b="0" i="0" u="none" strike="noStrike" kern="1200" baseline="0" dirty="0" err="1">
-                <a:solidFill>
-                  <a:schemeClr val="tx1"/>
-                </a:solidFill>
-                <a:latin typeface="+mn-lt"/>
-                <a:ea typeface="+mn-ea"/>
-                <a:cs typeface="+mn-cs"/>
-              </a:rPr>
-              <a:t>Erica</a:t>
-            </a:r>
-            <a:r>
-              <a:rPr lang="pl-PL" sz="1200" b="0" i="0" u="none" strike="noStrike" kern="1200" baseline="0" dirty="0">
-                <a:solidFill>
-                  <a:schemeClr val="tx1"/>
-                </a:solidFill>
-                <a:latin typeface="+mn-lt"/>
-                <a:ea typeface="+mn-ea"/>
-                <a:cs typeface="+mn-cs"/>
-              </a:rPr>
-              <a:t> </a:t>
-            </a:r>
-            <a:r>
-              <a:rPr lang="pl-PL" sz="1200" b="0" i="0" u="none" strike="noStrike" kern="1200" baseline="0" dirty="0" err="1">
-                <a:solidFill>
-                  <a:schemeClr val="tx1"/>
-                </a:solidFill>
-                <a:latin typeface="+mn-lt"/>
-                <a:ea typeface="+mn-ea"/>
-                <a:cs typeface="+mn-cs"/>
-              </a:rPr>
-              <a:t>Brewera</a:t>
-            </a:r>
-            <a:r>
-              <a:rPr lang="pl-PL" sz="1200" b="0" i="0" u="none" strike="noStrike" kern="1200" baseline="0" dirty="0">
-                <a:solidFill>
-                  <a:schemeClr val="tx1"/>
-                </a:solidFill>
-                <a:latin typeface="+mn-lt"/>
-                <a:ea typeface="+mn-ea"/>
-                <a:cs typeface="+mn-cs"/>
-              </a:rPr>
-              <a:t> w roku 2000 [</a:t>
-            </a:r>
-            <a:r>
-              <a:rPr lang="pl-PL" sz="1200" b="0" i="0" u="none" strike="noStrike" kern="1200" baseline="0" dirty="0" err="1">
-                <a:solidFill>
-                  <a:schemeClr val="tx1"/>
-                </a:solidFill>
-                <a:latin typeface="+mn-lt"/>
-                <a:ea typeface="+mn-ea"/>
-                <a:cs typeface="+mn-cs"/>
-              </a:rPr>
-              <a:t>Brewer</a:t>
-            </a:r>
-            <a:r>
-              <a:rPr lang="pl-PL" sz="1200" b="0" i="0" u="none" strike="noStrike" kern="1200" baseline="0" dirty="0">
-                <a:solidFill>
-                  <a:schemeClr val="tx1"/>
-                </a:solidFill>
-                <a:latin typeface="+mn-lt"/>
-                <a:ea typeface="+mn-ea"/>
-                <a:cs typeface="+mn-cs"/>
-              </a:rPr>
-              <a:t>], a kilka lat potem </a:t>
-            </a:r>
-            <a:r>
-              <a:rPr lang="pl-PL" sz="1200" b="0" i="0" u="none" strike="noStrike" kern="1200" baseline="0" dirty="0" err="1">
-                <a:solidFill>
-                  <a:schemeClr val="tx1"/>
-                </a:solidFill>
-                <a:latin typeface="+mn-lt"/>
-                <a:ea typeface="+mn-ea"/>
-                <a:cs typeface="+mn-cs"/>
-              </a:rPr>
-              <a:t>Seth</a:t>
-            </a:r>
-            <a:r>
-              <a:rPr lang="pl-PL" sz="1200" b="0" i="0" u="none" strike="noStrike" kern="1200" baseline="0" dirty="0">
-                <a:solidFill>
-                  <a:schemeClr val="tx1"/>
-                </a:solidFill>
-                <a:latin typeface="+mn-lt"/>
-                <a:ea typeface="+mn-ea"/>
-                <a:cs typeface="+mn-cs"/>
-              </a:rPr>
-              <a:t> Gilbert</a:t>
-            </a:r>
-          </a:p>
-          <a:p>
-            <a:r>
-              <a:rPr lang="pl-PL" sz="1200" b="0" i="0" u="none" strike="noStrike" kern="1200" baseline="0" dirty="0">
-                <a:solidFill>
-                  <a:schemeClr val="tx1"/>
-                </a:solidFill>
-                <a:latin typeface="+mn-lt"/>
-                <a:ea typeface="+mn-ea"/>
-                <a:cs typeface="+mn-cs"/>
-              </a:rPr>
-              <a:t>i Nancy Lynch udowodnili jej prawdziwość [Lynch i Gilbert]; teoria jest też znana jako „przypuszczenie</a:t>
-            </a:r>
-          </a:p>
-          <a:p>
-            <a:r>
-              <a:rPr lang="pl-PL" sz="1200" b="0" i="0" u="none" strike="noStrike" kern="1200" baseline="0" dirty="0" err="1">
-                <a:solidFill>
-                  <a:schemeClr val="tx1"/>
-                </a:solidFill>
-                <a:latin typeface="+mn-lt"/>
-                <a:ea typeface="+mn-ea"/>
-                <a:cs typeface="+mn-cs"/>
-              </a:rPr>
-              <a:t>Brewera</a:t>
-            </a:r>
-            <a:r>
-              <a:rPr lang="pl-PL" sz="1200" b="0" i="0" u="none" strike="noStrike" kern="1200" baseline="0" dirty="0">
-                <a:solidFill>
-                  <a:schemeClr val="tx1"/>
-                </a:solidFill>
-                <a:latin typeface="+mn-lt"/>
-                <a:ea typeface="+mn-ea"/>
-                <a:cs typeface="+mn-cs"/>
-              </a:rPr>
-              <a:t>”.</a:t>
-            </a:r>
             <a:endParaRPr lang="pl-PL" dirty="0"/>
           </a:p>
         </p:txBody>
@@ -10481,7 +13960,7 @@
           <a:p>
             <a:fld id="{E32E170D-C263-4731-AA1D-6282877CB664}" type="slidenum">
               <a:rPr lang="pl-PL" smtClean="0"/>
-              <a:t>10</a:t>
+              <a:t>4</a:t>
             </a:fld>
             <a:endParaRPr lang="pl-PL"/>
           </a:p>
@@ -10490,7 +13969,175 @@
     </p:spTree>
     <p:extLst>
       <p:ext uri="{BB962C8B-B14F-4D97-AF65-F5344CB8AC3E}">
-        <p14:creationId xmlns:p14="http://schemas.microsoft.com/office/powerpoint/2010/main" val="830893661"/>
+        <p14:creationId xmlns:p14="http://schemas.microsoft.com/office/powerpoint/2010/main" val="1828004458"/>
+      </p:ext>
+    </p:extLst>
+  </p:cSld>
+  <p:clrMapOvr>
+    <a:masterClrMapping/>
+  </p:clrMapOvr>
+</p:notes>
+</file>
+
+<file path=ppt/notesSlides/notesSlide8.xml><?xml version="1.0" encoding="utf-8"?>
+<p:notes xmlns:a="http://schemas.openxmlformats.org/drawingml/2006/main" xmlns:r="http://schemas.openxmlformats.org/officeDocument/2006/relationships" xmlns:p="http://schemas.openxmlformats.org/presentationml/2006/main">
+  <p:cSld>
+    <p:spTree>
+      <p:nvGrpSpPr>
+        <p:cNvPr id="1" name=""/>
+        <p:cNvGrpSpPr/>
+        <p:nvPr/>
+      </p:nvGrpSpPr>
+      <p:grpSpPr>
+        <a:xfrm>
+          <a:off x="0" y="0"/>
+          <a:ext cx="0" cy="0"/>
+          <a:chOff x="0" y="0"/>
+          <a:chExt cx="0" cy="0"/>
+        </a:xfrm>
+      </p:grpSpPr>
+      <p:sp>
+        <p:nvSpPr>
+          <p:cNvPr id="2" name="Symbol zastępczy obrazu slajdu 1"/>
+          <p:cNvSpPr>
+            <a:spLocks noGrp="1" noRot="1" noChangeAspect="1"/>
+          </p:cNvSpPr>
+          <p:nvPr>
+            <p:ph type="sldImg"/>
+          </p:nvPr>
+        </p:nvSpPr>
+        <p:spPr/>
+      </p:sp>
+      <p:sp>
+        <p:nvSpPr>
+          <p:cNvPr id="3" name="Symbol zastępczy notatek 2"/>
+          <p:cNvSpPr>
+            <a:spLocks noGrp="1"/>
+          </p:cNvSpPr>
+          <p:nvPr>
+            <p:ph type="body" idx="1"/>
+          </p:nvPr>
+        </p:nvSpPr>
+        <p:spPr/>
+        <p:txBody>
+          <a:bodyPr/>
+          <a:lstStyle/>
+          <a:p>
+            <a:endParaRPr lang="pl-PL" dirty="0"/>
+          </a:p>
+        </p:txBody>
+      </p:sp>
+      <p:sp>
+        <p:nvSpPr>
+          <p:cNvPr id="4" name="Symbol zastępczy numeru slajdu 3"/>
+          <p:cNvSpPr>
+            <a:spLocks noGrp="1"/>
+          </p:cNvSpPr>
+          <p:nvPr>
+            <p:ph type="sldNum" sz="quarter" idx="5"/>
+          </p:nvPr>
+        </p:nvSpPr>
+        <p:spPr/>
+        <p:txBody>
+          <a:bodyPr/>
+          <a:lstStyle/>
+          <a:p>
+            <a:fld id="{E32E170D-C263-4731-AA1D-6282877CB664}" type="slidenum">
+              <a:rPr lang="pl-PL" smtClean="0"/>
+              <a:t>11</a:t>
+            </a:fld>
+            <a:endParaRPr lang="pl-PL"/>
+          </a:p>
+        </p:txBody>
+      </p:sp>
+    </p:spTree>
+    <p:extLst>
+      <p:ext uri="{BB962C8B-B14F-4D97-AF65-F5344CB8AC3E}">
+        <p14:creationId xmlns:p14="http://schemas.microsoft.com/office/powerpoint/2010/main" val="722640320"/>
+      </p:ext>
+    </p:extLst>
+  </p:cSld>
+  <p:clrMapOvr>
+    <a:masterClrMapping/>
+  </p:clrMapOvr>
+</p:notes>
+</file>
+
+<file path=ppt/notesSlides/notesSlide9.xml><?xml version="1.0" encoding="utf-8"?>
+<p:notes xmlns:a="http://schemas.openxmlformats.org/drawingml/2006/main" xmlns:r="http://schemas.openxmlformats.org/officeDocument/2006/relationships" xmlns:p="http://schemas.openxmlformats.org/presentationml/2006/main">
+  <p:cSld>
+    <p:spTree>
+      <p:nvGrpSpPr>
+        <p:cNvPr id="1" name=""/>
+        <p:cNvGrpSpPr/>
+        <p:nvPr/>
+      </p:nvGrpSpPr>
+      <p:grpSpPr>
+        <a:xfrm>
+          <a:off x="0" y="0"/>
+          <a:ext cx="0" cy="0"/>
+          <a:chOff x="0" y="0"/>
+          <a:chExt cx="0" cy="0"/>
+        </a:xfrm>
+      </p:grpSpPr>
+      <p:sp>
+        <p:nvSpPr>
+          <p:cNvPr id="2" name="Symbol zastępczy obrazu slajdu 1"/>
+          <p:cNvSpPr>
+            <a:spLocks noGrp="1" noRot="1" noChangeAspect="1"/>
+          </p:cNvSpPr>
+          <p:nvPr>
+            <p:ph type="sldImg"/>
+          </p:nvPr>
+        </p:nvSpPr>
+        <p:spPr/>
+      </p:sp>
+      <p:sp>
+        <p:nvSpPr>
+          <p:cNvPr id="3" name="Symbol zastępczy notatek 2"/>
+          <p:cNvSpPr>
+            <a:spLocks noGrp="1"/>
+          </p:cNvSpPr>
+          <p:nvPr>
+            <p:ph type="body" idx="1"/>
+          </p:nvPr>
+        </p:nvSpPr>
+        <p:spPr/>
+        <p:txBody>
+          <a:bodyPr/>
+          <a:lstStyle/>
+          <a:p>
+            <a:endParaRPr lang="pl-PL" dirty="0"/>
+          </a:p>
+        </p:txBody>
+      </p:sp>
+      <p:sp>
+        <p:nvSpPr>
+          <p:cNvPr id="4" name="Symbol zastępczy numeru slajdu 3"/>
+          <p:cNvSpPr>
+            <a:spLocks noGrp="1"/>
+          </p:cNvSpPr>
+          <p:nvPr>
+            <p:ph type="sldNum" sz="quarter" idx="5"/>
+          </p:nvPr>
+        </p:nvSpPr>
+        <p:spPr/>
+        <p:txBody>
+          <a:bodyPr/>
+          <a:lstStyle/>
+          <a:p>
+            <a:fld id="{E32E170D-C263-4731-AA1D-6282877CB664}" type="slidenum">
+              <a:rPr lang="pl-PL" smtClean="0"/>
+              <a:t>11</a:t>
+            </a:fld>
+            <a:endParaRPr lang="pl-PL"/>
+          </a:p>
+        </p:txBody>
+      </p:sp>
+    </p:spTree>
+    <p:extLst>
+      <p:ext uri="{BB962C8B-B14F-4D97-AF65-F5344CB8AC3E}">
+        <p14:creationId xmlns:p14="http://schemas.microsoft.com/office/powerpoint/2010/main" val="1858129452"/>
       </p:ext>
     </p:extLst>
   </p:cSld>
@@ -10692,7 +14339,7 @@
             <a:fld id="{B61BEF0D-F0BB-DE4B-95CE-6DB70DBA9567}" type="datetimeFigureOut">
               <a:rPr lang="en-US" dirty="0"/>
               <a:pPr/>
-              <a:t>1/8/2022</a:t>
+              <a:t>1/19/2023</a:t>
             </a:fld>
             <a:endParaRPr lang="en-US" dirty="0"/>
           </a:p>
@@ -11125,7 +14772,7 @@
             <a:fld id="{B61BEF0D-F0BB-DE4B-95CE-6DB70DBA9567}" type="datetimeFigureOut">
               <a:rPr lang="en-US" dirty="0"/>
               <a:pPr/>
-              <a:t>1/8/2022</a:t>
+              <a:t>1/19/2023</a:t>
             </a:fld>
             <a:endParaRPr lang="en-US" dirty="0"/>
           </a:p>
@@ -11372,7 +15019,7 @@
             <a:fld id="{B61BEF0D-F0BB-DE4B-95CE-6DB70DBA9567}" type="datetimeFigureOut">
               <a:rPr lang="en-US" dirty="0"/>
               <a:pPr/>
-              <a:t>1/8/2022</a:t>
+              <a:t>1/19/2023</a:t>
             </a:fld>
             <a:endParaRPr lang="en-US" dirty="0"/>
           </a:p>
@@ -11677,7 +15324,7 @@
             <a:fld id="{B61BEF0D-F0BB-DE4B-95CE-6DB70DBA9567}" type="datetimeFigureOut">
               <a:rPr lang="en-US" dirty="0"/>
               <a:pPr/>
-              <a:t>1/8/2022</a:t>
+              <a:t>1/19/2023</a:t>
             </a:fld>
             <a:endParaRPr lang="en-US" dirty="0"/>
           </a:p>
@@ -11992,7 +15639,7 @@
             <a:fld id="{B61BEF0D-F0BB-DE4B-95CE-6DB70DBA9567}" type="datetimeFigureOut">
               <a:rPr lang="en-US" dirty="0"/>
               <a:pPr/>
-              <a:t>1/8/2022</a:t>
+              <a:t>1/19/2023</a:t>
             </a:fld>
             <a:endParaRPr lang="en-US" dirty="0"/>
           </a:p>
@@ -12291,7 +15938,7 @@
             <a:fld id="{B61BEF0D-F0BB-DE4B-95CE-6DB70DBA9567}" type="datetimeFigureOut">
               <a:rPr lang="en-US" dirty="0"/>
               <a:pPr/>
-              <a:t>1/8/2022</a:t>
+              <a:t>1/19/2023</a:t>
             </a:fld>
             <a:endParaRPr lang="en-US" dirty="0"/>
           </a:p>
@@ -12655,7 +16302,7 @@
             <a:fld id="{B61BEF0D-F0BB-DE4B-95CE-6DB70DBA9567}" type="datetimeFigureOut">
               <a:rPr lang="en-US" dirty="0"/>
               <a:pPr/>
-              <a:t>1/8/2022</a:t>
+              <a:t>1/19/2023</a:t>
             </a:fld>
             <a:endParaRPr lang="en-US" dirty="0"/>
           </a:p>
@@ -12826,7 +16473,7 @@
             <a:fld id="{B61BEF0D-F0BB-DE4B-95CE-6DB70DBA9567}" type="datetimeFigureOut">
               <a:rPr lang="en-US" dirty="0"/>
               <a:pPr/>
-              <a:t>1/8/2022</a:t>
+              <a:t>1/19/2023</a:t>
             </a:fld>
             <a:endParaRPr lang="en-US" dirty="0"/>
           </a:p>
@@ -13003,7 +16650,7 @@
             <a:fld id="{B61BEF0D-F0BB-DE4B-95CE-6DB70DBA9567}" type="datetimeFigureOut">
               <a:rPr lang="en-US" dirty="0"/>
               <a:pPr/>
-              <a:t>1/8/2022</a:t>
+              <a:t>1/19/2023</a:t>
             </a:fld>
             <a:endParaRPr lang="en-US" dirty="0"/>
           </a:p>
@@ -13170,7 +16817,7 @@
             <a:fld id="{B61BEF0D-F0BB-DE4B-95CE-6DB70DBA9567}" type="datetimeFigureOut">
               <a:rPr lang="en-US" dirty="0"/>
               <a:pPr/>
-              <a:t>1/8/2022</a:t>
+              <a:t>1/19/2023</a:t>
             </a:fld>
             <a:endParaRPr lang="en-US" dirty="0"/>
           </a:p>
@@ -13417,7 +17064,7 @@
             <a:fld id="{B61BEF0D-F0BB-DE4B-95CE-6DB70DBA9567}" type="datetimeFigureOut">
               <a:rPr lang="en-US" dirty="0"/>
               <a:pPr/>
-              <a:t>1/8/2022</a:t>
+              <a:t>1/19/2023</a:t>
             </a:fld>
             <a:endParaRPr lang="en-US" dirty="0"/>
           </a:p>
@@ -13650,7 +17297,7 @@
             <a:fld id="{B61BEF0D-F0BB-DE4B-95CE-6DB70DBA9567}" type="datetimeFigureOut">
               <a:rPr lang="en-US" dirty="0"/>
               <a:pPr/>
-              <a:t>1/8/2022</a:t>
+              <a:t>1/19/2023</a:t>
             </a:fld>
             <a:endParaRPr lang="en-US" dirty="0"/>
           </a:p>
@@ -14029,7 +17676,7 @@
             <a:fld id="{B61BEF0D-F0BB-DE4B-95CE-6DB70DBA9567}" type="datetimeFigureOut">
               <a:rPr lang="en-US" dirty="0"/>
               <a:pPr/>
-              <a:t>1/8/2022</a:t>
+              <a:t>1/19/2023</a:t>
             </a:fld>
             <a:endParaRPr lang="en-US" dirty="0"/>
           </a:p>
@@ -14144,7 +17791,7 @@
             <a:fld id="{B61BEF0D-F0BB-DE4B-95CE-6DB70DBA9567}" type="datetimeFigureOut">
               <a:rPr lang="en-US" dirty="0"/>
               <a:pPr/>
-              <a:t>1/8/2022</a:t>
+              <a:t>1/19/2023</a:t>
             </a:fld>
             <a:endParaRPr lang="en-US" dirty="0"/>
           </a:p>
@@ -14236,7 +17883,7 @@
             <a:fld id="{B61BEF0D-F0BB-DE4B-95CE-6DB70DBA9567}" type="datetimeFigureOut">
               <a:rPr lang="en-US" dirty="0"/>
               <a:pPr/>
-              <a:t>1/8/2022</a:t>
+              <a:t>1/19/2023</a:t>
             </a:fld>
             <a:endParaRPr lang="en-US" dirty="0"/>
           </a:p>
@@ -14488,7 +18135,7 @@
             <a:fld id="{B61BEF0D-F0BB-DE4B-95CE-6DB70DBA9567}" type="datetimeFigureOut">
               <a:rPr lang="en-US" dirty="0"/>
               <a:pPr/>
-              <a:t>1/8/2022</a:t>
+              <a:t>1/19/2023</a:t>
             </a:fld>
             <a:endParaRPr lang="en-US" dirty="0"/>
           </a:p>
@@ -14768,7 +18415,7 @@
             <a:fld id="{B61BEF0D-F0BB-DE4B-95CE-6DB70DBA9567}" type="datetimeFigureOut">
               <a:rPr lang="en-US" dirty="0"/>
               <a:pPr/>
-              <a:t>1/8/2022</a:t>
+              <a:t>1/19/2023</a:t>
             </a:fld>
             <a:endParaRPr lang="en-US" dirty="0"/>
           </a:p>
@@ -15171,7 +18818,7 @@
             <a:fld id="{B61BEF0D-F0BB-DE4B-95CE-6DB70DBA9567}" type="datetimeFigureOut">
               <a:rPr lang="en-US" dirty="0"/>
               <a:pPr/>
-              <a:t>1/8/2022</a:t>
+              <a:t>1/19/2023</a:t>
             </a:fld>
             <a:endParaRPr lang="en-US" dirty="0"/>
           </a:p>
@@ -15787,6 +19434,2590 @@
 </file>
 
 <file path=ppt/slides/slide10.xml><?xml version="1.0" encoding="utf-8"?>
+<p:sld xmlns:a="http://schemas.openxmlformats.org/drawingml/2006/main" xmlns:r="http://schemas.openxmlformats.org/officeDocument/2006/relationships" xmlns:p="http://schemas.openxmlformats.org/presentationml/2006/main">
+  <p:cSld>
+    <p:bg>
+      <p:bgPr>
+        <a:solidFill>
+          <a:schemeClr val="bg1"/>
+        </a:solidFill>
+        <a:effectLst/>
+      </p:bgPr>
+    </p:bg>
+    <p:spTree>
+      <p:nvGrpSpPr>
+        <p:cNvPr id="1" name=""/>
+        <p:cNvGrpSpPr/>
+        <p:nvPr/>
+      </p:nvGrpSpPr>
+      <p:grpSpPr>
+        <a:xfrm>
+          <a:off x="0" y="0"/>
+          <a:ext cx="0" cy="0"/>
+          <a:chOff x="0" y="0"/>
+          <a:chExt cx="0" cy="0"/>
+        </a:xfrm>
+      </p:grpSpPr>
+      <p:sp>
+        <p:nvSpPr>
+          <p:cNvPr id="10" name="Rectangle 9">
+            <a:extLst>
+              <a:ext uri="{FF2B5EF4-FFF2-40B4-BE49-F238E27FC236}">
+                <a16:creationId xmlns:a16="http://schemas.microsoft.com/office/drawing/2014/main" id="{40BBD06B-552C-4DF7-9E19-C5617573E252}"/>
+              </a:ext>
+              <a:ext uri="{C183D7F6-B498-43B3-948B-1728B52AA6E4}">
+                <adec:decorative xmlns:adec="http://schemas.microsoft.com/office/drawing/2017/decorative" val="1"/>
+              </a:ext>
+            </a:extLst>
+          </p:cNvPr>
+          <p:cNvSpPr>
+            <a:spLocks noGrp="1" noRot="1" noChangeAspect="1" noMove="1" noResize="1" noEditPoints="1" noAdjustHandles="1" noChangeArrowheads="1" noChangeShapeType="1" noTextEdit="1"/>
+          </p:cNvSpPr>
+          <p:nvPr>
+            <p:extLst>
+              <p:ext uri="{386F3935-93C4-4BCD-93E2-E3B085C9AB24}">
+                <p16:designElem xmlns:p16="http://schemas.microsoft.com/office/powerpoint/2015/main" val="1"/>
+              </p:ext>
+            </p:extLst>
+          </p:nvPr>
+        </p:nvSpPr>
+        <p:spPr>
+          <a:xfrm>
+            <a:off x="0" y="0"/>
+            <a:ext cx="12192000" cy="6858000"/>
+          </a:xfrm>
+          <a:prstGeom prst="rect">
+            <a:avLst/>
+          </a:prstGeom>
+          <a:gradFill>
+            <a:gsLst>
+              <a:gs pos="10000">
+                <a:schemeClr val="dk2">
+                  <a:tint val="97000"/>
+                  <a:hueMod val="92000"/>
+                  <a:satMod val="169000"/>
+                  <a:lumMod val="164000"/>
+                </a:schemeClr>
+              </a:gs>
+              <a:gs pos="100000">
+                <a:schemeClr val="dk2">
+                  <a:shade val="96000"/>
+                  <a:satMod val="120000"/>
+                  <a:lumMod val="90000"/>
+                </a:schemeClr>
+              </a:gs>
+            </a:gsLst>
+            <a:lin ang="6120000" scaled="1"/>
+          </a:gradFill>
+          <a:ln>
+            <a:noFill/>
+          </a:ln>
+        </p:spPr>
+        <p:style>
+          <a:lnRef idx="2">
+            <a:schemeClr val="accent1">
+              <a:shade val="50000"/>
+            </a:schemeClr>
+          </a:lnRef>
+          <a:fillRef idx="1002">
+            <a:schemeClr val="dk2"/>
+          </a:fillRef>
+          <a:effectRef idx="0">
+            <a:schemeClr val="accent1"/>
+          </a:effectRef>
+          <a:fontRef idx="minor">
+            <a:schemeClr val="lt1"/>
+          </a:fontRef>
+        </p:style>
+        <p:txBody>
+          <a:bodyPr rtlCol="0" anchor="ctr"/>
+          <a:lstStyle/>
+          <a:p>
+            <a:pPr algn="ctr"/>
+            <a:endParaRPr lang="en-US"/>
+          </a:p>
+        </p:txBody>
+      </p:sp>
+      <p:sp>
+        <p:nvSpPr>
+          <p:cNvPr id="2" name="Tytuł 1">
+            <a:extLst>
+              <a:ext uri="{FF2B5EF4-FFF2-40B4-BE49-F238E27FC236}">
+                <a16:creationId xmlns:a16="http://schemas.microsoft.com/office/drawing/2014/main" id="{4B49C389-72C6-4CA2-A110-7525192FABAE}"/>
+              </a:ext>
+            </a:extLst>
+          </p:cNvPr>
+          <p:cNvSpPr>
+            <a:spLocks noGrp="1"/>
+          </p:cNvSpPr>
+          <p:nvPr>
+            <p:ph type="title"/>
+          </p:nvPr>
+        </p:nvSpPr>
+        <p:spPr>
+          <a:xfrm>
+            <a:off x="793643" y="5317670"/>
+            <a:ext cx="8707922" cy="839821"/>
+          </a:xfrm>
+        </p:spPr>
+        <p:txBody>
+          <a:bodyPr anchor="b">
+            <a:normAutofit/>
+          </a:bodyPr>
+          <a:lstStyle/>
+          <a:p>
+            <a:r>
+              <a:rPr lang="pl-PL" sz="3200">
+                <a:solidFill>
+                  <a:srgbClr val="FFFFFF"/>
+                </a:solidFill>
+              </a:rPr>
+              <a:t>SPÓJNOŚĆ OSTATECZNA </a:t>
+            </a:r>
+          </a:p>
+        </p:txBody>
+      </p:sp>
+      <p:sp useBgFill="1">
+        <p:nvSpPr>
+          <p:cNvPr id="12" name="Snip Diagonal Corner Rectangle 21">
+            <a:extLst>
+              <a:ext uri="{FF2B5EF4-FFF2-40B4-BE49-F238E27FC236}">
+                <a16:creationId xmlns:a16="http://schemas.microsoft.com/office/drawing/2014/main" id="{1D27B411-D85B-4FEE-8EF5-0726CC104B50}"/>
+              </a:ext>
+              <a:ext uri="{C183D7F6-B498-43B3-948B-1728B52AA6E4}">
+                <adec:decorative xmlns:adec="http://schemas.microsoft.com/office/drawing/2017/decorative" val="1"/>
+              </a:ext>
+            </a:extLst>
+          </p:cNvPr>
+          <p:cNvSpPr>
+            <a:spLocks noGrp="1" noRot="1" noChangeAspect="1" noMove="1" noResize="1" noEditPoints="1" noAdjustHandles="1" noChangeArrowheads="1" noChangeShapeType="1" noTextEdit="1"/>
+          </p:cNvSpPr>
+          <p:nvPr>
+            <p:extLst>
+              <p:ext uri="{386F3935-93C4-4BCD-93E2-E3B085C9AB24}">
+                <p16:designElem xmlns:p16="http://schemas.microsoft.com/office/powerpoint/2015/main" val="1"/>
+              </p:ext>
+            </p:extLst>
+          </p:nvPr>
+        </p:nvSpPr>
+        <p:spPr>
+          <a:xfrm>
+            <a:off x="633999" y="620722"/>
+            <a:ext cx="9805929" cy="4418206"/>
+          </a:xfrm>
+          <a:prstGeom prst="snip2DiagRect">
+            <a:avLst>
+              <a:gd name="adj1" fmla="val 8741"/>
+              <a:gd name="adj2" fmla="val 0"/>
+            </a:avLst>
+          </a:prstGeom>
+          <a:ln>
+            <a:noFill/>
+          </a:ln>
+          <a:effectLst>
+            <a:innerShdw blurRad="57150" dist="38100" dir="14460000">
+              <a:prstClr val="black">
+                <a:alpha val="70000"/>
+              </a:prstClr>
+            </a:innerShdw>
+          </a:effectLst>
+        </p:spPr>
+        <p:style>
+          <a:lnRef idx="2">
+            <a:schemeClr val="accent1">
+              <a:shade val="50000"/>
+            </a:schemeClr>
+          </a:lnRef>
+          <a:fillRef idx="1">
+            <a:schemeClr val="accent1"/>
+          </a:fillRef>
+          <a:effectRef idx="0">
+            <a:schemeClr val="accent1"/>
+          </a:effectRef>
+          <a:fontRef idx="minor">
+            <a:schemeClr val="lt1"/>
+          </a:fontRef>
+        </p:style>
+        <p:txBody>
+          <a:bodyPr rtlCol="0" anchor="ctr"/>
+          <a:lstStyle/>
+          <a:p>
+            <a:pPr algn="ctr"/>
+            <a:endParaRPr lang="en-US"/>
+          </a:p>
+        </p:txBody>
+      </p:sp>
+      <p:grpSp>
+        <p:nvGrpSpPr>
+          <p:cNvPr id="14" name="Group 13">
+            <a:extLst>
+              <a:ext uri="{FF2B5EF4-FFF2-40B4-BE49-F238E27FC236}">
+                <a16:creationId xmlns:a16="http://schemas.microsoft.com/office/drawing/2014/main" id="{21C33B52-966B-48AB-B150-0703D341A00A}"/>
+              </a:ext>
+              <a:ext uri="{C183D7F6-B498-43B3-948B-1728B52AA6E4}">
+                <adec:decorative xmlns:adec="http://schemas.microsoft.com/office/drawing/2017/decorative" val="1"/>
+              </a:ext>
+            </a:extLst>
+          </p:cNvPr>
+          <p:cNvGrpSpPr>
+            <a:grpSpLocks noGrp="1" noUngrp="1" noRot="1" noChangeAspect="1" noMove="1" noResize="1"/>
+          </p:cNvGrpSpPr>
+          <p:nvPr>
+            <p:extLst>
+              <p:ext uri="{386F3935-93C4-4BCD-93E2-E3B085C9AB24}">
+                <p16:designElem xmlns:p16="http://schemas.microsoft.com/office/powerpoint/2015/main" val="1"/>
+              </p:ext>
+            </p:extLst>
+          </p:nvPr>
+        </p:nvGrpSpPr>
+        <p:grpSpPr>
+          <a:xfrm>
+            <a:off x="9206969" y="2963333"/>
+            <a:ext cx="2981858" cy="3208867"/>
+            <a:chOff x="9206969" y="2963333"/>
+            <a:chExt cx="2981858" cy="3208867"/>
+          </a:xfrm>
+        </p:grpSpPr>
+        <p:cxnSp>
+          <p:nvCxnSpPr>
+            <p:cNvPr id="15" name="Straight Connector 14">
+              <a:extLst>
+                <a:ext uri="{FF2B5EF4-FFF2-40B4-BE49-F238E27FC236}">
+                  <a16:creationId xmlns:a16="http://schemas.microsoft.com/office/drawing/2014/main" id="{A15605B8-360E-48F8-8236-1D79EF8EBF3A}"/>
+                </a:ext>
+                <a:ext uri="{C183D7F6-B498-43B3-948B-1728B52AA6E4}">
+                  <adec:decorative xmlns:adec="http://schemas.microsoft.com/office/drawing/2017/decorative" val="1"/>
+                </a:ext>
+              </a:extLst>
+            </p:cNvPr>
+            <p:cNvCxnSpPr/>
+            <p:nvPr>
+              <p:extLst>
+                <p:ext uri="{386F3935-93C4-4BCD-93E2-E3B085C9AB24}">
+                  <p16:designElem xmlns:p16="http://schemas.microsoft.com/office/powerpoint/2015/main" val="1"/>
+                </p:ext>
+              </p:extLst>
+            </p:nvPr>
+          </p:nvCxnSpPr>
+          <p:spPr>
+            <a:xfrm flipH="1">
+              <a:off x="11276012" y="2963333"/>
+              <a:ext cx="912814" cy="912812"/>
+            </a:xfrm>
+            <a:prstGeom prst="line">
+              <a:avLst/>
+            </a:prstGeom>
+            <a:ln w="9525">
+              <a:solidFill>
+                <a:srgbClr val="FFFFFF"/>
+              </a:solidFill>
+            </a:ln>
+          </p:spPr>
+          <p:style>
+            <a:lnRef idx="2">
+              <a:schemeClr val="accent1"/>
+            </a:lnRef>
+            <a:fillRef idx="0">
+              <a:schemeClr val="accent1"/>
+            </a:fillRef>
+            <a:effectRef idx="1">
+              <a:schemeClr val="accent1"/>
+            </a:effectRef>
+            <a:fontRef idx="minor">
+              <a:schemeClr val="tx1"/>
+            </a:fontRef>
+          </p:style>
+        </p:cxnSp>
+        <p:cxnSp>
+          <p:nvCxnSpPr>
+            <p:cNvPr id="16" name="Straight Connector 15">
+              <a:extLst>
+                <a:ext uri="{FF2B5EF4-FFF2-40B4-BE49-F238E27FC236}">
+                  <a16:creationId xmlns:a16="http://schemas.microsoft.com/office/drawing/2014/main" id="{FA3977D2-0245-428A-8353-C7231D91ED87}"/>
+                </a:ext>
+                <a:ext uri="{C183D7F6-B498-43B3-948B-1728B52AA6E4}">
+                  <adec:decorative xmlns:adec="http://schemas.microsoft.com/office/drawing/2017/decorative" val="1"/>
+                </a:ext>
+              </a:extLst>
+            </p:cNvPr>
+            <p:cNvCxnSpPr/>
+            <p:nvPr>
+              <p:extLst>
+                <p:ext uri="{386F3935-93C4-4BCD-93E2-E3B085C9AB24}">
+                  <p16:designElem xmlns:p16="http://schemas.microsoft.com/office/powerpoint/2015/main" val="1"/>
+                </p:ext>
+              </p:extLst>
+            </p:nvPr>
+          </p:nvCxnSpPr>
+          <p:spPr>
+            <a:xfrm flipH="1">
+              <a:off x="9206969" y="3190344"/>
+              <a:ext cx="2981857" cy="2981856"/>
+            </a:xfrm>
+            <a:prstGeom prst="line">
+              <a:avLst/>
+            </a:prstGeom>
+            <a:ln w="9525">
+              <a:solidFill>
+                <a:srgbClr val="FFFFFF"/>
+              </a:solidFill>
+            </a:ln>
+          </p:spPr>
+          <p:style>
+            <a:lnRef idx="2">
+              <a:schemeClr val="accent1"/>
+            </a:lnRef>
+            <a:fillRef idx="0">
+              <a:schemeClr val="accent1"/>
+            </a:fillRef>
+            <a:effectRef idx="1">
+              <a:schemeClr val="accent1"/>
+            </a:effectRef>
+            <a:fontRef idx="minor">
+              <a:schemeClr val="tx1"/>
+            </a:fontRef>
+          </p:style>
+        </p:cxnSp>
+        <p:cxnSp>
+          <p:nvCxnSpPr>
+            <p:cNvPr id="17" name="Straight Connector 16">
+              <a:extLst>
+                <a:ext uri="{FF2B5EF4-FFF2-40B4-BE49-F238E27FC236}">
+                  <a16:creationId xmlns:a16="http://schemas.microsoft.com/office/drawing/2014/main" id="{E9420A79-B7F1-42B2-8A65-7F990211ADB8}"/>
+                </a:ext>
+                <a:ext uri="{C183D7F6-B498-43B3-948B-1728B52AA6E4}">
+                  <adec:decorative xmlns:adec="http://schemas.microsoft.com/office/drawing/2017/decorative" val="1"/>
+                </a:ext>
+              </a:extLst>
+            </p:cNvPr>
+            <p:cNvCxnSpPr/>
+            <p:nvPr>
+              <p:extLst>
+                <p:ext uri="{386F3935-93C4-4BCD-93E2-E3B085C9AB24}">
+                  <p16:designElem xmlns:p16="http://schemas.microsoft.com/office/powerpoint/2015/main" val="1"/>
+                </p:ext>
+              </p:extLst>
+            </p:nvPr>
+          </p:nvCxnSpPr>
+          <p:spPr>
+            <a:xfrm flipH="1">
+              <a:off x="10292292" y="3285067"/>
+              <a:ext cx="1896534" cy="1896533"/>
+            </a:xfrm>
+            <a:prstGeom prst="line">
+              <a:avLst/>
+            </a:prstGeom>
+            <a:ln w="9525">
+              <a:solidFill>
+                <a:srgbClr val="FFFFFF"/>
+              </a:solidFill>
+            </a:ln>
+          </p:spPr>
+          <p:style>
+            <a:lnRef idx="2">
+              <a:schemeClr val="accent1"/>
+            </a:lnRef>
+            <a:fillRef idx="0">
+              <a:schemeClr val="accent1"/>
+            </a:fillRef>
+            <a:effectRef idx="1">
+              <a:schemeClr val="accent1"/>
+            </a:effectRef>
+            <a:fontRef idx="minor">
+              <a:schemeClr val="tx1"/>
+            </a:fontRef>
+          </p:style>
+        </p:cxnSp>
+        <p:cxnSp>
+          <p:nvCxnSpPr>
+            <p:cNvPr id="18" name="Straight Connector 17">
+              <a:extLst>
+                <a:ext uri="{FF2B5EF4-FFF2-40B4-BE49-F238E27FC236}">
+                  <a16:creationId xmlns:a16="http://schemas.microsoft.com/office/drawing/2014/main" id="{DF944D0E-1FE0-47ED-9362-B7A1560D700A}"/>
+                </a:ext>
+                <a:ext uri="{C183D7F6-B498-43B3-948B-1728B52AA6E4}">
+                  <adec:decorative xmlns:adec="http://schemas.microsoft.com/office/drawing/2017/decorative" val="1"/>
+                </a:ext>
+              </a:extLst>
+            </p:cNvPr>
+            <p:cNvCxnSpPr/>
+            <p:nvPr>
+              <p:extLst>
+                <p:ext uri="{386F3935-93C4-4BCD-93E2-E3B085C9AB24}">
+                  <p16:designElem xmlns:p16="http://schemas.microsoft.com/office/powerpoint/2015/main" val="1"/>
+                </p:ext>
+              </p:extLst>
+            </p:nvPr>
+          </p:nvCxnSpPr>
+          <p:spPr>
+            <a:xfrm flipH="1">
+              <a:off x="10443103" y="3131080"/>
+              <a:ext cx="1745722" cy="1745720"/>
+            </a:xfrm>
+            <a:prstGeom prst="line">
+              <a:avLst/>
+            </a:prstGeom>
+            <a:ln w="28575">
+              <a:solidFill>
+                <a:srgbClr val="FFFFFF"/>
+              </a:solidFill>
+            </a:ln>
+          </p:spPr>
+          <p:style>
+            <a:lnRef idx="2">
+              <a:schemeClr val="accent1"/>
+            </a:lnRef>
+            <a:fillRef idx="0">
+              <a:schemeClr val="accent1"/>
+            </a:fillRef>
+            <a:effectRef idx="1">
+              <a:schemeClr val="accent1"/>
+            </a:effectRef>
+            <a:fontRef idx="minor">
+              <a:schemeClr val="tx1"/>
+            </a:fontRef>
+          </p:style>
+        </p:cxnSp>
+        <p:cxnSp>
+          <p:nvCxnSpPr>
+            <p:cNvPr id="19" name="Straight Connector 18">
+              <a:extLst>
+                <a:ext uri="{FF2B5EF4-FFF2-40B4-BE49-F238E27FC236}">
+                  <a16:creationId xmlns:a16="http://schemas.microsoft.com/office/drawing/2014/main" id="{35A66304-0B88-40BA-A57C-226AA50D4345}"/>
+                </a:ext>
+                <a:ext uri="{C183D7F6-B498-43B3-948B-1728B52AA6E4}">
+                  <adec:decorative xmlns:adec="http://schemas.microsoft.com/office/drawing/2017/decorative" val="1"/>
+                </a:ext>
+              </a:extLst>
+            </p:cNvPr>
+            <p:cNvCxnSpPr/>
+            <p:nvPr>
+              <p:extLst>
+                <p:ext uri="{386F3935-93C4-4BCD-93E2-E3B085C9AB24}">
+                  <p16:designElem xmlns:p16="http://schemas.microsoft.com/office/powerpoint/2015/main" val="1"/>
+                </p:ext>
+              </p:extLst>
+            </p:nvPr>
+          </p:nvCxnSpPr>
+          <p:spPr>
+            <a:xfrm flipH="1">
+              <a:off x="10918826" y="3683001"/>
+              <a:ext cx="1270001" cy="1269999"/>
+            </a:xfrm>
+            <a:prstGeom prst="line">
+              <a:avLst/>
+            </a:prstGeom>
+            <a:ln w="28575">
+              <a:solidFill>
+                <a:srgbClr val="FFFFFF"/>
+              </a:solidFill>
+            </a:ln>
+          </p:spPr>
+          <p:style>
+            <a:lnRef idx="2">
+              <a:schemeClr val="accent1"/>
+            </a:lnRef>
+            <a:fillRef idx="0">
+              <a:schemeClr val="accent1"/>
+            </a:fillRef>
+            <a:effectRef idx="1">
+              <a:schemeClr val="accent1"/>
+            </a:effectRef>
+            <a:fontRef idx="minor">
+              <a:schemeClr val="tx1"/>
+            </a:fontRef>
+          </p:style>
+        </p:cxnSp>
+      </p:grpSp>
+      <p:pic>
+        <p:nvPicPr>
+          <p:cNvPr id="326" name="Obraz 326">
+            <a:extLst>
+              <a:ext uri="{FF2B5EF4-FFF2-40B4-BE49-F238E27FC236}">
+                <a16:creationId xmlns:a16="http://schemas.microsoft.com/office/drawing/2014/main" id="{59D6ECED-72D9-FCCF-0897-AB8B29A84783}"/>
+              </a:ext>
+            </a:extLst>
+          </p:cNvPr>
+          <p:cNvPicPr>
+            <a:picLocks noGrp="1" noChangeAspect="1"/>
+          </p:cNvPicPr>
+          <p:nvPr>
+            <p:ph idx="1"/>
+          </p:nvPr>
+        </p:nvPicPr>
+        <p:blipFill>
+          <a:blip r:embed="rId3"/>
+          <a:stretch>
+            <a:fillRect/>
+          </a:stretch>
+        </p:blipFill>
+        <p:spPr>
+          <a:xfrm>
+            <a:off x="2054342" y="853722"/>
+            <a:ext cx="6208065" cy="4126088"/>
+          </a:xfrm>
+        </p:spPr>
+      </p:pic>
+    </p:spTree>
+    <p:extLst>
+      <p:ext uri="{BB962C8B-B14F-4D97-AF65-F5344CB8AC3E}">
+        <p14:creationId xmlns:p14="http://schemas.microsoft.com/office/powerpoint/2010/main" val="3740227621"/>
+      </p:ext>
+    </p:extLst>
+  </p:cSld>
+  <p:clrMapOvr>
+    <a:overrideClrMapping bg1="lt1" tx1="dk1" bg2="lt2" tx2="dk2" accent1="accent1" accent2="accent2" accent3="accent3" accent4="accent4" accent5="accent5" accent6="accent6" hlink="hlink" folHlink="folHlink"/>
+  </p:clrMapOvr>
+</p:sld>
+</file>
+
+<file path=ppt/slides/slide11.xml><?xml version="1.0" encoding="utf-8"?>
+<p:sld xmlns:a="http://schemas.openxmlformats.org/drawingml/2006/main" xmlns:r="http://schemas.openxmlformats.org/officeDocument/2006/relationships" xmlns:p="http://schemas.openxmlformats.org/presentationml/2006/main">
+  <p:cSld>
+    <p:bg>
+      <p:bgPr>
+        <a:solidFill>
+          <a:schemeClr val="bg1"/>
+        </a:solidFill>
+        <a:effectLst/>
+      </p:bgPr>
+    </p:bg>
+    <p:spTree>
+      <p:nvGrpSpPr>
+        <p:cNvPr id="1" name=""/>
+        <p:cNvGrpSpPr/>
+        <p:nvPr/>
+      </p:nvGrpSpPr>
+      <p:grpSpPr>
+        <a:xfrm>
+          <a:off x="0" y="0"/>
+          <a:ext cx="0" cy="0"/>
+          <a:chOff x="0" y="0"/>
+          <a:chExt cx="0" cy="0"/>
+        </a:xfrm>
+      </p:grpSpPr>
+      <p:sp>
+        <p:nvSpPr>
+          <p:cNvPr id="10" name="Rectangle 9">
+            <a:extLst>
+              <a:ext uri="{FF2B5EF4-FFF2-40B4-BE49-F238E27FC236}">
+                <a16:creationId xmlns:a16="http://schemas.microsoft.com/office/drawing/2014/main" id="{40BBD06B-552C-4DF7-9E19-C5617573E252}"/>
+              </a:ext>
+              <a:ext uri="{C183D7F6-B498-43B3-948B-1728B52AA6E4}">
+                <adec:decorative xmlns:adec="http://schemas.microsoft.com/office/drawing/2017/decorative" val="1"/>
+              </a:ext>
+            </a:extLst>
+          </p:cNvPr>
+          <p:cNvSpPr>
+            <a:spLocks noGrp="1" noRot="1" noChangeAspect="1" noMove="1" noResize="1" noEditPoints="1" noAdjustHandles="1" noChangeArrowheads="1" noChangeShapeType="1" noTextEdit="1"/>
+          </p:cNvSpPr>
+          <p:nvPr>
+            <p:extLst>
+              <p:ext uri="{386F3935-93C4-4BCD-93E2-E3B085C9AB24}">
+                <p16:designElem xmlns:p16="http://schemas.microsoft.com/office/powerpoint/2015/main" val="1"/>
+              </p:ext>
+            </p:extLst>
+          </p:nvPr>
+        </p:nvSpPr>
+        <p:spPr>
+          <a:xfrm>
+            <a:off x="0" y="0"/>
+            <a:ext cx="12192000" cy="6858000"/>
+          </a:xfrm>
+          <a:prstGeom prst="rect">
+            <a:avLst/>
+          </a:prstGeom>
+          <a:gradFill>
+            <a:gsLst>
+              <a:gs pos="10000">
+                <a:schemeClr val="dk2">
+                  <a:tint val="97000"/>
+                  <a:hueMod val="92000"/>
+                  <a:satMod val="169000"/>
+                  <a:lumMod val="164000"/>
+                </a:schemeClr>
+              </a:gs>
+              <a:gs pos="100000">
+                <a:schemeClr val="dk2">
+                  <a:shade val="96000"/>
+                  <a:satMod val="120000"/>
+                  <a:lumMod val="90000"/>
+                </a:schemeClr>
+              </a:gs>
+            </a:gsLst>
+            <a:lin ang="6120000" scaled="1"/>
+          </a:gradFill>
+          <a:ln>
+            <a:noFill/>
+          </a:ln>
+        </p:spPr>
+        <p:style>
+          <a:lnRef idx="2">
+            <a:schemeClr val="accent1">
+              <a:shade val="50000"/>
+            </a:schemeClr>
+          </a:lnRef>
+          <a:fillRef idx="1002">
+            <a:schemeClr val="dk2"/>
+          </a:fillRef>
+          <a:effectRef idx="0">
+            <a:schemeClr val="accent1"/>
+          </a:effectRef>
+          <a:fontRef idx="minor">
+            <a:schemeClr val="lt1"/>
+          </a:fontRef>
+        </p:style>
+        <p:txBody>
+          <a:bodyPr rtlCol="0" anchor="ctr"/>
+          <a:lstStyle/>
+          <a:p>
+            <a:pPr algn="ctr"/>
+            <a:endParaRPr lang="en-US"/>
+          </a:p>
+        </p:txBody>
+      </p:sp>
+      <p:sp>
+        <p:nvSpPr>
+          <p:cNvPr id="2" name="Tytuł 1">
+            <a:extLst>
+              <a:ext uri="{FF2B5EF4-FFF2-40B4-BE49-F238E27FC236}">
+                <a16:creationId xmlns:a16="http://schemas.microsoft.com/office/drawing/2014/main" id="{4B49C389-72C6-4CA2-A110-7525192FABAE}"/>
+              </a:ext>
+            </a:extLst>
+          </p:cNvPr>
+          <p:cNvSpPr>
+            <a:spLocks noGrp="1"/>
+          </p:cNvSpPr>
+          <p:nvPr>
+            <p:ph type="title"/>
+          </p:nvPr>
+        </p:nvSpPr>
+        <p:spPr>
+          <a:xfrm>
+            <a:off x="793643" y="5317670"/>
+            <a:ext cx="8707922" cy="839821"/>
+          </a:xfrm>
+        </p:spPr>
+        <p:txBody>
+          <a:bodyPr anchor="b">
+            <a:normAutofit fontScale="90000"/>
+          </a:bodyPr>
+          <a:lstStyle/>
+          <a:p>
+            <a:r>
+              <a:rPr lang="pl-PL" sz="3200" dirty="0">
+                <a:solidFill>
+                  <a:srgbClr val="FFFFFF"/>
+                </a:solidFill>
+              </a:rPr>
+              <a:t>SPÓJNOŚĆ (OSTATECZNA) ZORIENTOWANA NA UŻYTKOWNIKA</a:t>
+            </a:r>
+          </a:p>
+        </p:txBody>
+      </p:sp>
+      <p:sp useBgFill="1">
+        <p:nvSpPr>
+          <p:cNvPr id="12" name="Snip Diagonal Corner Rectangle 21">
+            <a:extLst>
+              <a:ext uri="{FF2B5EF4-FFF2-40B4-BE49-F238E27FC236}">
+                <a16:creationId xmlns:a16="http://schemas.microsoft.com/office/drawing/2014/main" id="{1D27B411-D85B-4FEE-8EF5-0726CC104B50}"/>
+              </a:ext>
+              <a:ext uri="{C183D7F6-B498-43B3-948B-1728B52AA6E4}">
+                <adec:decorative xmlns:adec="http://schemas.microsoft.com/office/drawing/2017/decorative" val="1"/>
+              </a:ext>
+            </a:extLst>
+          </p:cNvPr>
+          <p:cNvSpPr>
+            <a:spLocks noGrp="1" noRot="1" noChangeAspect="1" noMove="1" noResize="1" noEditPoints="1" noAdjustHandles="1" noChangeArrowheads="1" noChangeShapeType="1" noTextEdit="1"/>
+          </p:cNvSpPr>
+          <p:nvPr>
+            <p:extLst>
+              <p:ext uri="{386F3935-93C4-4BCD-93E2-E3B085C9AB24}">
+                <p16:designElem xmlns:p16="http://schemas.microsoft.com/office/powerpoint/2015/main" val="1"/>
+              </p:ext>
+            </p:extLst>
+          </p:nvPr>
+        </p:nvSpPr>
+        <p:spPr>
+          <a:xfrm>
+            <a:off x="633999" y="620722"/>
+            <a:ext cx="9805929" cy="4418206"/>
+          </a:xfrm>
+          <a:prstGeom prst="snip2DiagRect">
+            <a:avLst>
+              <a:gd name="adj1" fmla="val 8741"/>
+              <a:gd name="adj2" fmla="val 0"/>
+            </a:avLst>
+          </a:prstGeom>
+          <a:ln>
+            <a:noFill/>
+          </a:ln>
+          <a:effectLst>
+            <a:innerShdw blurRad="57150" dist="38100" dir="14460000">
+              <a:prstClr val="black">
+                <a:alpha val="70000"/>
+              </a:prstClr>
+            </a:innerShdw>
+          </a:effectLst>
+        </p:spPr>
+        <p:style>
+          <a:lnRef idx="2">
+            <a:schemeClr val="accent1">
+              <a:shade val="50000"/>
+            </a:schemeClr>
+          </a:lnRef>
+          <a:fillRef idx="1">
+            <a:schemeClr val="accent1"/>
+          </a:fillRef>
+          <a:effectRef idx="0">
+            <a:schemeClr val="accent1"/>
+          </a:effectRef>
+          <a:fontRef idx="minor">
+            <a:schemeClr val="lt1"/>
+          </a:fontRef>
+        </p:style>
+        <p:txBody>
+          <a:bodyPr rtlCol="0" anchor="ctr"/>
+          <a:lstStyle/>
+          <a:p>
+            <a:pPr algn="ctr"/>
+            <a:endParaRPr lang="en-US"/>
+          </a:p>
+        </p:txBody>
+      </p:sp>
+      <p:grpSp>
+        <p:nvGrpSpPr>
+          <p:cNvPr id="14" name="Group 13">
+            <a:extLst>
+              <a:ext uri="{FF2B5EF4-FFF2-40B4-BE49-F238E27FC236}">
+                <a16:creationId xmlns:a16="http://schemas.microsoft.com/office/drawing/2014/main" id="{21C33B52-966B-48AB-B150-0703D341A00A}"/>
+              </a:ext>
+              <a:ext uri="{C183D7F6-B498-43B3-948B-1728B52AA6E4}">
+                <adec:decorative xmlns:adec="http://schemas.microsoft.com/office/drawing/2017/decorative" val="1"/>
+              </a:ext>
+            </a:extLst>
+          </p:cNvPr>
+          <p:cNvGrpSpPr>
+            <a:grpSpLocks noGrp="1" noUngrp="1" noRot="1" noChangeAspect="1" noMove="1" noResize="1"/>
+          </p:cNvGrpSpPr>
+          <p:nvPr>
+            <p:extLst>
+              <p:ext uri="{386F3935-93C4-4BCD-93E2-E3B085C9AB24}">
+                <p16:designElem xmlns:p16="http://schemas.microsoft.com/office/powerpoint/2015/main" val="1"/>
+              </p:ext>
+            </p:extLst>
+          </p:nvPr>
+        </p:nvGrpSpPr>
+        <p:grpSpPr>
+          <a:xfrm>
+            <a:off x="9206969" y="2963333"/>
+            <a:ext cx="2981858" cy="3208867"/>
+            <a:chOff x="9206969" y="2963333"/>
+            <a:chExt cx="2981858" cy="3208867"/>
+          </a:xfrm>
+        </p:grpSpPr>
+        <p:cxnSp>
+          <p:nvCxnSpPr>
+            <p:cNvPr id="15" name="Straight Connector 14">
+              <a:extLst>
+                <a:ext uri="{FF2B5EF4-FFF2-40B4-BE49-F238E27FC236}">
+                  <a16:creationId xmlns:a16="http://schemas.microsoft.com/office/drawing/2014/main" id="{A15605B8-360E-48F8-8236-1D79EF8EBF3A}"/>
+                </a:ext>
+                <a:ext uri="{C183D7F6-B498-43B3-948B-1728B52AA6E4}">
+                  <adec:decorative xmlns:adec="http://schemas.microsoft.com/office/drawing/2017/decorative" val="1"/>
+                </a:ext>
+              </a:extLst>
+            </p:cNvPr>
+            <p:cNvCxnSpPr/>
+            <p:nvPr>
+              <p:extLst>
+                <p:ext uri="{386F3935-93C4-4BCD-93E2-E3B085C9AB24}">
+                  <p16:designElem xmlns:p16="http://schemas.microsoft.com/office/powerpoint/2015/main" val="1"/>
+                </p:ext>
+              </p:extLst>
+            </p:nvPr>
+          </p:nvCxnSpPr>
+          <p:spPr>
+            <a:xfrm flipH="1">
+              <a:off x="11276012" y="2963333"/>
+              <a:ext cx="912814" cy="912812"/>
+            </a:xfrm>
+            <a:prstGeom prst="line">
+              <a:avLst/>
+            </a:prstGeom>
+            <a:ln w="9525">
+              <a:solidFill>
+                <a:srgbClr val="FFFFFF"/>
+              </a:solidFill>
+            </a:ln>
+          </p:spPr>
+          <p:style>
+            <a:lnRef idx="2">
+              <a:schemeClr val="accent1"/>
+            </a:lnRef>
+            <a:fillRef idx="0">
+              <a:schemeClr val="accent1"/>
+            </a:fillRef>
+            <a:effectRef idx="1">
+              <a:schemeClr val="accent1"/>
+            </a:effectRef>
+            <a:fontRef idx="minor">
+              <a:schemeClr val="tx1"/>
+            </a:fontRef>
+          </p:style>
+        </p:cxnSp>
+        <p:cxnSp>
+          <p:nvCxnSpPr>
+            <p:cNvPr id="16" name="Straight Connector 15">
+              <a:extLst>
+                <a:ext uri="{FF2B5EF4-FFF2-40B4-BE49-F238E27FC236}">
+                  <a16:creationId xmlns:a16="http://schemas.microsoft.com/office/drawing/2014/main" id="{FA3977D2-0245-428A-8353-C7231D91ED87}"/>
+                </a:ext>
+                <a:ext uri="{C183D7F6-B498-43B3-948B-1728B52AA6E4}">
+                  <adec:decorative xmlns:adec="http://schemas.microsoft.com/office/drawing/2017/decorative" val="1"/>
+                </a:ext>
+              </a:extLst>
+            </p:cNvPr>
+            <p:cNvCxnSpPr/>
+            <p:nvPr>
+              <p:extLst>
+                <p:ext uri="{386F3935-93C4-4BCD-93E2-E3B085C9AB24}">
+                  <p16:designElem xmlns:p16="http://schemas.microsoft.com/office/powerpoint/2015/main" val="1"/>
+                </p:ext>
+              </p:extLst>
+            </p:nvPr>
+          </p:nvCxnSpPr>
+          <p:spPr>
+            <a:xfrm flipH="1">
+              <a:off x="9206969" y="3190344"/>
+              <a:ext cx="2981857" cy="2981856"/>
+            </a:xfrm>
+            <a:prstGeom prst="line">
+              <a:avLst/>
+            </a:prstGeom>
+            <a:ln w="9525">
+              <a:solidFill>
+                <a:srgbClr val="FFFFFF"/>
+              </a:solidFill>
+            </a:ln>
+          </p:spPr>
+          <p:style>
+            <a:lnRef idx="2">
+              <a:schemeClr val="accent1"/>
+            </a:lnRef>
+            <a:fillRef idx="0">
+              <a:schemeClr val="accent1"/>
+            </a:fillRef>
+            <a:effectRef idx="1">
+              <a:schemeClr val="accent1"/>
+            </a:effectRef>
+            <a:fontRef idx="minor">
+              <a:schemeClr val="tx1"/>
+            </a:fontRef>
+          </p:style>
+        </p:cxnSp>
+        <p:cxnSp>
+          <p:nvCxnSpPr>
+            <p:cNvPr id="17" name="Straight Connector 16">
+              <a:extLst>
+                <a:ext uri="{FF2B5EF4-FFF2-40B4-BE49-F238E27FC236}">
+                  <a16:creationId xmlns:a16="http://schemas.microsoft.com/office/drawing/2014/main" id="{E9420A79-B7F1-42B2-8A65-7F990211ADB8}"/>
+                </a:ext>
+                <a:ext uri="{C183D7F6-B498-43B3-948B-1728B52AA6E4}">
+                  <adec:decorative xmlns:adec="http://schemas.microsoft.com/office/drawing/2017/decorative" val="1"/>
+                </a:ext>
+              </a:extLst>
+            </p:cNvPr>
+            <p:cNvCxnSpPr/>
+            <p:nvPr>
+              <p:extLst>
+                <p:ext uri="{386F3935-93C4-4BCD-93E2-E3B085C9AB24}">
+                  <p16:designElem xmlns:p16="http://schemas.microsoft.com/office/powerpoint/2015/main" val="1"/>
+                </p:ext>
+              </p:extLst>
+            </p:nvPr>
+          </p:nvCxnSpPr>
+          <p:spPr>
+            <a:xfrm flipH="1">
+              <a:off x="10292292" y="3285067"/>
+              <a:ext cx="1896534" cy="1896533"/>
+            </a:xfrm>
+            <a:prstGeom prst="line">
+              <a:avLst/>
+            </a:prstGeom>
+            <a:ln w="9525">
+              <a:solidFill>
+                <a:srgbClr val="FFFFFF"/>
+              </a:solidFill>
+            </a:ln>
+          </p:spPr>
+          <p:style>
+            <a:lnRef idx="2">
+              <a:schemeClr val="accent1"/>
+            </a:lnRef>
+            <a:fillRef idx="0">
+              <a:schemeClr val="accent1"/>
+            </a:fillRef>
+            <a:effectRef idx="1">
+              <a:schemeClr val="accent1"/>
+            </a:effectRef>
+            <a:fontRef idx="minor">
+              <a:schemeClr val="tx1"/>
+            </a:fontRef>
+          </p:style>
+        </p:cxnSp>
+        <p:cxnSp>
+          <p:nvCxnSpPr>
+            <p:cNvPr id="18" name="Straight Connector 17">
+              <a:extLst>
+                <a:ext uri="{FF2B5EF4-FFF2-40B4-BE49-F238E27FC236}">
+                  <a16:creationId xmlns:a16="http://schemas.microsoft.com/office/drawing/2014/main" id="{DF944D0E-1FE0-47ED-9362-B7A1560D700A}"/>
+                </a:ext>
+                <a:ext uri="{C183D7F6-B498-43B3-948B-1728B52AA6E4}">
+                  <adec:decorative xmlns:adec="http://schemas.microsoft.com/office/drawing/2017/decorative" val="1"/>
+                </a:ext>
+              </a:extLst>
+            </p:cNvPr>
+            <p:cNvCxnSpPr/>
+            <p:nvPr>
+              <p:extLst>
+                <p:ext uri="{386F3935-93C4-4BCD-93E2-E3B085C9AB24}">
+                  <p16:designElem xmlns:p16="http://schemas.microsoft.com/office/powerpoint/2015/main" val="1"/>
+                </p:ext>
+              </p:extLst>
+            </p:nvPr>
+          </p:nvCxnSpPr>
+          <p:spPr>
+            <a:xfrm flipH="1">
+              <a:off x="10443103" y="3131080"/>
+              <a:ext cx="1745722" cy="1745720"/>
+            </a:xfrm>
+            <a:prstGeom prst="line">
+              <a:avLst/>
+            </a:prstGeom>
+            <a:ln w="28575">
+              <a:solidFill>
+                <a:srgbClr val="FFFFFF"/>
+              </a:solidFill>
+            </a:ln>
+          </p:spPr>
+          <p:style>
+            <a:lnRef idx="2">
+              <a:schemeClr val="accent1"/>
+            </a:lnRef>
+            <a:fillRef idx="0">
+              <a:schemeClr val="accent1"/>
+            </a:fillRef>
+            <a:effectRef idx="1">
+              <a:schemeClr val="accent1"/>
+            </a:effectRef>
+            <a:fontRef idx="minor">
+              <a:schemeClr val="tx1"/>
+            </a:fontRef>
+          </p:style>
+        </p:cxnSp>
+        <p:cxnSp>
+          <p:nvCxnSpPr>
+            <p:cNvPr id="19" name="Straight Connector 18">
+              <a:extLst>
+                <a:ext uri="{FF2B5EF4-FFF2-40B4-BE49-F238E27FC236}">
+                  <a16:creationId xmlns:a16="http://schemas.microsoft.com/office/drawing/2014/main" id="{35A66304-0B88-40BA-A57C-226AA50D4345}"/>
+                </a:ext>
+                <a:ext uri="{C183D7F6-B498-43B3-948B-1728B52AA6E4}">
+                  <adec:decorative xmlns:adec="http://schemas.microsoft.com/office/drawing/2017/decorative" val="1"/>
+                </a:ext>
+              </a:extLst>
+            </p:cNvPr>
+            <p:cNvCxnSpPr/>
+            <p:nvPr>
+              <p:extLst>
+                <p:ext uri="{386F3935-93C4-4BCD-93E2-E3B085C9AB24}">
+                  <p16:designElem xmlns:p16="http://schemas.microsoft.com/office/powerpoint/2015/main" val="1"/>
+                </p:ext>
+              </p:extLst>
+            </p:nvPr>
+          </p:nvCxnSpPr>
+          <p:spPr>
+            <a:xfrm flipH="1">
+              <a:off x="10918826" y="3683001"/>
+              <a:ext cx="1270001" cy="1269999"/>
+            </a:xfrm>
+            <a:prstGeom prst="line">
+              <a:avLst/>
+            </a:prstGeom>
+            <a:ln w="28575">
+              <a:solidFill>
+                <a:srgbClr val="FFFFFF"/>
+              </a:solidFill>
+            </a:ln>
+          </p:spPr>
+          <p:style>
+            <a:lnRef idx="2">
+              <a:schemeClr val="accent1"/>
+            </a:lnRef>
+            <a:fillRef idx="0">
+              <a:schemeClr val="accent1"/>
+            </a:fillRef>
+            <a:effectRef idx="1">
+              <a:schemeClr val="accent1"/>
+            </a:effectRef>
+            <a:fontRef idx="minor">
+              <a:schemeClr val="tx1"/>
+            </a:fontRef>
+          </p:style>
+        </p:cxnSp>
+      </p:grpSp>
+      <p:graphicFrame>
+        <p:nvGraphicFramePr>
+          <p:cNvPr id="7" name="Symbol zastępczy zawartości 2">
+            <a:extLst>
+              <a:ext uri="{FF2B5EF4-FFF2-40B4-BE49-F238E27FC236}">
+                <a16:creationId xmlns:a16="http://schemas.microsoft.com/office/drawing/2014/main" id="{0455C796-275E-4CA1-A47D-80E4CF19448C}"/>
+              </a:ext>
+            </a:extLst>
+          </p:cNvPr>
+          <p:cNvGraphicFramePr>
+            <a:graphicFrameLocks noGrp="1"/>
+          </p:cNvGraphicFramePr>
+          <p:nvPr>
+            <p:ph idx="1"/>
+          </p:nvPr>
+        </p:nvGraphicFramePr>
+        <p:xfrm>
+          <a:off x="1098550" y="1096964"/>
+          <a:ext cx="8991114" cy="3630680"/>
+        </p:xfrm>
+        <a:graphic>
+          <a:graphicData uri="http://schemas.openxmlformats.org/drawingml/2006/diagram">
+            <dgm:relIds xmlns:dgm="http://schemas.openxmlformats.org/drawingml/2006/diagram" xmlns:r="http://schemas.openxmlformats.org/officeDocument/2006/relationships" r:dm="rId3" r:lo="rId4" r:qs="rId5" r:cs="rId6"/>
+          </a:graphicData>
+        </a:graphic>
+      </p:graphicFrame>
+    </p:spTree>
+    <p:extLst>
+      <p:ext uri="{BB962C8B-B14F-4D97-AF65-F5344CB8AC3E}">
+        <p14:creationId xmlns:p14="http://schemas.microsoft.com/office/powerpoint/2010/main" val="1036712346"/>
+      </p:ext>
+    </p:extLst>
+  </p:cSld>
+  <p:clrMapOvr>
+    <a:overrideClrMapping bg1="lt1" tx1="dk1" bg2="lt2" tx2="dk2" accent1="accent1" accent2="accent2" accent3="accent3" accent4="accent4" accent5="accent5" accent6="accent6" hlink="hlink" folHlink="folHlink"/>
+  </p:clrMapOvr>
+</p:sld>
+</file>
+
+<file path=ppt/slides/slide12.xml><?xml version="1.0" encoding="utf-8"?>
+<p:sld xmlns:a="http://schemas.openxmlformats.org/drawingml/2006/main" xmlns:r="http://schemas.openxmlformats.org/officeDocument/2006/relationships" xmlns:p="http://schemas.openxmlformats.org/presentationml/2006/main">
+  <p:cSld>
+    <p:bg>
+      <p:bgPr>
+        <a:solidFill>
+          <a:schemeClr val="bg1"/>
+        </a:solidFill>
+        <a:effectLst/>
+      </p:bgPr>
+    </p:bg>
+    <p:spTree>
+      <p:nvGrpSpPr>
+        <p:cNvPr id="1" name=""/>
+        <p:cNvGrpSpPr/>
+        <p:nvPr/>
+      </p:nvGrpSpPr>
+      <p:grpSpPr>
+        <a:xfrm>
+          <a:off x="0" y="0"/>
+          <a:ext cx="0" cy="0"/>
+          <a:chOff x="0" y="0"/>
+          <a:chExt cx="0" cy="0"/>
+        </a:xfrm>
+      </p:grpSpPr>
+      <p:sp>
+        <p:nvSpPr>
+          <p:cNvPr id="10" name="Rectangle 9">
+            <a:extLst>
+              <a:ext uri="{FF2B5EF4-FFF2-40B4-BE49-F238E27FC236}">
+                <a16:creationId xmlns:a16="http://schemas.microsoft.com/office/drawing/2014/main" id="{40BBD06B-552C-4DF7-9E19-C5617573E252}"/>
+              </a:ext>
+              <a:ext uri="{C183D7F6-B498-43B3-948B-1728B52AA6E4}">
+                <adec:decorative xmlns:adec="http://schemas.microsoft.com/office/drawing/2017/decorative" val="1"/>
+              </a:ext>
+            </a:extLst>
+          </p:cNvPr>
+          <p:cNvSpPr>
+            <a:spLocks noGrp="1" noRot="1" noChangeAspect="1" noMove="1" noResize="1" noEditPoints="1" noAdjustHandles="1" noChangeArrowheads="1" noChangeShapeType="1" noTextEdit="1"/>
+          </p:cNvSpPr>
+          <p:nvPr>
+            <p:extLst>
+              <p:ext uri="{386F3935-93C4-4BCD-93E2-E3B085C9AB24}">
+                <p16:designElem xmlns:p16="http://schemas.microsoft.com/office/powerpoint/2015/main" val="1"/>
+              </p:ext>
+            </p:extLst>
+          </p:nvPr>
+        </p:nvSpPr>
+        <p:spPr>
+          <a:xfrm>
+            <a:off x="0" y="0"/>
+            <a:ext cx="12192000" cy="6858000"/>
+          </a:xfrm>
+          <a:prstGeom prst="rect">
+            <a:avLst/>
+          </a:prstGeom>
+          <a:gradFill>
+            <a:gsLst>
+              <a:gs pos="10000">
+                <a:schemeClr val="dk2">
+                  <a:tint val="97000"/>
+                  <a:hueMod val="92000"/>
+                  <a:satMod val="169000"/>
+                  <a:lumMod val="164000"/>
+                </a:schemeClr>
+              </a:gs>
+              <a:gs pos="100000">
+                <a:schemeClr val="dk2">
+                  <a:shade val="96000"/>
+                  <a:satMod val="120000"/>
+                  <a:lumMod val="90000"/>
+                </a:schemeClr>
+              </a:gs>
+            </a:gsLst>
+            <a:lin ang="6120000" scaled="1"/>
+          </a:gradFill>
+          <a:ln>
+            <a:noFill/>
+          </a:ln>
+        </p:spPr>
+        <p:style>
+          <a:lnRef idx="2">
+            <a:schemeClr val="accent1">
+              <a:shade val="50000"/>
+            </a:schemeClr>
+          </a:lnRef>
+          <a:fillRef idx="1002">
+            <a:schemeClr val="dk2"/>
+          </a:fillRef>
+          <a:effectRef idx="0">
+            <a:schemeClr val="accent1"/>
+          </a:effectRef>
+          <a:fontRef idx="minor">
+            <a:schemeClr val="lt1"/>
+          </a:fontRef>
+        </p:style>
+        <p:txBody>
+          <a:bodyPr rtlCol="0" anchor="ctr"/>
+          <a:lstStyle/>
+          <a:p>
+            <a:pPr algn="ctr"/>
+            <a:endParaRPr lang="en-US"/>
+          </a:p>
+        </p:txBody>
+      </p:sp>
+      <p:sp>
+        <p:nvSpPr>
+          <p:cNvPr id="2" name="Tytuł 1">
+            <a:extLst>
+              <a:ext uri="{FF2B5EF4-FFF2-40B4-BE49-F238E27FC236}">
+                <a16:creationId xmlns:a16="http://schemas.microsoft.com/office/drawing/2014/main" id="{4B49C389-72C6-4CA2-A110-7525192FABAE}"/>
+              </a:ext>
+            </a:extLst>
+          </p:cNvPr>
+          <p:cNvSpPr>
+            <a:spLocks noGrp="1"/>
+          </p:cNvSpPr>
+          <p:nvPr>
+            <p:ph type="title"/>
+          </p:nvPr>
+        </p:nvSpPr>
+        <p:spPr>
+          <a:xfrm>
+            <a:off x="793643" y="5317670"/>
+            <a:ext cx="8707922" cy="839821"/>
+          </a:xfrm>
+        </p:spPr>
+        <p:txBody>
+          <a:bodyPr anchor="b">
+            <a:normAutofit/>
+          </a:bodyPr>
+          <a:lstStyle/>
+          <a:p>
+            <a:r>
+              <a:rPr lang="pl-PL" sz="3200">
+                <a:solidFill>
+                  <a:srgbClr val="FFFFFF"/>
+                </a:solidFill>
+              </a:rPr>
+              <a:t>Odczyty i ZAPISY monotoniczne</a:t>
+            </a:r>
+          </a:p>
+        </p:txBody>
+      </p:sp>
+      <p:sp useBgFill="1">
+        <p:nvSpPr>
+          <p:cNvPr id="12" name="Snip Diagonal Corner Rectangle 21">
+            <a:extLst>
+              <a:ext uri="{FF2B5EF4-FFF2-40B4-BE49-F238E27FC236}">
+                <a16:creationId xmlns:a16="http://schemas.microsoft.com/office/drawing/2014/main" id="{1D27B411-D85B-4FEE-8EF5-0726CC104B50}"/>
+              </a:ext>
+              <a:ext uri="{C183D7F6-B498-43B3-948B-1728B52AA6E4}">
+                <adec:decorative xmlns:adec="http://schemas.microsoft.com/office/drawing/2017/decorative" val="1"/>
+              </a:ext>
+            </a:extLst>
+          </p:cNvPr>
+          <p:cNvSpPr>
+            <a:spLocks noGrp="1" noRot="1" noChangeAspect="1" noMove="1" noResize="1" noEditPoints="1" noAdjustHandles="1" noChangeArrowheads="1" noChangeShapeType="1" noTextEdit="1"/>
+          </p:cNvSpPr>
+          <p:nvPr>
+            <p:extLst>
+              <p:ext uri="{386F3935-93C4-4BCD-93E2-E3B085C9AB24}">
+                <p16:designElem xmlns:p16="http://schemas.microsoft.com/office/powerpoint/2015/main" val="1"/>
+              </p:ext>
+            </p:extLst>
+          </p:nvPr>
+        </p:nvSpPr>
+        <p:spPr>
+          <a:xfrm>
+            <a:off x="633999" y="620722"/>
+            <a:ext cx="9805929" cy="4418206"/>
+          </a:xfrm>
+          <a:prstGeom prst="snip2DiagRect">
+            <a:avLst>
+              <a:gd name="adj1" fmla="val 8741"/>
+              <a:gd name="adj2" fmla="val 0"/>
+            </a:avLst>
+          </a:prstGeom>
+          <a:ln>
+            <a:noFill/>
+          </a:ln>
+          <a:effectLst>
+            <a:innerShdw blurRad="57150" dist="38100" dir="14460000">
+              <a:prstClr val="black">
+                <a:alpha val="70000"/>
+              </a:prstClr>
+            </a:innerShdw>
+          </a:effectLst>
+        </p:spPr>
+        <p:style>
+          <a:lnRef idx="2">
+            <a:schemeClr val="accent1">
+              <a:shade val="50000"/>
+            </a:schemeClr>
+          </a:lnRef>
+          <a:fillRef idx="1">
+            <a:schemeClr val="accent1"/>
+          </a:fillRef>
+          <a:effectRef idx="0">
+            <a:schemeClr val="accent1"/>
+          </a:effectRef>
+          <a:fontRef idx="minor">
+            <a:schemeClr val="lt1"/>
+          </a:fontRef>
+        </p:style>
+        <p:txBody>
+          <a:bodyPr rtlCol="0" anchor="ctr"/>
+          <a:lstStyle/>
+          <a:p>
+            <a:pPr algn="ctr"/>
+            <a:endParaRPr lang="en-US"/>
+          </a:p>
+        </p:txBody>
+      </p:sp>
+      <p:grpSp>
+        <p:nvGrpSpPr>
+          <p:cNvPr id="14" name="Group 13">
+            <a:extLst>
+              <a:ext uri="{FF2B5EF4-FFF2-40B4-BE49-F238E27FC236}">
+                <a16:creationId xmlns:a16="http://schemas.microsoft.com/office/drawing/2014/main" id="{21C33B52-966B-48AB-B150-0703D341A00A}"/>
+              </a:ext>
+              <a:ext uri="{C183D7F6-B498-43B3-948B-1728B52AA6E4}">
+                <adec:decorative xmlns:adec="http://schemas.microsoft.com/office/drawing/2017/decorative" val="1"/>
+              </a:ext>
+            </a:extLst>
+          </p:cNvPr>
+          <p:cNvGrpSpPr>
+            <a:grpSpLocks noGrp="1" noUngrp="1" noRot="1" noChangeAspect="1" noMove="1" noResize="1"/>
+          </p:cNvGrpSpPr>
+          <p:nvPr>
+            <p:extLst>
+              <p:ext uri="{386F3935-93C4-4BCD-93E2-E3B085C9AB24}">
+                <p16:designElem xmlns:p16="http://schemas.microsoft.com/office/powerpoint/2015/main" val="1"/>
+              </p:ext>
+            </p:extLst>
+          </p:nvPr>
+        </p:nvGrpSpPr>
+        <p:grpSpPr>
+          <a:xfrm>
+            <a:off x="9206969" y="2963333"/>
+            <a:ext cx="2981858" cy="3208867"/>
+            <a:chOff x="9206969" y="2963333"/>
+            <a:chExt cx="2981858" cy="3208867"/>
+          </a:xfrm>
+        </p:grpSpPr>
+        <p:cxnSp>
+          <p:nvCxnSpPr>
+            <p:cNvPr id="15" name="Straight Connector 14">
+              <a:extLst>
+                <a:ext uri="{FF2B5EF4-FFF2-40B4-BE49-F238E27FC236}">
+                  <a16:creationId xmlns:a16="http://schemas.microsoft.com/office/drawing/2014/main" id="{A15605B8-360E-48F8-8236-1D79EF8EBF3A}"/>
+                </a:ext>
+                <a:ext uri="{C183D7F6-B498-43B3-948B-1728B52AA6E4}">
+                  <adec:decorative xmlns:adec="http://schemas.microsoft.com/office/drawing/2017/decorative" val="1"/>
+                </a:ext>
+              </a:extLst>
+            </p:cNvPr>
+            <p:cNvCxnSpPr/>
+            <p:nvPr>
+              <p:extLst>
+                <p:ext uri="{386F3935-93C4-4BCD-93E2-E3B085C9AB24}">
+                  <p16:designElem xmlns:p16="http://schemas.microsoft.com/office/powerpoint/2015/main" val="1"/>
+                </p:ext>
+              </p:extLst>
+            </p:nvPr>
+          </p:nvCxnSpPr>
+          <p:spPr>
+            <a:xfrm flipH="1">
+              <a:off x="11276012" y="2963333"/>
+              <a:ext cx="912814" cy="912812"/>
+            </a:xfrm>
+            <a:prstGeom prst="line">
+              <a:avLst/>
+            </a:prstGeom>
+            <a:ln w="9525">
+              <a:solidFill>
+                <a:srgbClr val="FFFFFF"/>
+              </a:solidFill>
+            </a:ln>
+          </p:spPr>
+          <p:style>
+            <a:lnRef idx="2">
+              <a:schemeClr val="accent1"/>
+            </a:lnRef>
+            <a:fillRef idx="0">
+              <a:schemeClr val="accent1"/>
+            </a:fillRef>
+            <a:effectRef idx="1">
+              <a:schemeClr val="accent1"/>
+            </a:effectRef>
+            <a:fontRef idx="minor">
+              <a:schemeClr val="tx1"/>
+            </a:fontRef>
+          </p:style>
+        </p:cxnSp>
+        <p:cxnSp>
+          <p:nvCxnSpPr>
+            <p:cNvPr id="16" name="Straight Connector 15">
+              <a:extLst>
+                <a:ext uri="{FF2B5EF4-FFF2-40B4-BE49-F238E27FC236}">
+                  <a16:creationId xmlns:a16="http://schemas.microsoft.com/office/drawing/2014/main" id="{FA3977D2-0245-428A-8353-C7231D91ED87}"/>
+                </a:ext>
+                <a:ext uri="{C183D7F6-B498-43B3-948B-1728B52AA6E4}">
+                  <adec:decorative xmlns:adec="http://schemas.microsoft.com/office/drawing/2017/decorative" val="1"/>
+                </a:ext>
+              </a:extLst>
+            </p:cNvPr>
+            <p:cNvCxnSpPr/>
+            <p:nvPr>
+              <p:extLst>
+                <p:ext uri="{386F3935-93C4-4BCD-93E2-E3B085C9AB24}">
+                  <p16:designElem xmlns:p16="http://schemas.microsoft.com/office/powerpoint/2015/main" val="1"/>
+                </p:ext>
+              </p:extLst>
+            </p:nvPr>
+          </p:nvCxnSpPr>
+          <p:spPr>
+            <a:xfrm flipH="1">
+              <a:off x="9206969" y="3190344"/>
+              <a:ext cx="2981857" cy="2981856"/>
+            </a:xfrm>
+            <a:prstGeom prst="line">
+              <a:avLst/>
+            </a:prstGeom>
+            <a:ln w="9525">
+              <a:solidFill>
+                <a:srgbClr val="FFFFFF"/>
+              </a:solidFill>
+            </a:ln>
+          </p:spPr>
+          <p:style>
+            <a:lnRef idx="2">
+              <a:schemeClr val="accent1"/>
+            </a:lnRef>
+            <a:fillRef idx="0">
+              <a:schemeClr val="accent1"/>
+            </a:fillRef>
+            <a:effectRef idx="1">
+              <a:schemeClr val="accent1"/>
+            </a:effectRef>
+            <a:fontRef idx="minor">
+              <a:schemeClr val="tx1"/>
+            </a:fontRef>
+          </p:style>
+        </p:cxnSp>
+        <p:cxnSp>
+          <p:nvCxnSpPr>
+            <p:cNvPr id="17" name="Straight Connector 16">
+              <a:extLst>
+                <a:ext uri="{FF2B5EF4-FFF2-40B4-BE49-F238E27FC236}">
+                  <a16:creationId xmlns:a16="http://schemas.microsoft.com/office/drawing/2014/main" id="{E9420A79-B7F1-42B2-8A65-7F990211ADB8}"/>
+                </a:ext>
+                <a:ext uri="{C183D7F6-B498-43B3-948B-1728B52AA6E4}">
+                  <adec:decorative xmlns:adec="http://schemas.microsoft.com/office/drawing/2017/decorative" val="1"/>
+                </a:ext>
+              </a:extLst>
+            </p:cNvPr>
+            <p:cNvCxnSpPr/>
+            <p:nvPr>
+              <p:extLst>
+                <p:ext uri="{386F3935-93C4-4BCD-93E2-E3B085C9AB24}">
+                  <p16:designElem xmlns:p16="http://schemas.microsoft.com/office/powerpoint/2015/main" val="1"/>
+                </p:ext>
+              </p:extLst>
+            </p:nvPr>
+          </p:nvCxnSpPr>
+          <p:spPr>
+            <a:xfrm flipH="1">
+              <a:off x="10292292" y="3285067"/>
+              <a:ext cx="1896534" cy="1896533"/>
+            </a:xfrm>
+            <a:prstGeom prst="line">
+              <a:avLst/>
+            </a:prstGeom>
+            <a:ln w="9525">
+              <a:solidFill>
+                <a:srgbClr val="FFFFFF"/>
+              </a:solidFill>
+            </a:ln>
+          </p:spPr>
+          <p:style>
+            <a:lnRef idx="2">
+              <a:schemeClr val="accent1"/>
+            </a:lnRef>
+            <a:fillRef idx="0">
+              <a:schemeClr val="accent1"/>
+            </a:fillRef>
+            <a:effectRef idx="1">
+              <a:schemeClr val="accent1"/>
+            </a:effectRef>
+            <a:fontRef idx="minor">
+              <a:schemeClr val="tx1"/>
+            </a:fontRef>
+          </p:style>
+        </p:cxnSp>
+        <p:cxnSp>
+          <p:nvCxnSpPr>
+            <p:cNvPr id="18" name="Straight Connector 17">
+              <a:extLst>
+                <a:ext uri="{FF2B5EF4-FFF2-40B4-BE49-F238E27FC236}">
+                  <a16:creationId xmlns:a16="http://schemas.microsoft.com/office/drawing/2014/main" id="{DF944D0E-1FE0-47ED-9362-B7A1560D700A}"/>
+                </a:ext>
+                <a:ext uri="{C183D7F6-B498-43B3-948B-1728B52AA6E4}">
+                  <adec:decorative xmlns:adec="http://schemas.microsoft.com/office/drawing/2017/decorative" val="1"/>
+                </a:ext>
+              </a:extLst>
+            </p:cNvPr>
+            <p:cNvCxnSpPr/>
+            <p:nvPr>
+              <p:extLst>
+                <p:ext uri="{386F3935-93C4-4BCD-93E2-E3B085C9AB24}">
+                  <p16:designElem xmlns:p16="http://schemas.microsoft.com/office/powerpoint/2015/main" val="1"/>
+                </p:ext>
+              </p:extLst>
+            </p:nvPr>
+          </p:nvCxnSpPr>
+          <p:spPr>
+            <a:xfrm flipH="1">
+              <a:off x="10443103" y="3131080"/>
+              <a:ext cx="1745722" cy="1745720"/>
+            </a:xfrm>
+            <a:prstGeom prst="line">
+              <a:avLst/>
+            </a:prstGeom>
+            <a:ln w="28575">
+              <a:solidFill>
+                <a:srgbClr val="FFFFFF"/>
+              </a:solidFill>
+            </a:ln>
+          </p:spPr>
+          <p:style>
+            <a:lnRef idx="2">
+              <a:schemeClr val="accent1"/>
+            </a:lnRef>
+            <a:fillRef idx="0">
+              <a:schemeClr val="accent1"/>
+            </a:fillRef>
+            <a:effectRef idx="1">
+              <a:schemeClr val="accent1"/>
+            </a:effectRef>
+            <a:fontRef idx="minor">
+              <a:schemeClr val="tx1"/>
+            </a:fontRef>
+          </p:style>
+        </p:cxnSp>
+        <p:cxnSp>
+          <p:nvCxnSpPr>
+            <p:cNvPr id="19" name="Straight Connector 18">
+              <a:extLst>
+                <a:ext uri="{FF2B5EF4-FFF2-40B4-BE49-F238E27FC236}">
+                  <a16:creationId xmlns:a16="http://schemas.microsoft.com/office/drawing/2014/main" id="{35A66304-0B88-40BA-A57C-226AA50D4345}"/>
+                </a:ext>
+                <a:ext uri="{C183D7F6-B498-43B3-948B-1728B52AA6E4}">
+                  <adec:decorative xmlns:adec="http://schemas.microsoft.com/office/drawing/2017/decorative" val="1"/>
+                </a:ext>
+              </a:extLst>
+            </p:cNvPr>
+            <p:cNvCxnSpPr/>
+            <p:nvPr>
+              <p:extLst>
+                <p:ext uri="{386F3935-93C4-4BCD-93E2-E3B085C9AB24}">
+                  <p16:designElem xmlns:p16="http://schemas.microsoft.com/office/powerpoint/2015/main" val="1"/>
+                </p:ext>
+              </p:extLst>
+            </p:nvPr>
+          </p:nvCxnSpPr>
+          <p:spPr>
+            <a:xfrm flipH="1">
+              <a:off x="10918826" y="3683001"/>
+              <a:ext cx="1270001" cy="1269999"/>
+            </a:xfrm>
+            <a:prstGeom prst="line">
+              <a:avLst/>
+            </a:prstGeom>
+            <a:ln w="28575">
+              <a:solidFill>
+                <a:srgbClr val="FFFFFF"/>
+              </a:solidFill>
+            </a:ln>
+          </p:spPr>
+          <p:style>
+            <a:lnRef idx="2">
+              <a:schemeClr val="accent1"/>
+            </a:lnRef>
+            <a:fillRef idx="0">
+              <a:schemeClr val="accent1"/>
+            </a:fillRef>
+            <a:effectRef idx="1">
+              <a:schemeClr val="accent1"/>
+            </a:effectRef>
+            <a:fontRef idx="minor">
+              <a:schemeClr val="tx1"/>
+            </a:fontRef>
+          </p:style>
+        </p:cxnSp>
+      </p:grpSp>
+      <p:pic>
+        <p:nvPicPr>
+          <p:cNvPr id="21" name="Obraz 21">
+            <a:extLst>
+              <a:ext uri="{FF2B5EF4-FFF2-40B4-BE49-F238E27FC236}">
+                <a16:creationId xmlns:a16="http://schemas.microsoft.com/office/drawing/2014/main" id="{1AFC4C3C-103C-9EB6-1A6D-0A5B0CA16CF6}"/>
+              </a:ext>
+            </a:extLst>
+          </p:cNvPr>
+          <p:cNvPicPr>
+            <a:picLocks noChangeAspect="1"/>
+          </p:cNvPicPr>
+          <p:nvPr/>
+        </p:nvPicPr>
+        <p:blipFill>
+          <a:blip r:embed="rId3"/>
+          <a:stretch>
+            <a:fillRect/>
+          </a:stretch>
+        </p:blipFill>
+        <p:spPr>
+          <a:xfrm>
+            <a:off x="1271881" y="1081690"/>
+            <a:ext cx="5443125" cy="1232694"/>
+          </a:xfrm>
+          <a:prstGeom prst="rect">
+            <a:avLst/>
+          </a:prstGeom>
+        </p:spPr>
+      </p:pic>
+      <p:sp>
+        <p:nvSpPr>
+          <p:cNvPr id="22" name="pole tekstowe 21">
+            <a:extLst>
+              <a:ext uri="{FF2B5EF4-FFF2-40B4-BE49-F238E27FC236}">
+                <a16:creationId xmlns:a16="http://schemas.microsoft.com/office/drawing/2014/main" id="{89521693-7058-10C9-247F-E453275FE7D7}"/>
+              </a:ext>
+            </a:extLst>
+          </p:cNvPr>
+          <p:cNvSpPr txBox="1"/>
+          <p:nvPr/>
+        </p:nvSpPr>
+        <p:spPr>
+          <a:xfrm>
+            <a:off x="1382888" y="2314222"/>
+            <a:ext cx="2897481" cy="366888"/>
+          </a:xfrm>
+          <a:prstGeom prst="rect">
+            <a:avLst/>
+          </a:prstGeom>
+          <a:noFill/>
+        </p:spPr>
+        <p:txBody>
+          <a:bodyPr rot="0" spcFirstLastPara="0" vertOverflow="overflow" horzOverflow="overflow" vert="horz" wrap="square" lIns="91440" tIns="45720" rIns="91440" bIns="45720" numCol="1" spcCol="0" rtlCol="0" fromWordArt="0" anchor="t" anchorCtr="0" forceAA="0" compatLnSpc="1">
+            <a:prstTxWarp prst="textNoShape">
+              <a:avLst/>
+            </a:prstTxWarp>
+            <a:spAutoFit/>
+          </a:bodyPr>
+          <a:lstStyle/>
+          <a:p>
+            <a:r>
+              <a:rPr lang="pl-PL"/>
+              <a:t>Odczyt monotoniczny</a:t>
+            </a:r>
+          </a:p>
+        </p:txBody>
+      </p:sp>
+      <p:sp>
+        <p:nvSpPr>
+          <p:cNvPr id="25" name="pole tekstowe 24">
+            <a:extLst>
+              <a:ext uri="{FF2B5EF4-FFF2-40B4-BE49-F238E27FC236}">
+                <a16:creationId xmlns:a16="http://schemas.microsoft.com/office/drawing/2014/main" id="{45EF94CF-FCE7-5BE1-DBF2-FBB244119980}"/>
+              </a:ext>
+            </a:extLst>
+          </p:cNvPr>
+          <p:cNvSpPr txBox="1"/>
+          <p:nvPr/>
+        </p:nvSpPr>
+        <p:spPr>
+          <a:xfrm>
+            <a:off x="6603999" y="4195704"/>
+            <a:ext cx="2897481" cy="366888"/>
+          </a:xfrm>
+          <a:prstGeom prst="rect">
+            <a:avLst/>
+          </a:prstGeom>
+          <a:noFill/>
+        </p:spPr>
+        <p:txBody>
+          <a:bodyPr rot="0" spcFirstLastPara="0" vertOverflow="overflow" horzOverflow="overflow" vert="horz" wrap="square" lIns="91440" tIns="45720" rIns="91440" bIns="45720" numCol="1" spcCol="0" rtlCol="0" fromWordArt="0" anchor="t" anchorCtr="0" forceAA="0" compatLnSpc="1">
+            <a:prstTxWarp prst="textNoShape">
+              <a:avLst/>
+            </a:prstTxWarp>
+            <a:spAutoFit/>
+          </a:bodyPr>
+          <a:lstStyle/>
+          <a:p>
+            <a:r>
+              <a:rPr lang="pl-PL"/>
+              <a:t>Zapis monotoniczny</a:t>
+            </a:r>
+          </a:p>
+        </p:txBody>
+      </p:sp>
+      <p:pic>
+        <p:nvPicPr>
+          <p:cNvPr id="26" name="Obraz 26" descr="Obraz zawierający tekst&#10;&#10;Opis wygenerowany automatycznie">
+            <a:extLst>
+              <a:ext uri="{FF2B5EF4-FFF2-40B4-BE49-F238E27FC236}">
+                <a16:creationId xmlns:a16="http://schemas.microsoft.com/office/drawing/2014/main" id="{851F196D-0C09-7247-1396-629752EDDC8A}"/>
+              </a:ext>
+            </a:extLst>
+          </p:cNvPr>
+          <p:cNvPicPr>
+            <a:picLocks noChangeAspect="1"/>
+          </p:cNvPicPr>
+          <p:nvPr/>
+        </p:nvPicPr>
+        <p:blipFill>
+          <a:blip r:embed="rId4"/>
+          <a:stretch>
+            <a:fillRect/>
+          </a:stretch>
+        </p:blipFill>
+        <p:spPr>
+          <a:xfrm>
+            <a:off x="4206993" y="2805184"/>
+            <a:ext cx="5574829" cy="1238220"/>
+          </a:xfrm>
+          <a:prstGeom prst="rect">
+            <a:avLst/>
+          </a:prstGeom>
+        </p:spPr>
+      </p:pic>
+    </p:spTree>
+    <p:extLst>
+      <p:ext uri="{BB962C8B-B14F-4D97-AF65-F5344CB8AC3E}">
+        <p14:creationId xmlns:p14="http://schemas.microsoft.com/office/powerpoint/2010/main" val="3405077647"/>
+      </p:ext>
+    </p:extLst>
+  </p:cSld>
+  <p:clrMapOvr>
+    <a:overrideClrMapping bg1="lt1" tx1="dk1" bg2="lt2" tx2="dk2" accent1="accent1" accent2="accent2" accent3="accent3" accent4="accent4" accent5="accent5" accent6="accent6" hlink="hlink" folHlink="folHlink"/>
+  </p:clrMapOvr>
+</p:sld>
+</file>
+
+<file path=ppt/slides/slide13.xml><?xml version="1.0" encoding="utf-8"?>
+<p:sld xmlns:a="http://schemas.openxmlformats.org/drawingml/2006/main" xmlns:r="http://schemas.openxmlformats.org/officeDocument/2006/relationships" xmlns:p="http://schemas.openxmlformats.org/presentationml/2006/main">
+  <p:cSld>
+    <p:bg>
+      <p:bgPr>
+        <a:solidFill>
+          <a:schemeClr val="bg1"/>
+        </a:solidFill>
+        <a:effectLst/>
+      </p:bgPr>
+    </p:bg>
+    <p:spTree>
+      <p:nvGrpSpPr>
+        <p:cNvPr id="1" name=""/>
+        <p:cNvGrpSpPr/>
+        <p:nvPr/>
+      </p:nvGrpSpPr>
+      <p:grpSpPr>
+        <a:xfrm>
+          <a:off x="0" y="0"/>
+          <a:ext cx="0" cy="0"/>
+          <a:chOff x="0" y="0"/>
+          <a:chExt cx="0" cy="0"/>
+        </a:xfrm>
+      </p:grpSpPr>
+      <p:sp>
+        <p:nvSpPr>
+          <p:cNvPr id="10" name="Rectangle 9">
+            <a:extLst>
+              <a:ext uri="{FF2B5EF4-FFF2-40B4-BE49-F238E27FC236}">
+                <a16:creationId xmlns:a16="http://schemas.microsoft.com/office/drawing/2014/main" id="{40BBD06B-552C-4DF7-9E19-C5617573E252}"/>
+              </a:ext>
+              <a:ext uri="{C183D7F6-B498-43B3-948B-1728B52AA6E4}">
+                <adec:decorative xmlns:adec="http://schemas.microsoft.com/office/drawing/2017/decorative" val="1"/>
+              </a:ext>
+            </a:extLst>
+          </p:cNvPr>
+          <p:cNvSpPr>
+            <a:spLocks noGrp="1" noRot="1" noChangeAspect="1" noMove="1" noResize="1" noEditPoints="1" noAdjustHandles="1" noChangeArrowheads="1" noChangeShapeType="1" noTextEdit="1"/>
+          </p:cNvSpPr>
+          <p:nvPr>
+            <p:extLst>
+              <p:ext uri="{386F3935-93C4-4BCD-93E2-E3B085C9AB24}">
+                <p16:designElem xmlns:p16="http://schemas.microsoft.com/office/powerpoint/2015/main" val="1"/>
+              </p:ext>
+            </p:extLst>
+          </p:nvPr>
+        </p:nvSpPr>
+        <p:spPr>
+          <a:xfrm>
+            <a:off x="0" y="0"/>
+            <a:ext cx="12192000" cy="6858000"/>
+          </a:xfrm>
+          <a:prstGeom prst="rect">
+            <a:avLst/>
+          </a:prstGeom>
+          <a:gradFill>
+            <a:gsLst>
+              <a:gs pos="10000">
+                <a:schemeClr val="dk2">
+                  <a:tint val="97000"/>
+                  <a:hueMod val="92000"/>
+                  <a:satMod val="169000"/>
+                  <a:lumMod val="164000"/>
+                </a:schemeClr>
+              </a:gs>
+              <a:gs pos="100000">
+                <a:schemeClr val="dk2">
+                  <a:shade val="96000"/>
+                  <a:satMod val="120000"/>
+                  <a:lumMod val="90000"/>
+                </a:schemeClr>
+              </a:gs>
+            </a:gsLst>
+            <a:lin ang="6120000" scaled="1"/>
+          </a:gradFill>
+          <a:ln>
+            <a:noFill/>
+          </a:ln>
+        </p:spPr>
+        <p:style>
+          <a:lnRef idx="2">
+            <a:schemeClr val="accent1">
+              <a:shade val="50000"/>
+            </a:schemeClr>
+          </a:lnRef>
+          <a:fillRef idx="1002">
+            <a:schemeClr val="dk2"/>
+          </a:fillRef>
+          <a:effectRef idx="0">
+            <a:schemeClr val="accent1"/>
+          </a:effectRef>
+          <a:fontRef idx="minor">
+            <a:schemeClr val="lt1"/>
+          </a:fontRef>
+        </p:style>
+        <p:txBody>
+          <a:bodyPr rtlCol="0" anchor="ctr"/>
+          <a:lstStyle/>
+          <a:p>
+            <a:pPr algn="ctr"/>
+            <a:endParaRPr lang="en-US"/>
+          </a:p>
+        </p:txBody>
+      </p:sp>
+      <p:sp>
+        <p:nvSpPr>
+          <p:cNvPr id="2" name="Tytuł 1">
+            <a:extLst>
+              <a:ext uri="{FF2B5EF4-FFF2-40B4-BE49-F238E27FC236}">
+                <a16:creationId xmlns:a16="http://schemas.microsoft.com/office/drawing/2014/main" id="{4B49C389-72C6-4CA2-A110-7525192FABAE}"/>
+              </a:ext>
+            </a:extLst>
+          </p:cNvPr>
+          <p:cNvSpPr>
+            <a:spLocks noGrp="1"/>
+          </p:cNvSpPr>
+          <p:nvPr>
+            <p:ph type="title"/>
+          </p:nvPr>
+        </p:nvSpPr>
+        <p:spPr>
+          <a:xfrm>
+            <a:off x="793643" y="5317670"/>
+            <a:ext cx="8707922" cy="839821"/>
+          </a:xfrm>
+        </p:spPr>
+        <p:txBody>
+          <a:bodyPr anchor="b">
+            <a:normAutofit fontScale="90000"/>
+          </a:bodyPr>
+          <a:lstStyle/>
+          <a:p>
+            <a:r>
+              <a:rPr lang="pl-PL" sz="3200">
+                <a:solidFill>
+                  <a:srgbClr val="FFFFFF"/>
+                </a:solidFill>
+              </a:rPr>
+              <a:t>"READ YOUR WRITES" ORAZ "WRITES FOLLOW READS"</a:t>
+            </a:r>
+          </a:p>
+        </p:txBody>
+      </p:sp>
+      <p:sp useBgFill="1">
+        <p:nvSpPr>
+          <p:cNvPr id="12" name="Snip Diagonal Corner Rectangle 21">
+            <a:extLst>
+              <a:ext uri="{FF2B5EF4-FFF2-40B4-BE49-F238E27FC236}">
+                <a16:creationId xmlns:a16="http://schemas.microsoft.com/office/drawing/2014/main" id="{1D27B411-D85B-4FEE-8EF5-0726CC104B50}"/>
+              </a:ext>
+              <a:ext uri="{C183D7F6-B498-43B3-948B-1728B52AA6E4}">
+                <adec:decorative xmlns:adec="http://schemas.microsoft.com/office/drawing/2017/decorative" val="1"/>
+              </a:ext>
+            </a:extLst>
+          </p:cNvPr>
+          <p:cNvSpPr>
+            <a:spLocks noGrp="1" noRot="1" noChangeAspect="1" noMove="1" noResize="1" noEditPoints="1" noAdjustHandles="1" noChangeArrowheads="1" noChangeShapeType="1" noTextEdit="1"/>
+          </p:cNvSpPr>
+          <p:nvPr>
+            <p:extLst>
+              <p:ext uri="{386F3935-93C4-4BCD-93E2-E3B085C9AB24}">
+                <p16:designElem xmlns:p16="http://schemas.microsoft.com/office/powerpoint/2015/main" val="1"/>
+              </p:ext>
+            </p:extLst>
+          </p:nvPr>
+        </p:nvSpPr>
+        <p:spPr>
+          <a:xfrm>
+            <a:off x="633999" y="620722"/>
+            <a:ext cx="9805929" cy="4418206"/>
+          </a:xfrm>
+          <a:prstGeom prst="snip2DiagRect">
+            <a:avLst>
+              <a:gd name="adj1" fmla="val 8741"/>
+              <a:gd name="adj2" fmla="val 0"/>
+            </a:avLst>
+          </a:prstGeom>
+          <a:ln>
+            <a:noFill/>
+          </a:ln>
+          <a:effectLst>
+            <a:innerShdw blurRad="57150" dist="38100" dir="14460000">
+              <a:prstClr val="black">
+                <a:alpha val="70000"/>
+              </a:prstClr>
+            </a:innerShdw>
+          </a:effectLst>
+        </p:spPr>
+        <p:style>
+          <a:lnRef idx="2">
+            <a:schemeClr val="accent1">
+              <a:shade val="50000"/>
+            </a:schemeClr>
+          </a:lnRef>
+          <a:fillRef idx="1">
+            <a:schemeClr val="accent1"/>
+          </a:fillRef>
+          <a:effectRef idx="0">
+            <a:schemeClr val="accent1"/>
+          </a:effectRef>
+          <a:fontRef idx="minor">
+            <a:schemeClr val="lt1"/>
+          </a:fontRef>
+        </p:style>
+        <p:txBody>
+          <a:bodyPr rtlCol="0" anchor="ctr"/>
+          <a:lstStyle/>
+          <a:p>
+            <a:pPr algn="ctr"/>
+            <a:endParaRPr lang="en-US"/>
+          </a:p>
+        </p:txBody>
+      </p:sp>
+      <p:grpSp>
+        <p:nvGrpSpPr>
+          <p:cNvPr id="14" name="Group 13">
+            <a:extLst>
+              <a:ext uri="{FF2B5EF4-FFF2-40B4-BE49-F238E27FC236}">
+                <a16:creationId xmlns:a16="http://schemas.microsoft.com/office/drawing/2014/main" id="{21C33B52-966B-48AB-B150-0703D341A00A}"/>
+              </a:ext>
+              <a:ext uri="{C183D7F6-B498-43B3-948B-1728B52AA6E4}">
+                <adec:decorative xmlns:adec="http://schemas.microsoft.com/office/drawing/2017/decorative" val="1"/>
+              </a:ext>
+            </a:extLst>
+          </p:cNvPr>
+          <p:cNvGrpSpPr>
+            <a:grpSpLocks noGrp="1" noUngrp="1" noRot="1" noChangeAspect="1" noMove="1" noResize="1"/>
+          </p:cNvGrpSpPr>
+          <p:nvPr>
+            <p:extLst>
+              <p:ext uri="{386F3935-93C4-4BCD-93E2-E3B085C9AB24}">
+                <p16:designElem xmlns:p16="http://schemas.microsoft.com/office/powerpoint/2015/main" val="1"/>
+              </p:ext>
+            </p:extLst>
+          </p:nvPr>
+        </p:nvGrpSpPr>
+        <p:grpSpPr>
+          <a:xfrm>
+            <a:off x="9206969" y="2963333"/>
+            <a:ext cx="2981858" cy="3208867"/>
+            <a:chOff x="9206969" y="2963333"/>
+            <a:chExt cx="2981858" cy="3208867"/>
+          </a:xfrm>
+        </p:grpSpPr>
+        <p:cxnSp>
+          <p:nvCxnSpPr>
+            <p:cNvPr id="15" name="Straight Connector 14">
+              <a:extLst>
+                <a:ext uri="{FF2B5EF4-FFF2-40B4-BE49-F238E27FC236}">
+                  <a16:creationId xmlns:a16="http://schemas.microsoft.com/office/drawing/2014/main" id="{A15605B8-360E-48F8-8236-1D79EF8EBF3A}"/>
+                </a:ext>
+                <a:ext uri="{C183D7F6-B498-43B3-948B-1728B52AA6E4}">
+                  <adec:decorative xmlns:adec="http://schemas.microsoft.com/office/drawing/2017/decorative" val="1"/>
+                </a:ext>
+              </a:extLst>
+            </p:cNvPr>
+            <p:cNvCxnSpPr/>
+            <p:nvPr>
+              <p:extLst>
+                <p:ext uri="{386F3935-93C4-4BCD-93E2-E3B085C9AB24}">
+                  <p16:designElem xmlns:p16="http://schemas.microsoft.com/office/powerpoint/2015/main" val="1"/>
+                </p:ext>
+              </p:extLst>
+            </p:nvPr>
+          </p:nvCxnSpPr>
+          <p:spPr>
+            <a:xfrm flipH="1">
+              <a:off x="11276012" y="2963333"/>
+              <a:ext cx="912814" cy="912812"/>
+            </a:xfrm>
+            <a:prstGeom prst="line">
+              <a:avLst/>
+            </a:prstGeom>
+            <a:ln w="9525">
+              <a:solidFill>
+                <a:srgbClr val="FFFFFF"/>
+              </a:solidFill>
+            </a:ln>
+          </p:spPr>
+          <p:style>
+            <a:lnRef idx="2">
+              <a:schemeClr val="accent1"/>
+            </a:lnRef>
+            <a:fillRef idx="0">
+              <a:schemeClr val="accent1"/>
+            </a:fillRef>
+            <a:effectRef idx="1">
+              <a:schemeClr val="accent1"/>
+            </a:effectRef>
+            <a:fontRef idx="minor">
+              <a:schemeClr val="tx1"/>
+            </a:fontRef>
+          </p:style>
+        </p:cxnSp>
+        <p:cxnSp>
+          <p:nvCxnSpPr>
+            <p:cNvPr id="16" name="Straight Connector 15">
+              <a:extLst>
+                <a:ext uri="{FF2B5EF4-FFF2-40B4-BE49-F238E27FC236}">
+                  <a16:creationId xmlns:a16="http://schemas.microsoft.com/office/drawing/2014/main" id="{FA3977D2-0245-428A-8353-C7231D91ED87}"/>
+                </a:ext>
+                <a:ext uri="{C183D7F6-B498-43B3-948B-1728B52AA6E4}">
+                  <adec:decorative xmlns:adec="http://schemas.microsoft.com/office/drawing/2017/decorative" val="1"/>
+                </a:ext>
+              </a:extLst>
+            </p:cNvPr>
+            <p:cNvCxnSpPr/>
+            <p:nvPr>
+              <p:extLst>
+                <p:ext uri="{386F3935-93C4-4BCD-93E2-E3B085C9AB24}">
+                  <p16:designElem xmlns:p16="http://schemas.microsoft.com/office/powerpoint/2015/main" val="1"/>
+                </p:ext>
+              </p:extLst>
+            </p:nvPr>
+          </p:nvCxnSpPr>
+          <p:spPr>
+            <a:xfrm flipH="1">
+              <a:off x="9206969" y="3190344"/>
+              <a:ext cx="2981857" cy="2981856"/>
+            </a:xfrm>
+            <a:prstGeom prst="line">
+              <a:avLst/>
+            </a:prstGeom>
+            <a:ln w="9525">
+              <a:solidFill>
+                <a:srgbClr val="FFFFFF"/>
+              </a:solidFill>
+            </a:ln>
+          </p:spPr>
+          <p:style>
+            <a:lnRef idx="2">
+              <a:schemeClr val="accent1"/>
+            </a:lnRef>
+            <a:fillRef idx="0">
+              <a:schemeClr val="accent1"/>
+            </a:fillRef>
+            <a:effectRef idx="1">
+              <a:schemeClr val="accent1"/>
+            </a:effectRef>
+            <a:fontRef idx="minor">
+              <a:schemeClr val="tx1"/>
+            </a:fontRef>
+          </p:style>
+        </p:cxnSp>
+        <p:cxnSp>
+          <p:nvCxnSpPr>
+            <p:cNvPr id="17" name="Straight Connector 16">
+              <a:extLst>
+                <a:ext uri="{FF2B5EF4-FFF2-40B4-BE49-F238E27FC236}">
+                  <a16:creationId xmlns:a16="http://schemas.microsoft.com/office/drawing/2014/main" id="{E9420A79-B7F1-42B2-8A65-7F990211ADB8}"/>
+                </a:ext>
+                <a:ext uri="{C183D7F6-B498-43B3-948B-1728B52AA6E4}">
+                  <adec:decorative xmlns:adec="http://schemas.microsoft.com/office/drawing/2017/decorative" val="1"/>
+                </a:ext>
+              </a:extLst>
+            </p:cNvPr>
+            <p:cNvCxnSpPr/>
+            <p:nvPr>
+              <p:extLst>
+                <p:ext uri="{386F3935-93C4-4BCD-93E2-E3B085C9AB24}">
+                  <p16:designElem xmlns:p16="http://schemas.microsoft.com/office/powerpoint/2015/main" val="1"/>
+                </p:ext>
+              </p:extLst>
+            </p:nvPr>
+          </p:nvCxnSpPr>
+          <p:spPr>
+            <a:xfrm flipH="1">
+              <a:off x="10292292" y="3285067"/>
+              <a:ext cx="1896534" cy="1896533"/>
+            </a:xfrm>
+            <a:prstGeom prst="line">
+              <a:avLst/>
+            </a:prstGeom>
+            <a:ln w="9525">
+              <a:solidFill>
+                <a:srgbClr val="FFFFFF"/>
+              </a:solidFill>
+            </a:ln>
+          </p:spPr>
+          <p:style>
+            <a:lnRef idx="2">
+              <a:schemeClr val="accent1"/>
+            </a:lnRef>
+            <a:fillRef idx="0">
+              <a:schemeClr val="accent1"/>
+            </a:fillRef>
+            <a:effectRef idx="1">
+              <a:schemeClr val="accent1"/>
+            </a:effectRef>
+            <a:fontRef idx="minor">
+              <a:schemeClr val="tx1"/>
+            </a:fontRef>
+          </p:style>
+        </p:cxnSp>
+        <p:cxnSp>
+          <p:nvCxnSpPr>
+            <p:cNvPr id="18" name="Straight Connector 17">
+              <a:extLst>
+                <a:ext uri="{FF2B5EF4-FFF2-40B4-BE49-F238E27FC236}">
+                  <a16:creationId xmlns:a16="http://schemas.microsoft.com/office/drawing/2014/main" id="{DF944D0E-1FE0-47ED-9362-B7A1560D700A}"/>
+                </a:ext>
+                <a:ext uri="{C183D7F6-B498-43B3-948B-1728B52AA6E4}">
+                  <adec:decorative xmlns:adec="http://schemas.microsoft.com/office/drawing/2017/decorative" val="1"/>
+                </a:ext>
+              </a:extLst>
+            </p:cNvPr>
+            <p:cNvCxnSpPr/>
+            <p:nvPr>
+              <p:extLst>
+                <p:ext uri="{386F3935-93C4-4BCD-93E2-E3B085C9AB24}">
+                  <p16:designElem xmlns:p16="http://schemas.microsoft.com/office/powerpoint/2015/main" val="1"/>
+                </p:ext>
+              </p:extLst>
+            </p:nvPr>
+          </p:nvCxnSpPr>
+          <p:spPr>
+            <a:xfrm flipH="1">
+              <a:off x="10443103" y="3131080"/>
+              <a:ext cx="1745722" cy="1745720"/>
+            </a:xfrm>
+            <a:prstGeom prst="line">
+              <a:avLst/>
+            </a:prstGeom>
+            <a:ln w="28575">
+              <a:solidFill>
+                <a:srgbClr val="FFFFFF"/>
+              </a:solidFill>
+            </a:ln>
+          </p:spPr>
+          <p:style>
+            <a:lnRef idx="2">
+              <a:schemeClr val="accent1"/>
+            </a:lnRef>
+            <a:fillRef idx="0">
+              <a:schemeClr val="accent1"/>
+            </a:fillRef>
+            <a:effectRef idx="1">
+              <a:schemeClr val="accent1"/>
+            </a:effectRef>
+            <a:fontRef idx="minor">
+              <a:schemeClr val="tx1"/>
+            </a:fontRef>
+          </p:style>
+        </p:cxnSp>
+        <p:cxnSp>
+          <p:nvCxnSpPr>
+            <p:cNvPr id="19" name="Straight Connector 18">
+              <a:extLst>
+                <a:ext uri="{FF2B5EF4-FFF2-40B4-BE49-F238E27FC236}">
+                  <a16:creationId xmlns:a16="http://schemas.microsoft.com/office/drawing/2014/main" id="{35A66304-0B88-40BA-A57C-226AA50D4345}"/>
+                </a:ext>
+                <a:ext uri="{C183D7F6-B498-43B3-948B-1728B52AA6E4}">
+                  <adec:decorative xmlns:adec="http://schemas.microsoft.com/office/drawing/2017/decorative" val="1"/>
+                </a:ext>
+              </a:extLst>
+            </p:cNvPr>
+            <p:cNvCxnSpPr/>
+            <p:nvPr>
+              <p:extLst>
+                <p:ext uri="{386F3935-93C4-4BCD-93E2-E3B085C9AB24}">
+                  <p16:designElem xmlns:p16="http://schemas.microsoft.com/office/powerpoint/2015/main" val="1"/>
+                </p:ext>
+              </p:extLst>
+            </p:nvPr>
+          </p:nvCxnSpPr>
+          <p:spPr>
+            <a:xfrm flipH="1">
+              <a:off x="10918826" y="3683001"/>
+              <a:ext cx="1270001" cy="1269999"/>
+            </a:xfrm>
+            <a:prstGeom prst="line">
+              <a:avLst/>
+            </a:prstGeom>
+            <a:ln w="28575">
+              <a:solidFill>
+                <a:srgbClr val="FFFFFF"/>
+              </a:solidFill>
+            </a:ln>
+          </p:spPr>
+          <p:style>
+            <a:lnRef idx="2">
+              <a:schemeClr val="accent1"/>
+            </a:lnRef>
+            <a:fillRef idx="0">
+              <a:schemeClr val="accent1"/>
+            </a:fillRef>
+            <a:effectRef idx="1">
+              <a:schemeClr val="accent1"/>
+            </a:effectRef>
+            <a:fontRef idx="minor">
+              <a:schemeClr val="tx1"/>
+            </a:fontRef>
+          </p:style>
+        </p:cxnSp>
+      </p:grpSp>
+      <p:sp>
+        <p:nvSpPr>
+          <p:cNvPr id="22" name="pole tekstowe 21">
+            <a:extLst>
+              <a:ext uri="{FF2B5EF4-FFF2-40B4-BE49-F238E27FC236}">
+                <a16:creationId xmlns:a16="http://schemas.microsoft.com/office/drawing/2014/main" id="{89521693-7058-10C9-247F-E453275FE7D7}"/>
+              </a:ext>
+            </a:extLst>
+          </p:cNvPr>
+          <p:cNvSpPr txBox="1"/>
+          <p:nvPr/>
+        </p:nvSpPr>
+        <p:spPr>
+          <a:xfrm>
+            <a:off x="1382888" y="2314222"/>
+            <a:ext cx="2897481" cy="366888"/>
+          </a:xfrm>
+          <a:prstGeom prst="rect">
+            <a:avLst/>
+          </a:prstGeom>
+          <a:noFill/>
+        </p:spPr>
+        <p:txBody>
+          <a:bodyPr rot="0" spcFirstLastPara="0" vertOverflow="overflow" horzOverflow="overflow" vert="horz" wrap="square" lIns="91440" tIns="45720" rIns="91440" bIns="45720" numCol="1" spcCol="0" rtlCol="0" fromWordArt="0" anchor="t" anchorCtr="0" forceAA="0" compatLnSpc="1">
+            <a:prstTxWarp prst="textNoShape">
+              <a:avLst/>
+            </a:prstTxWarp>
+            <a:spAutoFit/>
+          </a:bodyPr>
+          <a:lstStyle/>
+          <a:p>
+            <a:r>
+              <a:rPr lang="pl-PL"/>
+              <a:t>"Read Your Writes"</a:t>
+            </a:r>
+          </a:p>
+        </p:txBody>
+      </p:sp>
+      <p:sp>
+        <p:nvSpPr>
+          <p:cNvPr id="25" name="pole tekstowe 24">
+            <a:extLst>
+              <a:ext uri="{FF2B5EF4-FFF2-40B4-BE49-F238E27FC236}">
+                <a16:creationId xmlns:a16="http://schemas.microsoft.com/office/drawing/2014/main" id="{45EF94CF-FCE7-5BE1-DBF2-FBB244119980}"/>
+              </a:ext>
+            </a:extLst>
+          </p:cNvPr>
+          <p:cNvSpPr txBox="1"/>
+          <p:nvPr/>
+        </p:nvSpPr>
+        <p:spPr>
+          <a:xfrm>
+            <a:off x="6603999" y="4195704"/>
+            <a:ext cx="2897481" cy="366888"/>
+          </a:xfrm>
+          <a:prstGeom prst="rect">
+            <a:avLst/>
+          </a:prstGeom>
+          <a:noFill/>
+        </p:spPr>
+        <p:txBody>
+          <a:bodyPr rot="0" spcFirstLastPara="0" vertOverflow="overflow" horzOverflow="overflow" vert="horz" wrap="square" lIns="91440" tIns="45720" rIns="91440" bIns="45720" numCol="1" spcCol="0" rtlCol="0" fromWordArt="0" anchor="t" anchorCtr="0" forceAA="0" compatLnSpc="1">
+            <a:prstTxWarp prst="textNoShape">
+              <a:avLst/>
+            </a:prstTxWarp>
+            <a:spAutoFit/>
+          </a:bodyPr>
+          <a:lstStyle/>
+          <a:p>
+            <a:r>
+              <a:rPr lang="pl-PL"/>
+              <a:t>"Writes Follow Reads"</a:t>
+            </a:r>
+          </a:p>
+        </p:txBody>
+      </p:sp>
+      <p:pic>
+        <p:nvPicPr>
+          <p:cNvPr id="3" name="Obraz 3" descr="Obraz zawierający stół&#10;&#10;Opis wygenerowany automatycznie">
+            <a:extLst>
+              <a:ext uri="{FF2B5EF4-FFF2-40B4-BE49-F238E27FC236}">
+                <a16:creationId xmlns:a16="http://schemas.microsoft.com/office/drawing/2014/main" id="{C046F284-D6E3-39A3-9540-7BCDD4E3F827}"/>
+              </a:ext>
+            </a:extLst>
+          </p:cNvPr>
+          <p:cNvPicPr>
+            <a:picLocks noChangeAspect="1"/>
+          </p:cNvPicPr>
+          <p:nvPr/>
+        </p:nvPicPr>
+        <p:blipFill>
+          <a:blip r:embed="rId3"/>
+          <a:stretch>
+            <a:fillRect/>
+          </a:stretch>
+        </p:blipFill>
+        <p:spPr>
+          <a:xfrm>
+            <a:off x="1177807" y="956583"/>
+            <a:ext cx="6054607" cy="1313573"/>
+          </a:xfrm>
+          <a:prstGeom prst="rect">
+            <a:avLst/>
+          </a:prstGeom>
+        </p:spPr>
+      </p:pic>
+      <p:pic>
+        <p:nvPicPr>
+          <p:cNvPr id="4" name="Obraz 4">
+            <a:extLst>
+              <a:ext uri="{FF2B5EF4-FFF2-40B4-BE49-F238E27FC236}">
+                <a16:creationId xmlns:a16="http://schemas.microsoft.com/office/drawing/2014/main" id="{246FD682-954C-BE1C-4E82-F7207AE121FD}"/>
+              </a:ext>
+            </a:extLst>
+          </p:cNvPr>
+          <p:cNvPicPr>
+            <a:picLocks noChangeAspect="1"/>
+          </p:cNvPicPr>
+          <p:nvPr/>
+        </p:nvPicPr>
+        <p:blipFill>
+          <a:blip r:embed="rId4"/>
+          <a:stretch>
+            <a:fillRect/>
+          </a:stretch>
+        </p:blipFill>
+        <p:spPr>
+          <a:xfrm>
+            <a:off x="3181585" y="2919474"/>
+            <a:ext cx="6524977" cy="1178978"/>
+          </a:xfrm>
+          <a:prstGeom prst="rect">
+            <a:avLst/>
+          </a:prstGeom>
+        </p:spPr>
+      </p:pic>
+    </p:spTree>
+    <p:extLst>
+      <p:ext uri="{BB962C8B-B14F-4D97-AF65-F5344CB8AC3E}">
+        <p14:creationId xmlns:p14="http://schemas.microsoft.com/office/powerpoint/2010/main" val="4095551309"/>
+      </p:ext>
+    </p:extLst>
+  </p:cSld>
+  <p:clrMapOvr>
+    <a:overrideClrMapping bg1="lt1" tx1="dk1" bg2="lt2" tx2="dk2" accent1="accent1" accent2="accent2" accent3="accent3" accent4="accent4" accent5="accent5" accent6="accent6" hlink="hlink" folHlink="folHlink"/>
+  </p:clrMapOvr>
+</p:sld>
+</file>
+
+<file path=ppt/slides/slide14.xml><?xml version="1.0" encoding="utf-8"?>
+<p:sld xmlns:a="http://schemas.openxmlformats.org/drawingml/2006/main" xmlns:r="http://schemas.openxmlformats.org/officeDocument/2006/relationships" xmlns:p="http://schemas.openxmlformats.org/presentationml/2006/main">
+  <p:cSld>
+    <p:spTree>
+      <p:nvGrpSpPr>
+        <p:cNvPr id="1" name=""/>
+        <p:cNvGrpSpPr/>
+        <p:nvPr/>
+      </p:nvGrpSpPr>
+      <p:grpSpPr>
+        <a:xfrm>
+          <a:off x="0" y="0"/>
+          <a:ext cx="0" cy="0"/>
+          <a:chOff x="0" y="0"/>
+          <a:chExt cx="0" cy="0"/>
+        </a:xfrm>
+      </p:grpSpPr>
+      <p:sp>
+        <p:nvSpPr>
+          <p:cNvPr id="2" name="Tytuł 1">
+            <a:extLst>
+              <a:ext uri="{FF2B5EF4-FFF2-40B4-BE49-F238E27FC236}">
+                <a16:creationId xmlns:a16="http://schemas.microsoft.com/office/drawing/2014/main" id="{4B49C389-72C6-4CA2-A110-7525192FABAE}"/>
+              </a:ext>
+            </a:extLst>
+          </p:cNvPr>
+          <p:cNvSpPr>
+            <a:spLocks noGrp="1"/>
+          </p:cNvSpPr>
+          <p:nvPr>
+            <p:ph type="title"/>
+          </p:nvPr>
+        </p:nvSpPr>
+        <p:spPr>
+          <a:xfrm>
+            <a:off x="1111357" y="5489262"/>
+            <a:ext cx="7588889" cy="839821"/>
+          </a:xfrm>
+        </p:spPr>
+        <p:txBody>
+          <a:bodyPr anchor="b">
+            <a:normAutofit fontScale="90000"/>
+          </a:bodyPr>
+          <a:lstStyle/>
+          <a:p>
+            <a:r>
+              <a:rPr lang="en-US" sz="4000" dirty="0">
+                <a:solidFill>
+                  <a:srgbClr val="FFFFFF"/>
+                </a:solidFill>
+              </a:rPr>
+              <a:t>Teoria CAP</a:t>
+            </a:r>
+            <a:br>
+              <a:rPr lang="en-US" sz="4000" dirty="0">
+                <a:solidFill>
+                  <a:srgbClr val="FFFFFF"/>
+                </a:solidFill>
+              </a:rPr>
+            </a:br>
+            <a:r>
+              <a:rPr lang="en-US" sz="3100" dirty="0" err="1">
+                <a:solidFill>
+                  <a:srgbClr val="FFFFFF"/>
+                </a:solidFill>
+              </a:rPr>
+              <a:t>przykład</a:t>
+            </a:r>
+            <a:endParaRPr lang="pl-PL" sz="3100" dirty="0">
+              <a:solidFill>
+                <a:srgbClr val="FFFFFF"/>
+              </a:solidFill>
+            </a:endParaRPr>
+          </a:p>
+        </p:txBody>
+      </p:sp>
+      <p:pic>
+        <p:nvPicPr>
+          <p:cNvPr id="7" name="Content Placeholder 6" descr="Diagram&#10;&#10;Description automatically generated">
+            <a:extLst>
+              <a:ext uri="{FF2B5EF4-FFF2-40B4-BE49-F238E27FC236}">
+                <a16:creationId xmlns:a16="http://schemas.microsoft.com/office/drawing/2014/main" id="{C1C07B12-360D-444C-81A2-076F01D0B617}"/>
+              </a:ext>
+            </a:extLst>
+          </p:cNvPr>
+          <p:cNvPicPr>
+            <a:picLocks noGrp="1" noChangeAspect="1"/>
+          </p:cNvPicPr>
+          <p:nvPr>
+            <p:ph idx="1"/>
+          </p:nvPr>
+        </p:nvPicPr>
+        <p:blipFill>
+          <a:blip r:embed="rId3"/>
+          <a:stretch>
+            <a:fillRect/>
+          </a:stretch>
+        </p:blipFill>
+        <p:spPr>
+          <a:xfrm>
+            <a:off x="1111357" y="354105"/>
+            <a:ext cx="8118974" cy="4453134"/>
+          </a:xfrm>
+        </p:spPr>
+      </p:pic>
+    </p:spTree>
+    <p:extLst>
+      <p:ext uri="{BB962C8B-B14F-4D97-AF65-F5344CB8AC3E}">
+        <p14:creationId xmlns:p14="http://schemas.microsoft.com/office/powerpoint/2010/main" val="1413914736"/>
+      </p:ext>
+    </p:extLst>
+  </p:cSld>
+  <p:clrMapOvr>
+    <a:masterClrMapping/>
+  </p:clrMapOvr>
+</p:sld>
+</file>
+
+<file path=ppt/slides/slide15.xml><?xml version="1.0" encoding="utf-8"?>
+<p:sld xmlns:a="http://schemas.openxmlformats.org/drawingml/2006/main" xmlns:r="http://schemas.openxmlformats.org/officeDocument/2006/relationships" xmlns:p="http://schemas.openxmlformats.org/presentationml/2006/main">
+  <p:cSld>
+    <p:spTree>
+      <p:nvGrpSpPr>
+        <p:cNvPr id="1" name=""/>
+        <p:cNvGrpSpPr/>
+        <p:nvPr/>
+      </p:nvGrpSpPr>
+      <p:grpSpPr>
+        <a:xfrm>
+          <a:off x="0" y="0"/>
+          <a:ext cx="0" cy="0"/>
+          <a:chOff x="0" y="0"/>
+          <a:chExt cx="0" cy="0"/>
+        </a:xfrm>
+      </p:grpSpPr>
+      <p:sp>
+        <p:nvSpPr>
+          <p:cNvPr id="2" name="Tytuł 1">
+            <a:extLst>
+              <a:ext uri="{FF2B5EF4-FFF2-40B4-BE49-F238E27FC236}">
+                <a16:creationId xmlns:a16="http://schemas.microsoft.com/office/drawing/2014/main" id="{4B49C389-72C6-4CA2-A110-7525192FABAE}"/>
+              </a:ext>
+            </a:extLst>
+          </p:cNvPr>
+          <p:cNvSpPr>
+            <a:spLocks noGrp="1"/>
+          </p:cNvSpPr>
+          <p:nvPr>
+            <p:ph type="title"/>
+          </p:nvPr>
+        </p:nvSpPr>
+        <p:spPr>
+          <a:xfrm>
+            <a:off x="7807992" y="313764"/>
+            <a:ext cx="4765008" cy="839821"/>
+          </a:xfrm>
+        </p:spPr>
+        <p:txBody>
+          <a:bodyPr anchor="b">
+            <a:normAutofit/>
+          </a:bodyPr>
+          <a:lstStyle/>
+          <a:p>
+            <a:r>
+              <a:rPr lang="en-US" sz="4000" dirty="0">
+                <a:solidFill>
+                  <a:srgbClr val="FFFFFF"/>
+                </a:solidFill>
+              </a:rPr>
+              <a:t>Teoria CAP</a:t>
+            </a:r>
+            <a:endParaRPr lang="pl-PL" sz="3100" dirty="0">
+              <a:solidFill>
+                <a:srgbClr val="FFFFFF"/>
+              </a:solidFill>
+            </a:endParaRPr>
+          </a:p>
+        </p:txBody>
+      </p:sp>
+      <p:pic>
+        <p:nvPicPr>
+          <p:cNvPr id="6" name="Content Placeholder 5" descr="Diagram, venn diagram&#10;&#10;Description automatically generated">
+            <a:extLst>
+              <a:ext uri="{FF2B5EF4-FFF2-40B4-BE49-F238E27FC236}">
+                <a16:creationId xmlns:a16="http://schemas.microsoft.com/office/drawing/2014/main" id="{0334AFA7-064E-4A40-9753-05E06C897FAD}"/>
+              </a:ext>
+            </a:extLst>
+          </p:cNvPr>
+          <p:cNvPicPr>
+            <a:picLocks noGrp="1" noChangeAspect="1"/>
+          </p:cNvPicPr>
+          <p:nvPr>
+            <p:ph idx="1"/>
+          </p:nvPr>
+        </p:nvPicPr>
+        <p:blipFill>
+          <a:blip r:embed="rId3"/>
+          <a:stretch>
+            <a:fillRect/>
+          </a:stretch>
+        </p:blipFill>
+        <p:spPr>
+          <a:xfrm>
+            <a:off x="530246" y="417146"/>
+            <a:ext cx="6563770" cy="5671509"/>
+          </a:xfrm>
+        </p:spPr>
+      </p:pic>
+    </p:spTree>
+    <p:extLst>
+      <p:ext uri="{BB962C8B-B14F-4D97-AF65-F5344CB8AC3E}">
+        <p14:creationId xmlns:p14="http://schemas.microsoft.com/office/powerpoint/2010/main" val="545939420"/>
+      </p:ext>
+    </p:extLst>
+  </p:cSld>
+  <p:clrMapOvr>
+    <a:masterClrMapping/>
+  </p:clrMapOvr>
+</p:sld>
+</file>
+
+<file path=ppt/slides/slide16.xml><?xml version="1.0" encoding="utf-8"?>
 <p:sld xmlns:a="http://schemas.openxmlformats.org/drawingml/2006/main" xmlns:r="http://schemas.openxmlformats.org/officeDocument/2006/relationships" xmlns:p="http://schemas.openxmlformats.org/presentationml/2006/main">
   <p:cSld>
     <p:bg>
@@ -19112,7 +25343,7 @@
           <a:p>
             <a:r>
               <a:rPr lang="pl-PL" dirty="0"/>
-              <a:t>Poziomy Spójności</a:t>
+              <a:t>Poziomy Spójności OPERACJI/OBIEKTU</a:t>
             </a:r>
           </a:p>
         </p:txBody>
@@ -19148,6 +25379,28 @@
             </a:r>
           </a:p>
           <a:p>
+            <a:pPr>
+              <a:buClr>
+                <a:srgbClr val="FFFFFF"/>
+              </a:buClr>
+            </a:pPr>
+            <a:r>
+              <a:rPr lang="pl-PL" dirty="0">
+                <a:solidFill>
+                  <a:schemeClr val="tx1"/>
+                </a:solidFill>
+                <a:ea typeface="+mn-lt"/>
+                <a:cs typeface="+mn-lt"/>
+              </a:rPr>
+              <a:t>Spójność słaba</a:t>
+            </a:r>
+            <a:endParaRPr lang="pl-PL" dirty="0">
+              <a:solidFill>
+                <a:schemeClr val="tx1"/>
+              </a:solidFill>
+            </a:endParaRPr>
+          </a:p>
+          <a:p>
             <a:r>
               <a:rPr lang="pl-PL" dirty="0">
                 <a:solidFill>
@@ -19171,31 +25424,21 @@
             <a:r>
               <a:rPr lang="pl-PL" dirty="0">
                 <a:solidFill>
-                  <a:schemeClr val="tx1"/>
-                </a:solidFill>
-              </a:rPr>
-              <a:t>Wczytywanie własnych zapisów użytkownika</a:t>
-            </a:r>
-          </a:p>
-          <a:p>
-            <a:r>
-              <a:rPr lang="pl-PL" dirty="0">
-                <a:solidFill>
-                  <a:schemeClr val="tx1"/>
+                  <a:srgbClr val="FFC000"/>
                 </a:solidFill>
               </a:rPr>
               <a:t>Spójność ostateczna</a:t>
             </a:r>
           </a:p>
           <a:p>
-            <a:r>
-              <a:rPr lang="pl-PL" dirty="0">
-                <a:solidFill>
-                  <a:schemeClr val="tx1"/>
-                </a:solidFill>
-              </a:rPr>
-              <a:t>Spójność słaba</a:t>
-            </a:r>
+            <a:pPr marL="0" indent="0">
+              <a:buNone/>
+            </a:pPr>
+            <a:endParaRPr lang="pl-PL" dirty="0">
+              <a:solidFill>
+                <a:schemeClr val="tx1"/>
+              </a:solidFill>
+            </a:endParaRPr>
           </a:p>
           <a:p>
             <a:endParaRPr lang="pl-PL" dirty="0"/>
